--- a/slides/MPI/MPI-datatypes.pptx
+++ b/slides/MPI/MPI-datatypes.pptx
@@ -5,7 +5,7 @@
     <p:sldMasterId id="2147483648" r:id="rId1"/>
   </p:sldMasterIdLst>
   <p:notesMasterIdLst>
-    <p:notesMasterId r:id="rId36"/>
+    <p:notesMasterId r:id="rId38"/>
   </p:notesMasterIdLst>
   <p:sldIdLst>
     <p:sldId id="294" r:id="rId2"/>
@@ -16,8 +16,8 @@
     <p:sldId id="260" r:id="rId7"/>
     <p:sldId id="261" r:id="rId8"/>
     <p:sldId id="262" r:id="rId9"/>
-    <p:sldId id="285" r:id="rId10"/>
-    <p:sldId id="263" r:id="rId11"/>
+    <p:sldId id="263" r:id="rId10"/>
+    <p:sldId id="285" r:id="rId11"/>
     <p:sldId id="264" r:id="rId12"/>
     <p:sldId id="265" r:id="rId13"/>
     <p:sldId id="266" r:id="rId14"/>
@@ -27,21 +27,23 @@
     <p:sldId id="269" r:id="rId18"/>
     <p:sldId id="270" r:id="rId19"/>
     <p:sldId id="271" r:id="rId20"/>
-    <p:sldId id="272" r:id="rId21"/>
-    <p:sldId id="273" r:id="rId22"/>
-    <p:sldId id="274" r:id="rId23"/>
-    <p:sldId id="275" r:id="rId24"/>
-    <p:sldId id="276" r:id="rId25"/>
-    <p:sldId id="277" r:id="rId26"/>
-    <p:sldId id="278" r:id="rId27"/>
-    <p:sldId id="279" r:id="rId28"/>
-    <p:sldId id="281" r:id="rId29"/>
-    <p:sldId id="280" r:id="rId30"/>
-    <p:sldId id="290" r:id="rId31"/>
-    <p:sldId id="282" r:id="rId32"/>
-    <p:sldId id="283" r:id="rId33"/>
-    <p:sldId id="284" r:id="rId34"/>
-    <p:sldId id="289" r:id="rId35"/>
+    <p:sldId id="295" r:id="rId21"/>
+    <p:sldId id="296" r:id="rId22"/>
+    <p:sldId id="272" r:id="rId23"/>
+    <p:sldId id="273" r:id="rId24"/>
+    <p:sldId id="274" r:id="rId25"/>
+    <p:sldId id="275" r:id="rId26"/>
+    <p:sldId id="276" r:id="rId27"/>
+    <p:sldId id="277" r:id="rId28"/>
+    <p:sldId id="278" r:id="rId29"/>
+    <p:sldId id="279" r:id="rId30"/>
+    <p:sldId id="281" r:id="rId31"/>
+    <p:sldId id="280" r:id="rId32"/>
+    <p:sldId id="290" r:id="rId33"/>
+    <p:sldId id="282" r:id="rId34"/>
+    <p:sldId id="283" r:id="rId35"/>
+    <p:sldId id="284" r:id="rId36"/>
+    <p:sldId id="289" r:id="rId37"/>
   </p:sldIdLst>
   <p:sldSz cx="9144000" cy="6858000" type="screen4x3"/>
   <p:notesSz cx="7315200" cy="9601200"/>
@@ -226,7 +228,7 @@
             <a:fld id="{A3BF2BA9-4519-4406-BDB9-3049186EFFAE}" type="datetimeFigureOut">
               <a:rPr lang="en-US" smtClean="0"/>
               <a:pPr/>
-              <a:t>3/26/13</a:t>
+              <a:t>4/4/13</a:t>
             </a:fld>
             <a:endParaRPr lang="en-US"/>
           </a:p>
@@ -675,215 +677,7 @@
           <a:bodyPr/>
           <a:lstStyle/>
           <a:p>
-            <a:r>
-              <a:rPr lang="en-US" dirty="0" smtClean="0">
-                <a:solidFill>
-                  <a:srgbClr val="FF0000"/>
-                </a:solidFill>
-              </a:rPr>
-              <a:t>USE 2-D trick</a:t>
-            </a:r>
-          </a:p>
-          <a:p>
-            <a:r>
-              <a:rPr lang="en-US" dirty="0" smtClean="0">
-                <a:solidFill>
-                  <a:srgbClr val="FF0000"/>
-                </a:solidFill>
-              </a:rPr>
-              <a:t>double * </a:t>
-            </a:r>
-            <a:r>
-              <a:rPr lang="en-US" dirty="0" err="1" smtClean="0">
-                <a:solidFill>
-                  <a:srgbClr val="FF0000"/>
-                </a:solidFill>
-              </a:rPr>
-              <a:t>ablk</a:t>
-            </a:r>
-            <a:r>
-              <a:rPr lang="en-US" dirty="0" smtClean="0">
-                <a:solidFill>
-                  <a:srgbClr val="FF0000"/>
-                </a:solidFill>
-              </a:rPr>
-              <a:t>, **a;</a:t>
-            </a:r>
-          </a:p>
-          <a:p>
-            <a:r>
-              <a:rPr lang="en-US" dirty="0" err="1" smtClean="0">
-                <a:solidFill>
-                  <a:srgbClr val="FF0000"/>
-                </a:solidFill>
-              </a:rPr>
-              <a:t>ablk</a:t>
-            </a:r>
-            <a:r>
-              <a:rPr lang="en-US" dirty="0" smtClean="0">
-                <a:solidFill>
-                  <a:srgbClr val="FF0000"/>
-                </a:solidFill>
-              </a:rPr>
-              <a:t> =</a:t>
-            </a:r>
-            <a:r>
-              <a:rPr lang="en-US" dirty="0" err="1" smtClean="0">
-                <a:solidFill>
-                  <a:srgbClr val="FF0000"/>
-                </a:solidFill>
-              </a:rPr>
-              <a:t>malloc</a:t>
-            </a:r>
-            <a:r>
-              <a:rPr lang="en-US" dirty="0" smtClean="0">
-                <a:solidFill>
-                  <a:srgbClr val="FF0000"/>
-                </a:solidFill>
-              </a:rPr>
-              <a:t>(</a:t>
-            </a:r>
-            <a:r>
-              <a:rPr lang="en-US" dirty="0" err="1" smtClean="0">
-                <a:solidFill>
-                  <a:srgbClr val="FF0000"/>
-                </a:solidFill>
-              </a:rPr>
-              <a:t>sizeof</a:t>
-            </a:r>
-            <a:r>
-              <a:rPr lang="en-US" dirty="0" smtClean="0">
-                <a:solidFill>
-                  <a:srgbClr val="FF0000"/>
-                </a:solidFill>
-              </a:rPr>
-              <a:t>(double)*N); a=(double **)</a:t>
-            </a:r>
-            <a:r>
-              <a:rPr lang="en-US" dirty="0" err="1" smtClean="0">
-                <a:solidFill>
-                  <a:srgbClr val="FF0000"/>
-                </a:solidFill>
-              </a:rPr>
-              <a:t>malloc</a:t>
-            </a:r>
-            <a:r>
-              <a:rPr lang="en-US" dirty="0" smtClean="0">
-                <a:solidFill>
-                  <a:srgbClr val="FF0000"/>
-                </a:solidFill>
-              </a:rPr>
-              <a:t>(</a:t>
-            </a:r>
-            <a:r>
-              <a:rPr lang="en-US" dirty="0" err="1" smtClean="0">
-                <a:solidFill>
-                  <a:srgbClr val="FF0000"/>
-                </a:solidFill>
-              </a:rPr>
-              <a:t>sizeof</a:t>
-            </a:r>
-            <a:r>
-              <a:rPr lang="en-US" dirty="0" smtClean="0">
-                <a:solidFill>
-                  <a:srgbClr val="FF0000"/>
-                </a:solidFill>
-              </a:rPr>
-              <a:t>(double*)*N); </a:t>
-            </a:r>
-          </a:p>
-          <a:p>
-            <a:r>
-              <a:rPr lang="en-US" dirty="0" smtClean="0">
-                <a:solidFill>
-                  <a:srgbClr val="FF0000"/>
-                </a:solidFill>
-              </a:rPr>
-              <a:t>for(</a:t>
-            </a:r>
-            <a:r>
-              <a:rPr lang="en-US" dirty="0" err="1" smtClean="0">
-                <a:solidFill>
-                  <a:srgbClr val="FF0000"/>
-                </a:solidFill>
-              </a:rPr>
-              <a:t>i</a:t>
-            </a:r>
-            <a:r>
-              <a:rPr lang="en-US" dirty="0" smtClean="0">
-                <a:solidFill>
-                  <a:srgbClr val="FF0000"/>
-                </a:solidFill>
-              </a:rPr>
-              <a:t>=0;i&lt;</a:t>
-            </a:r>
-            <a:r>
-              <a:rPr lang="en-US" dirty="0" err="1" smtClean="0">
-                <a:solidFill>
-                  <a:srgbClr val="FF0000"/>
-                </a:solidFill>
-              </a:rPr>
-              <a:t>N;i</a:t>
-            </a:r>
-            <a:r>
-              <a:rPr lang="en-US" dirty="0" smtClean="0">
-                <a:solidFill>
-                  <a:srgbClr val="FF0000"/>
-                </a:solidFill>
-              </a:rPr>
-              <a:t>++) a[</a:t>
-            </a:r>
-            <a:r>
-              <a:rPr lang="en-US" dirty="0" err="1" smtClean="0">
-                <a:solidFill>
-                  <a:srgbClr val="FF0000"/>
-                </a:solidFill>
-              </a:rPr>
-              <a:t>i</a:t>
-            </a:r>
-            <a:r>
-              <a:rPr lang="en-US" dirty="0" smtClean="0">
-                <a:solidFill>
-                  <a:srgbClr val="FF0000"/>
-                </a:solidFill>
-              </a:rPr>
-              <a:t>]=&amp;</a:t>
-            </a:r>
-            <a:r>
-              <a:rPr lang="en-US" dirty="0" err="1" smtClean="0">
-                <a:solidFill>
-                  <a:srgbClr val="FF0000"/>
-                </a:solidFill>
-              </a:rPr>
-              <a:t>ablk</a:t>
-            </a:r>
-            <a:r>
-              <a:rPr lang="en-US" dirty="0" smtClean="0">
-                <a:solidFill>
-                  <a:srgbClr val="FF0000"/>
-                </a:solidFill>
-              </a:rPr>
-              <a:t>[</a:t>
-            </a:r>
-            <a:r>
-              <a:rPr lang="en-US" dirty="0" err="1" smtClean="0">
-                <a:solidFill>
-                  <a:srgbClr val="FF0000"/>
-                </a:solidFill>
-              </a:rPr>
-              <a:t>i</a:t>
-            </a:r>
-            <a:r>
-              <a:rPr lang="en-US" dirty="0" smtClean="0">
-                <a:solidFill>
-                  <a:srgbClr val="FF0000"/>
-                </a:solidFill>
-              </a:rPr>
-              <a:t>*N];</a:t>
-            </a:r>
-          </a:p>
-          <a:p>
-            <a:endParaRPr lang="en-US" dirty="0"/>
+            <a:endParaRPr lang="en-US"/>
           </a:p>
         </p:txBody>
       </p:sp>
@@ -2191,7 +1985,7 @@
             <a:fld id="{5728F341-BAD2-43B4-8AA5-958FFA50094E}" type="slidenum">
               <a:rPr lang="en-US" altLang="en-US"/>
               <a:pPr/>
-              <a:t>20</a:t>
+              <a:t>22</a:t>
             </a:fld>
             <a:endParaRPr lang="en-US" altLang="en-US"/>
           </a:p>
@@ -2275,7 +2069,7 @@
             <a:fld id="{F4E92A40-3818-4C9A-B7A7-08E12EE34AB1}" type="slidenum">
               <a:rPr lang="en-US" altLang="en-US"/>
               <a:pPr/>
-              <a:t>21</a:t>
+              <a:t>23</a:t>
             </a:fld>
             <a:endParaRPr lang="en-US" altLang="en-US"/>
           </a:p>
@@ -2359,7 +2153,7 @@
             <a:fld id="{416B7A91-90C1-4B43-99F1-FD447D3DA834}" type="slidenum">
               <a:rPr lang="en-US" altLang="en-US"/>
               <a:pPr/>
-              <a:t>22</a:t>
+              <a:t>24</a:t>
             </a:fld>
             <a:endParaRPr lang="en-US" altLang="en-US"/>
           </a:p>
@@ -2443,7 +2237,7 @@
             <a:fld id="{8D1394F3-CD34-4FC1-9595-6D7502709260}" type="slidenum">
               <a:rPr lang="en-US" altLang="en-US"/>
               <a:pPr/>
-              <a:t>23</a:t>
+              <a:t>25</a:t>
             </a:fld>
             <a:endParaRPr lang="en-US" altLang="en-US"/>
           </a:p>
@@ -2527,7 +2321,7 @@
             <a:fld id="{69F11A2A-30CE-45E8-AF4C-332B68736E02}" type="slidenum">
               <a:rPr lang="en-US" altLang="en-US"/>
               <a:pPr/>
-              <a:t>24</a:t>
+              <a:t>26</a:t>
             </a:fld>
             <a:endParaRPr lang="en-US" altLang="en-US"/>
           </a:p>
@@ -2611,7 +2405,7 @@
             <a:fld id="{2856CEEB-1A7B-4BC4-ABCF-E2D8D3199E48}" type="slidenum">
               <a:rPr lang="en-US" altLang="en-US"/>
               <a:pPr/>
-              <a:t>25</a:t>
+              <a:t>27</a:t>
             </a:fld>
             <a:endParaRPr lang="en-US" altLang="en-US"/>
           </a:p>
@@ -2695,7 +2489,7 @@
             <a:fld id="{C4350172-9942-414C-9D04-3ECE426F4EAD}" type="slidenum">
               <a:rPr lang="en-US" altLang="en-US"/>
               <a:pPr/>
-              <a:t>26</a:t>
+              <a:t>28</a:t>
             </a:fld>
             <a:endParaRPr lang="en-US" altLang="en-US"/>
           </a:p>
@@ -2779,7 +2573,7 @@
             <a:fld id="{9DC5FD52-8D40-443E-A324-5E3C3386B989}" type="slidenum">
               <a:rPr lang="en-US" altLang="en-US"/>
               <a:pPr/>
-              <a:t>27</a:t>
+              <a:t>29</a:t>
             </a:fld>
             <a:endParaRPr lang="en-US" altLang="en-US"/>
           </a:p>
@@ -2863,7 +2657,7 @@
             <a:fld id="{8A27D795-3275-4173-8715-05A460CA1B99}" type="slidenum">
               <a:rPr lang="en-US" altLang="en-US"/>
               <a:pPr/>
-              <a:t>28</a:t>
+              <a:t>30</a:t>
             </a:fld>
             <a:endParaRPr lang="en-US" altLang="en-US"/>
           </a:p>
@@ -2947,7 +2741,7 @@
             <a:fld id="{324AF5A8-D36D-47E4-9FDB-8946580E78CA}" type="slidenum">
               <a:rPr lang="en-US" altLang="en-US"/>
               <a:pPr/>
-              <a:t>29</a:t>
+              <a:t>31</a:t>
             </a:fld>
             <a:endParaRPr lang="en-US" altLang="en-US"/>
           </a:p>
@@ -3125,7 +2919,7 @@
             <a:fld id="{8A27D795-3275-4173-8715-05A460CA1B99}" type="slidenum">
               <a:rPr lang="en-US" altLang="en-US"/>
               <a:pPr/>
-              <a:t>30</a:t>
+              <a:t>32</a:t>
             </a:fld>
             <a:endParaRPr lang="en-US" altLang="en-US"/>
           </a:p>
@@ -3209,7 +3003,7 @@
             <a:fld id="{EB2EB552-556A-456B-A73B-AB10E142C82A}" type="slidenum">
               <a:rPr lang="en-US" altLang="en-US"/>
               <a:pPr/>
-              <a:t>31</a:t>
+              <a:t>33</a:t>
             </a:fld>
             <a:endParaRPr lang="en-US" altLang="en-US"/>
           </a:p>
@@ -3293,7 +3087,7 @@
             <a:fld id="{70FC0280-C34B-4195-9290-49942A97BA4A}" type="slidenum">
               <a:rPr lang="en-US" altLang="en-US"/>
               <a:pPr/>
-              <a:t>32</a:t>
+              <a:t>34</a:t>
             </a:fld>
             <a:endParaRPr lang="en-US" altLang="en-US"/>
           </a:p>
@@ -3387,7 +3181,7 @@
             <a:fld id="{3C628737-6708-4710-A951-18B8E7FC2322}" type="slidenum">
               <a:rPr lang="en-US" altLang="en-US"/>
               <a:pPr/>
-              <a:t>33</a:t>
+              <a:t>35</a:t>
             </a:fld>
             <a:endParaRPr lang="en-US" altLang="en-US"/>
           </a:p>
@@ -3481,7 +3275,7 @@
             <a:fld id="{3C628737-6708-4710-A951-18B8E7FC2322}" type="slidenum">
               <a:rPr lang="en-US" altLang="en-US"/>
               <a:pPr/>
-              <a:t>34</a:t>
+              <a:t>36</a:t>
             </a:fld>
             <a:endParaRPr lang="en-US" altLang="en-US"/>
           </a:p>
@@ -4030,7 +3824,215 @@
           <a:bodyPr/>
           <a:lstStyle/>
           <a:p>
-            <a:endParaRPr lang="en-US"/>
+            <a:r>
+              <a:rPr lang="en-US" dirty="0" smtClean="0">
+                <a:solidFill>
+                  <a:srgbClr val="FF0000"/>
+                </a:solidFill>
+              </a:rPr>
+              <a:t>USE 2-D trick</a:t>
+            </a:r>
+          </a:p>
+          <a:p>
+            <a:r>
+              <a:rPr lang="en-US" dirty="0" smtClean="0">
+                <a:solidFill>
+                  <a:srgbClr val="FF0000"/>
+                </a:solidFill>
+              </a:rPr>
+              <a:t>double * </a:t>
+            </a:r>
+            <a:r>
+              <a:rPr lang="en-US" dirty="0" err="1" smtClean="0">
+                <a:solidFill>
+                  <a:srgbClr val="FF0000"/>
+                </a:solidFill>
+              </a:rPr>
+              <a:t>ablk</a:t>
+            </a:r>
+            <a:r>
+              <a:rPr lang="en-US" dirty="0" smtClean="0">
+                <a:solidFill>
+                  <a:srgbClr val="FF0000"/>
+                </a:solidFill>
+              </a:rPr>
+              <a:t>, **a;</a:t>
+            </a:r>
+          </a:p>
+          <a:p>
+            <a:r>
+              <a:rPr lang="en-US" dirty="0" err="1" smtClean="0">
+                <a:solidFill>
+                  <a:srgbClr val="FF0000"/>
+                </a:solidFill>
+              </a:rPr>
+              <a:t>ablk</a:t>
+            </a:r>
+            <a:r>
+              <a:rPr lang="en-US" dirty="0" smtClean="0">
+                <a:solidFill>
+                  <a:srgbClr val="FF0000"/>
+                </a:solidFill>
+              </a:rPr>
+              <a:t> =</a:t>
+            </a:r>
+            <a:r>
+              <a:rPr lang="en-US" dirty="0" err="1" smtClean="0">
+                <a:solidFill>
+                  <a:srgbClr val="FF0000"/>
+                </a:solidFill>
+              </a:rPr>
+              <a:t>malloc</a:t>
+            </a:r>
+            <a:r>
+              <a:rPr lang="en-US" dirty="0" smtClean="0">
+                <a:solidFill>
+                  <a:srgbClr val="FF0000"/>
+                </a:solidFill>
+              </a:rPr>
+              <a:t>(</a:t>
+            </a:r>
+            <a:r>
+              <a:rPr lang="en-US" dirty="0" err="1" smtClean="0">
+                <a:solidFill>
+                  <a:srgbClr val="FF0000"/>
+                </a:solidFill>
+              </a:rPr>
+              <a:t>sizeof</a:t>
+            </a:r>
+            <a:r>
+              <a:rPr lang="en-US" dirty="0" smtClean="0">
+                <a:solidFill>
+                  <a:srgbClr val="FF0000"/>
+                </a:solidFill>
+              </a:rPr>
+              <a:t>(double)*N); a=(double **)</a:t>
+            </a:r>
+            <a:r>
+              <a:rPr lang="en-US" dirty="0" err="1" smtClean="0">
+                <a:solidFill>
+                  <a:srgbClr val="FF0000"/>
+                </a:solidFill>
+              </a:rPr>
+              <a:t>malloc</a:t>
+            </a:r>
+            <a:r>
+              <a:rPr lang="en-US" dirty="0" smtClean="0">
+                <a:solidFill>
+                  <a:srgbClr val="FF0000"/>
+                </a:solidFill>
+              </a:rPr>
+              <a:t>(</a:t>
+            </a:r>
+            <a:r>
+              <a:rPr lang="en-US" dirty="0" err="1" smtClean="0">
+                <a:solidFill>
+                  <a:srgbClr val="FF0000"/>
+                </a:solidFill>
+              </a:rPr>
+              <a:t>sizeof</a:t>
+            </a:r>
+            <a:r>
+              <a:rPr lang="en-US" dirty="0" smtClean="0">
+                <a:solidFill>
+                  <a:srgbClr val="FF0000"/>
+                </a:solidFill>
+              </a:rPr>
+              <a:t>(double*)*N); </a:t>
+            </a:r>
+          </a:p>
+          <a:p>
+            <a:r>
+              <a:rPr lang="en-US" dirty="0" smtClean="0">
+                <a:solidFill>
+                  <a:srgbClr val="FF0000"/>
+                </a:solidFill>
+              </a:rPr>
+              <a:t>for(</a:t>
+            </a:r>
+            <a:r>
+              <a:rPr lang="en-US" dirty="0" err="1" smtClean="0">
+                <a:solidFill>
+                  <a:srgbClr val="FF0000"/>
+                </a:solidFill>
+              </a:rPr>
+              <a:t>i</a:t>
+            </a:r>
+            <a:r>
+              <a:rPr lang="en-US" dirty="0" smtClean="0">
+                <a:solidFill>
+                  <a:srgbClr val="FF0000"/>
+                </a:solidFill>
+              </a:rPr>
+              <a:t>=0;i&lt;</a:t>
+            </a:r>
+            <a:r>
+              <a:rPr lang="en-US" dirty="0" err="1" smtClean="0">
+                <a:solidFill>
+                  <a:srgbClr val="FF0000"/>
+                </a:solidFill>
+              </a:rPr>
+              <a:t>N;i</a:t>
+            </a:r>
+            <a:r>
+              <a:rPr lang="en-US" dirty="0" smtClean="0">
+                <a:solidFill>
+                  <a:srgbClr val="FF0000"/>
+                </a:solidFill>
+              </a:rPr>
+              <a:t>++) a[</a:t>
+            </a:r>
+            <a:r>
+              <a:rPr lang="en-US" dirty="0" err="1" smtClean="0">
+                <a:solidFill>
+                  <a:srgbClr val="FF0000"/>
+                </a:solidFill>
+              </a:rPr>
+              <a:t>i</a:t>
+            </a:r>
+            <a:r>
+              <a:rPr lang="en-US" dirty="0" smtClean="0">
+                <a:solidFill>
+                  <a:srgbClr val="FF0000"/>
+                </a:solidFill>
+              </a:rPr>
+              <a:t>]=&amp;</a:t>
+            </a:r>
+            <a:r>
+              <a:rPr lang="en-US" dirty="0" err="1" smtClean="0">
+                <a:solidFill>
+                  <a:srgbClr val="FF0000"/>
+                </a:solidFill>
+              </a:rPr>
+              <a:t>ablk</a:t>
+            </a:r>
+            <a:r>
+              <a:rPr lang="en-US" dirty="0" smtClean="0">
+                <a:solidFill>
+                  <a:srgbClr val="FF0000"/>
+                </a:solidFill>
+              </a:rPr>
+              <a:t>[</a:t>
+            </a:r>
+            <a:r>
+              <a:rPr lang="en-US" dirty="0" err="1" smtClean="0">
+                <a:solidFill>
+                  <a:srgbClr val="FF0000"/>
+                </a:solidFill>
+              </a:rPr>
+              <a:t>i</a:t>
+            </a:r>
+            <a:r>
+              <a:rPr lang="en-US" dirty="0" smtClean="0">
+                <a:solidFill>
+                  <a:srgbClr val="FF0000"/>
+                </a:solidFill>
+              </a:rPr>
+              <a:t>*N];</a:t>
+            </a:r>
+          </a:p>
+          <a:p>
+            <a:endParaRPr lang="en-US" dirty="0"/>
           </a:p>
         </p:txBody>
       </p:sp>
@@ -4232,7 +4234,7 @@
             <a:fld id="{46B632DE-061D-4A8A-8209-1C668C6E81CF}" type="datetime1">
               <a:rPr lang="en-US" smtClean="0"/>
               <a:pPr/>
-              <a:t>3/26/13</a:t>
+              <a:t>4/4/13</a:t>
             </a:fld>
             <a:endParaRPr lang="en-US"/>
           </a:p>
@@ -4454,7 +4456,7 @@
             <a:fld id="{F0416EDF-21AB-4A4E-90B3-1F30F89B5247}" type="datetime1">
               <a:rPr lang="en-US" smtClean="0"/>
               <a:pPr/>
-              <a:t>3/26/13</a:t>
+              <a:t>4/4/13</a:t>
             </a:fld>
             <a:endParaRPr lang="en-US"/>
           </a:p>
@@ -4655,7 +4657,7 @@
             <a:fld id="{26EB84CC-1B41-4FEE-B983-1B1C277C5E83}" type="datetime1">
               <a:rPr lang="en-US" smtClean="0"/>
               <a:pPr/>
-              <a:t>3/26/13</a:t>
+              <a:t>4/4/13</a:t>
             </a:fld>
             <a:endParaRPr lang="en-US"/>
           </a:p>
@@ -4930,7 +4932,7 @@
             <a:fld id="{7CF2D97A-9D0C-4AEA-9701-CFB533CA4767}" type="datetime1">
               <a:rPr lang="en-US" smtClean="0"/>
               <a:pPr/>
-              <a:t>3/26/13</a:t>
+              <a:t>4/4/13</a:t>
             </a:fld>
             <a:endParaRPr lang="en-US"/>
           </a:p>
@@ -5204,7 +5206,7 @@
             <a:fld id="{E4592831-D0D3-4566-894B-F18500E744DE}" type="datetime1">
               <a:rPr lang="en-US" smtClean="0"/>
               <a:pPr/>
-              <a:t>3/26/13</a:t>
+              <a:t>4/4/13</a:t>
             </a:fld>
             <a:endParaRPr lang="en-US"/>
           </a:p>
@@ -5520,7 +5522,7 @@
             <a:fld id="{A0CD71FB-4091-4A7C-98B1-EF016B50FB34}" type="datetime1">
               <a:rPr lang="en-US" smtClean="0"/>
               <a:pPr/>
-              <a:t>3/26/13</a:t>
+              <a:t>4/4/13</a:t>
             </a:fld>
             <a:endParaRPr lang="en-US"/>
           </a:p>
@@ -5970,7 +5972,7 @@
             <a:fld id="{D6CEE1B2-0ED9-411B-8618-4A29D45C8E26}" type="datetime1">
               <a:rPr lang="en-US" smtClean="0"/>
               <a:pPr/>
-              <a:t>3/26/13</a:t>
+              <a:t>4/4/13</a:t>
             </a:fld>
             <a:endParaRPr lang="en-US"/>
           </a:p>
@@ -6116,7 +6118,7 @@
             <a:fld id="{2D0069BB-C2B0-4947-9D67-EA94D9E5155B}" type="datetime1">
               <a:rPr lang="en-US" smtClean="0"/>
               <a:pPr/>
-              <a:t>3/26/13</a:t>
+              <a:t>4/4/13</a:t>
             </a:fld>
             <a:endParaRPr lang="en-US"/>
           </a:p>
@@ -6239,7 +6241,7 @@
             <a:fld id="{B9D974D1-951F-459E-B4C8-28ACDD772C28}" type="datetime1">
               <a:rPr lang="en-US" smtClean="0"/>
               <a:pPr/>
-              <a:t>3/26/13</a:t>
+              <a:t>4/4/13</a:t>
             </a:fld>
             <a:endParaRPr lang="en-US"/>
           </a:p>
@@ -6544,7 +6546,7 @@
             <a:fld id="{34C7DB8C-91AD-44A9-9C06-4949936819A5}" type="datetime1">
               <a:rPr lang="en-US" smtClean="0"/>
               <a:pPr/>
-              <a:t>3/26/13</a:t>
+              <a:t>4/4/13</a:t>
             </a:fld>
             <a:endParaRPr lang="en-US"/>
           </a:p>
@@ -6825,7 +6827,7 @@
             <a:fld id="{673C3FC6-3159-4B6A-A332-CE058FC69FC5}" type="datetime1">
               <a:rPr lang="en-US" smtClean="0"/>
               <a:pPr/>
-              <a:t>3/26/13</a:t>
+              <a:t>4/4/13</a:t>
             </a:fld>
             <a:endParaRPr lang="en-US"/>
           </a:p>
@@ -7608,8 +7610,13 @@
           <a:p>
             <a:r>
               <a:rPr lang="en-US" altLang="en-US" dirty="0"/>
-              <a:t>Contiguous type</a:t>
-            </a:r>
+              <a:t>Contiguous </a:t>
+            </a:r>
+            <a:r>
+              <a:rPr lang="en-US" altLang="en-US" dirty="0" smtClean="0"/>
+              <a:t>type (F)</a:t>
+            </a:r>
+            <a:endParaRPr lang="en-US" altLang="en-US" dirty="0"/>
           </a:p>
         </p:txBody>
       </p:sp>
@@ -7624,7 +7631,7 @@
         <p:spPr bwMode="auto">
           <a:xfrm>
             <a:off x="381000" y="1524000"/>
-            <a:ext cx="8153400" cy="4572000"/>
+            <a:ext cx="8534400" cy="4572000"/>
           </a:xfrm>
           <a:prstGeom prst="rect">
             <a:avLst/>
@@ -7684,19 +7691,10 @@
           <a:p>
             <a:pPr marL="742950" lvl="1" indent="-285750"/>
             <a:r>
-              <a:rPr lang="en-US" b="0" dirty="0">
-                <a:solidFill>
-                  <a:schemeClr val="tx1"/>
-                </a:solidFill>
-                <a:latin typeface="Courier New" pitchFamily="49" charset="0"/>
-              </a:rPr>
-              <a:t>double </a:t>
-            </a:r>
-            <a:r>
               <a:rPr lang="en-US" dirty="0" smtClean="0">
                 <a:latin typeface="Courier New" pitchFamily="49" charset="0"/>
               </a:rPr>
-              <a:t>a[N][N]</a:t>
+              <a:t>real*8</a:t>
             </a:r>
             <a:r>
               <a:rPr lang="en-US" b="0" dirty="0" smtClean="0">
@@ -7705,7 +7703,7 @@
                 </a:solidFill>
                 <a:latin typeface="Courier New" pitchFamily="49" charset="0"/>
               </a:rPr>
-              <a:t>;</a:t>
+              <a:t> a(N,N);</a:t>
             </a:r>
             <a:endParaRPr lang="en-US" b="0" dirty="0">
               <a:solidFill>
@@ -7717,32 +7715,65 @@
           <a:p>
             <a:pPr marL="742950" lvl="1" indent="-285750"/>
             <a:r>
+              <a:rPr lang="en-US" b="1" dirty="0" smtClean="0">
+                <a:solidFill>
+                  <a:srgbClr val="0070C0"/>
+                </a:solidFill>
+                <a:latin typeface="Courier New" pitchFamily="49" charset="0"/>
+              </a:rPr>
+              <a:t>integer </a:t>
+            </a:r>
+            <a:r>
               <a:rPr lang="en-US" b="1" dirty="0" err="1" smtClean="0">
                 <a:solidFill>
                   <a:srgbClr val="0070C0"/>
                 </a:solidFill>
                 <a:latin typeface="Courier New" pitchFamily="49" charset="0"/>
               </a:rPr>
-              <a:t>MPI_Datatype</a:t>
-            </a:r>
-            <a:r>
-              <a:rPr lang="en-US" b="1" dirty="0" smtClean="0">
-                <a:solidFill>
-                  <a:srgbClr val="0070C0"/>
-                </a:solidFill>
+              <a:t>col_type</a:t>
+            </a:r>
+            <a:r>
+              <a:rPr lang="en-US" b="0" dirty="0" smtClean="0">
+                <a:solidFill>
+                  <a:schemeClr val="tx1"/>
+                </a:solidFill>
+                <a:latin typeface="Courier New" pitchFamily="49" charset="0"/>
+              </a:rPr>
+              <a:t>;</a:t>
+            </a:r>
+          </a:p>
+          <a:p>
+            <a:pPr marL="742950" lvl="1" indent="-285750"/>
+            <a:r>
+              <a:rPr lang="en-US" b="0" dirty="0" smtClean="0">
+                <a:solidFill>
+                  <a:schemeClr val="tx1"/>
+                </a:solidFill>
+                <a:latin typeface="Courier New" pitchFamily="49" charset="0"/>
+              </a:rPr>
+              <a:t>integer</a:t>
+            </a:r>
+            <a:r>
+              <a:rPr lang="en-US" dirty="0" smtClean="0">
                 <a:latin typeface="Courier New" pitchFamily="49" charset="0"/>
               </a:rPr>
               <a:t> </a:t>
             </a:r>
             <a:r>
-              <a:rPr lang="en-US" b="1" dirty="0" err="1" smtClean="0">
-                <a:solidFill>
-                  <a:srgbClr val="0070C0"/>
-                </a:solidFill>
-                <a:latin typeface="Courier New" pitchFamily="49" charset="0"/>
-              </a:rPr>
-              <a:t>row_type</a:t>
-            </a:r>
+              <a:rPr lang="en-US" dirty="0" err="1" smtClean="0">
+                <a:latin typeface="Courier New" pitchFamily="49" charset="0"/>
+              </a:rPr>
+              <a:t>mycomm</a:t>
+            </a:r>
+            <a:r>
+              <a:rPr lang="en-US" dirty="0" smtClean="0">
+                <a:latin typeface="Courier New" pitchFamily="49" charset="0"/>
+              </a:rPr>
+              <a:t>=MPI_COMM_WORLD;</a:t>
+            </a:r>
+          </a:p>
+          <a:p>
+            <a:pPr marL="742950" lvl="1" indent="-285750"/>
             <a:r>
               <a:rPr lang="en-US" b="0" dirty="0" smtClean="0">
                 <a:solidFill>
@@ -7750,11 +7781,8 @@
                 </a:solidFill>
                 <a:latin typeface="Courier New" pitchFamily="49" charset="0"/>
               </a:rPr>
-              <a:t>;</a:t>
-            </a:r>
-          </a:p>
-          <a:p>
-            <a:pPr marL="742950" lvl="1" indent="-285750"/>
+              <a:t>integer </a:t>
+            </a:r>
             <a:r>
               <a:rPr lang="en-US" b="0" dirty="0" err="1" smtClean="0">
                 <a:solidFill>
@@ -7762,73 +7790,7 @@
                 </a:solidFill>
                 <a:latin typeface="Courier New" pitchFamily="49" charset="0"/>
               </a:rPr>
-              <a:t>MPI_Comm</a:t>
-            </a:r>
-            <a:r>
-              <a:rPr lang="en-US" dirty="0" smtClean="0">
-                <a:latin typeface="Courier New" pitchFamily="49" charset="0"/>
-              </a:rPr>
-              <a:t> </a:t>
-            </a:r>
-            <a:r>
-              <a:rPr lang="en-US" dirty="0" err="1" smtClean="0">
-                <a:latin typeface="Courier New" pitchFamily="49" charset="0"/>
-              </a:rPr>
-              <a:t>mycomm</a:t>
-            </a:r>
-            <a:r>
-              <a:rPr lang="en-US" dirty="0" smtClean="0">
-                <a:latin typeface="Courier New" pitchFamily="49" charset="0"/>
-              </a:rPr>
-              <a:t>=MPI_COMM_WORLD;</a:t>
-            </a:r>
-          </a:p>
-          <a:p>
-            <a:pPr marL="742950" lvl="1" indent="-285750"/>
-            <a:r>
-              <a:rPr lang="en-US" b="0" dirty="0" err="1" smtClean="0">
-                <a:solidFill>
-                  <a:schemeClr val="tx1"/>
-                </a:solidFill>
-                <a:latin typeface="Courier New" pitchFamily="49" charset="0"/>
-              </a:rPr>
-              <a:t>int</a:t>
-            </a:r>
-            <a:r>
-              <a:rPr lang="en-US" b="0" dirty="0" smtClean="0">
-                <a:solidFill>
-                  <a:schemeClr val="tx1"/>
-                </a:solidFill>
-                <a:latin typeface="Courier New" pitchFamily="49" charset="0"/>
-              </a:rPr>
-              <a:t> </a:t>
-            </a:r>
-            <a:r>
-              <a:rPr lang="en-US" b="0" dirty="0" err="1" smtClean="0">
-                <a:solidFill>
-                  <a:schemeClr val="tx1"/>
-                </a:solidFill>
-                <a:latin typeface="Courier New" pitchFamily="49" charset="0"/>
-              </a:rPr>
-              <a:t>irow</a:t>
-            </a:r>
-            <a:r>
-              <a:rPr lang="en-US" b="0" dirty="0" smtClean="0">
-                <a:solidFill>
-                  <a:schemeClr val="tx1"/>
-                </a:solidFill>
-                <a:latin typeface="Courier New" pitchFamily="49" charset="0"/>
-              </a:rPr>
-              <a:t>, </a:t>
-            </a:r>
-            <a:r>
-              <a:rPr lang="en-US" b="0" dirty="0" err="1" smtClean="0">
-                <a:solidFill>
-                  <a:schemeClr val="tx1"/>
-                </a:solidFill>
-                <a:latin typeface="Courier New" pitchFamily="49" charset="0"/>
-              </a:rPr>
-              <a:t>ier</a:t>
+              <a:t>icol</a:t>
             </a:r>
             <a:r>
               <a:rPr lang="en-US" b="0" dirty="0" smtClean="0">
@@ -7861,12 +7823,75 @@
           <a:p>
             <a:pPr marL="742950" lvl="1" indent="-285750"/>
             <a:r>
+              <a:rPr lang="en-US" dirty="0" smtClean="0">
+                <a:latin typeface="Courier New" pitchFamily="49" charset="0"/>
+              </a:rPr>
+              <a:t>call </a:t>
+            </a:r>
+            <a:r>
               <a:rPr lang="en-US" b="0" dirty="0" err="1" smtClean="0">
                 <a:solidFill>
                   <a:schemeClr val="tx1"/>
                 </a:solidFill>
                 <a:latin typeface="Courier New" pitchFamily="49" charset="0"/>
               </a:rPr>
+              <a:t>MPI_</a:t>
+            </a:r>
+            <a:r>
+              <a:rPr lang="en-US" b="1" dirty="0" err="1" smtClean="0">
+                <a:solidFill>
+                  <a:srgbClr val="0070C0"/>
+                </a:solidFill>
+                <a:latin typeface="Courier New" pitchFamily="49" charset="0"/>
+              </a:rPr>
+              <a:t>Type_contiguous</a:t>
+            </a:r>
+            <a:r>
+              <a:rPr lang="en-US" b="0" dirty="0" smtClean="0">
+                <a:solidFill>
+                  <a:schemeClr val="tx1"/>
+                </a:solidFill>
+                <a:latin typeface="Courier New" pitchFamily="49" charset="0"/>
+              </a:rPr>
+              <a:t>(N</a:t>
+            </a:r>
+            <a:r>
+              <a:rPr lang="en-US" b="0" dirty="0">
+                <a:solidFill>
+                  <a:schemeClr val="tx1"/>
+                </a:solidFill>
+                <a:latin typeface="Courier New" pitchFamily="49" charset="0"/>
+              </a:rPr>
+              <a:t>, MPI_DOUBLE, </a:t>
+            </a:r>
+            <a:r>
+              <a:rPr lang="en-US" b="0" dirty="0" smtClean="0">
+                <a:solidFill>
+                  <a:schemeClr val="tx1"/>
+                </a:solidFill>
+                <a:latin typeface="Courier New" pitchFamily="49" charset="0"/>
+              </a:rPr>
+              <a:t> </a:t>
+            </a:r>
+            <a:r>
+              <a:rPr lang="en-US" b="1" dirty="0" err="1" smtClean="0">
+                <a:solidFill>
+                  <a:srgbClr val="0070C0"/>
+                </a:solidFill>
+                <a:latin typeface="Courier New" pitchFamily="49" charset="0"/>
+              </a:rPr>
+              <a:t>col_type</a:t>
+            </a:r>
+            <a:r>
+              <a:rPr lang="en-US" dirty="0" smtClean="0">
+                <a:latin typeface="Courier New" pitchFamily="49" charset="0"/>
+              </a:rPr>
+              <a:t>, </a:t>
+            </a:r>
+            <a:r>
+              <a:rPr lang="en-US" dirty="0" err="1" smtClean="0">
+                <a:latin typeface="Courier New" pitchFamily="49" charset="0"/>
+              </a:rPr>
               <a:t>ier</a:t>
             </a:r>
             <a:r>
@@ -7876,229 +7901,7 @@
                 </a:solidFill>
                 <a:latin typeface="Courier New" pitchFamily="49" charset="0"/>
               </a:rPr>
-              <a:t>= </a:t>
-            </a:r>
-            <a:r>
-              <a:rPr lang="en-US" b="0" dirty="0" err="1" smtClean="0">
-                <a:solidFill>
-                  <a:schemeClr val="tx1"/>
-                </a:solidFill>
-                <a:latin typeface="Courier New" pitchFamily="49" charset="0"/>
-              </a:rPr>
-              <a:t>MPI_</a:t>
-            </a:r>
-            <a:r>
-              <a:rPr lang="en-US" b="1" dirty="0" err="1" smtClean="0">
-                <a:solidFill>
-                  <a:srgbClr val="0070C0"/>
-                </a:solidFill>
-                <a:latin typeface="Courier New" pitchFamily="49" charset="0"/>
-              </a:rPr>
-              <a:t>Type_contiguous</a:t>
-            </a:r>
-            <a:r>
-              <a:rPr lang="en-US" b="0" dirty="0" smtClean="0">
-                <a:solidFill>
-                  <a:schemeClr val="tx1"/>
-                </a:solidFill>
-                <a:latin typeface="Courier New" pitchFamily="49" charset="0"/>
-              </a:rPr>
-              <a:t>(N</a:t>
-            </a:r>
-            <a:r>
-              <a:rPr lang="en-US" b="0" dirty="0">
-                <a:solidFill>
-                  <a:schemeClr val="tx1"/>
-                </a:solidFill>
-                <a:latin typeface="Courier New" pitchFamily="49" charset="0"/>
-              </a:rPr>
-              <a:t>, MPI_DOUBLE, </a:t>
-            </a:r>
-            <a:r>
-              <a:rPr lang="en-US" b="1" dirty="0" smtClean="0">
-                <a:solidFill>
-                  <a:srgbClr val="FF0000"/>
-                </a:solidFill>
-                <a:latin typeface="Courier New" pitchFamily="49" charset="0"/>
-              </a:rPr>
-              <a:t>&amp;</a:t>
-            </a:r>
-            <a:r>
-              <a:rPr lang="en-US" b="1" dirty="0" err="1" smtClean="0">
-                <a:solidFill>
-                  <a:srgbClr val="0070C0"/>
-                </a:solidFill>
-                <a:latin typeface="Courier New" pitchFamily="49" charset="0"/>
-              </a:rPr>
-              <a:t>row_type</a:t>
-            </a:r>
-            <a:r>
-              <a:rPr lang="en-US" b="0" dirty="0">
-                <a:solidFill>
-                  <a:schemeClr val="tx1"/>
-                </a:solidFill>
-                <a:latin typeface="Courier New" pitchFamily="49" charset="0"/>
-              </a:rPr>
               <a:t>); </a:t>
-            </a:r>
-          </a:p>
-          <a:p>
-            <a:pPr marL="742950" lvl="1" indent="-285750"/>
-            <a:r>
-              <a:rPr lang="en-US" b="0" dirty="0" err="1" smtClean="0">
-                <a:solidFill>
-                  <a:schemeClr val="tx1"/>
-                </a:solidFill>
-                <a:latin typeface="Courier New" pitchFamily="49" charset="0"/>
-              </a:rPr>
-              <a:t>ier</a:t>
-            </a:r>
-            <a:r>
-              <a:rPr lang="en-US" b="0" dirty="0" smtClean="0">
-                <a:solidFill>
-                  <a:schemeClr val="tx1"/>
-                </a:solidFill>
-                <a:latin typeface="Courier New" pitchFamily="49" charset="0"/>
-              </a:rPr>
-              <a:t>= </a:t>
-            </a:r>
-            <a:r>
-              <a:rPr lang="en-US" b="0" dirty="0" err="1" smtClean="0">
-                <a:solidFill>
-                  <a:schemeClr val="tx1"/>
-                </a:solidFill>
-                <a:latin typeface="Courier New" pitchFamily="49" charset="0"/>
-              </a:rPr>
-              <a:t>MPI_</a:t>
-            </a:r>
-            <a:r>
-              <a:rPr lang="en-US" b="1" dirty="0" err="1" smtClean="0">
-                <a:solidFill>
-                  <a:srgbClr val="0070C0"/>
-                </a:solidFill>
-                <a:latin typeface="Courier New" pitchFamily="49" charset="0"/>
-              </a:rPr>
-              <a:t>Type_commit</a:t>
-            </a:r>
-            <a:r>
-              <a:rPr lang="en-US" b="0" dirty="0">
-                <a:solidFill>
-                  <a:schemeClr val="tx1"/>
-                </a:solidFill>
-                <a:latin typeface="Courier New" pitchFamily="49" charset="0"/>
-              </a:rPr>
-              <a:t>(&amp;</a:t>
-            </a:r>
-            <a:r>
-              <a:rPr lang="en-US" b="1" dirty="0" err="1">
-                <a:solidFill>
-                  <a:srgbClr val="0070C0"/>
-                </a:solidFill>
-                <a:latin typeface="Courier New" pitchFamily="49" charset="0"/>
-              </a:rPr>
-              <a:t>row_type</a:t>
-            </a:r>
-            <a:r>
-              <a:rPr lang="en-US" b="0" dirty="0">
-                <a:solidFill>
-                  <a:schemeClr val="tx1"/>
-                </a:solidFill>
-                <a:latin typeface="Courier New" pitchFamily="49" charset="0"/>
-              </a:rPr>
-              <a:t>); </a:t>
-            </a:r>
-          </a:p>
-          <a:p>
-            <a:pPr marL="742950" lvl="1" indent="-285750"/>
-            <a:r>
-              <a:rPr lang="en-US" b="0" dirty="0" err="1" smtClean="0">
-                <a:solidFill>
-                  <a:schemeClr val="tx1"/>
-                </a:solidFill>
-                <a:latin typeface="Courier New" pitchFamily="49" charset="0"/>
-              </a:rPr>
-              <a:t>ier</a:t>
-            </a:r>
-            <a:r>
-              <a:rPr lang="en-US" b="0" dirty="0" smtClean="0">
-                <a:solidFill>
-                  <a:schemeClr val="tx1"/>
-                </a:solidFill>
-                <a:latin typeface="Courier New" pitchFamily="49" charset="0"/>
-              </a:rPr>
-              <a:t>= </a:t>
-            </a:r>
-            <a:r>
-              <a:rPr lang="en-US" b="0" dirty="0" err="1" smtClean="0">
-                <a:solidFill>
-                  <a:schemeClr val="tx1"/>
-                </a:solidFill>
-                <a:latin typeface="Courier New" pitchFamily="49" charset="0"/>
-              </a:rPr>
-              <a:t>MPI_Send</a:t>
-            </a:r>
-            <a:r>
-              <a:rPr lang="en-US" b="0" dirty="0">
-                <a:solidFill>
-                  <a:schemeClr val="tx1"/>
-                </a:solidFill>
-                <a:latin typeface="Courier New" pitchFamily="49" charset="0"/>
-              </a:rPr>
-              <a:t>(</a:t>
-            </a:r>
-            <a:r>
-              <a:rPr lang="en-US" b="1" dirty="0">
-                <a:solidFill>
-                  <a:schemeClr val="tx1"/>
-                </a:solidFill>
-                <a:latin typeface="Courier New" pitchFamily="49" charset="0"/>
-              </a:rPr>
-              <a:t>&amp;a[</a:t>
-            </a:r>
-            <a:r>
-              <a:rPr lang="en-US" b="1" dirty="0" err="1">
-                <a:solidFill>
-                  <a:schemeClr val="tx1"/>
-                </a:solidFill>
-                <a:latin typeface="Courier New" pitchFamily="49" charset="0"/>
-              </a:rPr>
-              <a:t>irow</a:t>
-            </a:r>
-            <a:r>
-              <a:rPr lang="en-US" b="1" dirty="0">
-                <a:solidFill>
-                  <a:schemeClr val="tx1"/>
-                </a:solidFill>
-                <a:latin typeface="Courier New" pitchFamily="49" charset="0"/>
-              </a:rPr>
-              <a:t>][0],</a:t>
-            </a:r>
-            <a:r>
-              <a:rPr lang="en-US" b="1" dirty="0" smtClean="0">
-                <a:solidFill>
-                  <a:schemeClr val="tx1"/>
-                </a:solidFill>
-                <a:latin typeface="Courier New" pitchFamily="49" charset="0"/>
-              </a:rPr>
-              <a:t>1,</a:t>
-            </a:r>
-            <a:r>
-              <a:rPr lang="en-US" b="1" dirty="0" smtClean="0">
-                <a:solidFill>
-                  <a:srgbClr val="0070C0"/>
-                </a:solidFill>
-                <a:latin typeface="Courier New" pitchFamily="49" charset="0"/>
-              </a:rPr>
-              <a:t>row_type</a:t>
-            </a:r>
-            <a:r>
-              <a:rPr lang="en-US" b="0" dirty="0" smtClean="0">
-                <a:solidFill>
-                  <a:schemeClr val="tx1"/>
-                </a:solidFill>
-                <a:latin typeface="Courier New" pitchFamily="49" charset="0"/>
-              </a:rPr>
-              <a:t>,  1,9,mycomm);</a:t>
             </a:r>
             <a:endParaRPr lang="en-US" b="0" dirty="0">
               <a:solidFill>
@@ -8110,24 +7913,222 @@
           <a:p>
             <a:pPr marL="742950" lvl="1" indent="-285750"/>
             <a:r>
+              <a:rPr lang="en-US" dirty="0" smtClean="0">
+                <a:latin typeface="Courier New" pitchFamily="49" charset="0"/>
+              </a:rPr>
+              <a:t>call </a:t>
+            </a:r>
+            <a:r>
+              <a:rPr lang="en-US" b="0" dirty="0" err="1" smtClean="0">
+                <a:solidFill>
+                  <a:schemeClr val="tx1"/>
+                </a:solidFill>
+                <a:latin typeface="Courier New" pitchFamily="49" charset="0"/>
+              </a:rPr>
+              <a:t>MPI_</a:t>
+            </a:r>
+            <a:r>
+              <a:rPr lang="en-US" b="1" dirty="0" err="1" smtClean="0">
+                <a:solidFill>
+                  <a:srgbClr val="0070C0"/>
+                </a:solidFill>
+                <a:latin typeface="Courier New" pitchFamily="49" charset="0"/>
+              </a:rPr>
+              <a:t>Type_commit</a:t>
+            </a:r>
+            <a:r>
+              <a:rPr lang="en-US" b="0" dirty="0" smtClean="0">
+                <a:solidFill>
+                  <a:schemeClr val="tx1"/>
+                </a:solidFill>
+                <a:latin typeface="Courier New" pitchFamily="49" charset="0"/>
+              </a:rPr>
+              <a:t>( </a:t>
+            </a:r>
+            <a:r>
+              <a:rPr lang="en-US" b="1" dirty="0" err="1" smtClean="0">
+                <a:solidFill>
+                  <a:srgbClr val="0070C0"/>
+                </a:solidFill>
+                <a:latin typeface="Courier New" pitchFamily="49" charset="0"/>
+              </a:rPr>
+              <a:t>col_type</a:t>
+            </a:r>
+            <a:r>
               <a:rPr lang="en-US" b="0" dirty="0">
                 <a:solidFill>
                   <a:schemeClr val="tx1"/>
                 </a:solidFill>
                 <a:latin typeface="Courier New" pitchFamily="49" charset="0"/>
               </a:rPr>
+              <a:t>); </a:t>
+            </a:r>
+          </a:p>
+          <a:p>
+            <a:pPr marL="742950" lvl="1" indent="-285750"/>
+            <a:r>
+              <a:rPr lang="en-US" dirty="0" smtClean="0">
+                <a:latin typeface="Courier New" pitchFamily="49" charset="0"/>
+              </a:rPr>
+              <a:t>call </a:t>
+            </a:r>
+            <a:r>
+              <a:rPr lang="en-US" b="0" dirty="0" err="1" smtClean="0">
+                <a:solidFill>
+                  <a:schemeClr val="tx1"/>
+                </a:solidFill>
+                <a:latin typeface="Courier New" pitchFamily="49" charset="0"/>
+              </a:rPr>
+              <a:t>MPI_Send</a:t>
+            </a:r>
+            <a:r>
+              <a:rPr lang="en-US" b="0" dirty="0" smtClean="0">
+                <a:solidFill>
+                  <a:schemeClr val="tx1"/>
+                </a:solidFill>
+                <a:latin typeface="Courier New" pitchFamily="49" charset="0"/>
+              </a:rPr>
+              <a:t>( </a:t>
+            </a:r>
+            <a:r>
+              <a:rPr lang="en-US" b="1" dirty="0" smtClean="0">
+                <a:solidFill>
+                  <a:schemeClr val="tx1"/>
+                </a:solidFill>
+                <a:latin typeface="Courier New" pitchFamily="49" charset="0"/>
+              </a:rPr>
+              <a:t>a(1,icol</a:t>
+            </a:r>
+            <a:r>
+              <a:rPr lang="en-US" b="1" dirty="0" smtClean="0">
+                <a:latin typeface="Courier New" pitchFamily="49" charset="0"/>
+              </a:rPr>
+              <a:t>)</a:t>
+            </a:r>
+            <a:r>
+              <a:rPr lang="en-US" b="1" dirty="0" smtClean="0">
+                <a:solidFill>
+                  <a:schemeClr val="tx1"/>
+                </a:solidFill>
+                <a:latin typeface="Courier New" pitchFamily="49" charset="0"/>
+              </a:rPr>
+              <a:t>, 1,</a:t>
+            </a:r>
+            <a:r>
+              <a:rPr lang="en-US" b="1" dirty="0" smtClean="0">
+                <a:solidFill>
+                  <a:srgbClr val="0070C0"/>
+                </a:solidFill>
+                <a:latin typeface="Courier New" pitchFamily="49" charset="0"/>
+              </a:rPr>
+              <a:t>col_type</a:t>
+            </a:r>
+            <a:r>
+              <a:rPr lang="en-US" b="0" dirty="0" smtClean="0">
+                <a:solidFill>
+                  <a:schemeClr val="tx1"/>
+                </a:solidFill>
+                <a:latin typeface="Courier New" pitchFamily="49" charset="0"/>
+              </a:rPr>
+              <a:t>,  1,9,mycomm, </a:t>
+            </a:r>
+            <a:r>
+              <a:rPr lang="en-US" dirty="0" err="1" smtClean="0">
+                <a:latin typeface="Courier New" pitchFamily="49" charset="0"/>
+              </a:rPr>
+              <a:t>ier</a:t>
+            </a:r>
+            <a:r>
+              <a:rPr lang="en-US" b="0" dirty="0" smtClean="0">
+                <a:solidFill>
+                  <a:schemeClr val="tx1"/>
+                </a:solidFill>
+                <a:latin typeface="Courier New" pitchFamily="49" charset="0"/>
+              </a:rPr>
+              <a:t>);</a:t>
+            </a:r>
+            <a:endParaRPr lang="en-US" b="0" dirty="0">
+              <a:solidFill>
+                <a:schemeClr val="tx1"/>
+              </a:solidFill>
+              <a:latin typeface="Courier New" pitchFamily="49" charset="0"/>
+            </a:endParaRPr>
+          </a:p>
+          <a:p>
+            <a:pPr marL="742950" lvl="1" indent="-285750"/>
+            <a:r>
+              <a:rPr lang="en-US" b="0" dirty="0">
+                <a:solidFill>
+                  <a:schemeClr val="tx1"/>
+                </a:solidFill>
+                <a:latin typeface="Courier New" pitchFamily="49" charset="0"/>
+              </a:rPr>
               <a:t>...</a:t>
             </a:r>
           </a:p>
           <a:p>
             <a:pPr marL="742950" lvl="1" indent="-285750"/>
             <a:r>
+              <a:rPr lang="en-US" dirty="0" smtClean="0">
+                <a:latin typeface="Courier New" pitchFamily="49" charset="0"/>
+              </a:rPr>
+              <a:t>call </a:t>
+            </a:r>
+            <a:r>
               <a:rPr lang="en-US" b="0" dirty="0" err="1" smtClean="0">
                 <a:solidFill>
                   <a:schemeClr val="tx1"/>
                 </a:solidFill>
                 <a:latin typeface="Courier New" pitchFamily="49" charset="0"/>
               </a:rPr>
+              <a:t>MPI_</a:t>
+            </a:r>
+            <a:r>
+              <a:rPr lang="en-US" b="1" dirty="0" err="1" smtClean="0">
+                <a:solidFill>
+                  <a:srgbClr val="0070C0"/>
+                </a:solidFill>
+                <a:latin typeface="Courier New" pitchFamily="49" charset="0"/>
+              </a:rPr>
+              <a:t>Type_free</a:t>
+            </a:r>
+            <a:r>
+              <a:rPr lang="en-US" b="0" dirty="0" smtClean="0">
+                <a:solidFill>
+                  <a:schemeClr val="tx1"/>
+                </a:solidFill>
+                <a:latin typeface="Courier New" pitchFamily="49" charset="0"/>
+              </a:rPr>
+              <a:t>(</a:t>
+            </a:r>
+            <a:r>
+              <a:rPr lang="en-US" b="1" dirty="0" err="1" smtClean="0">
+                <a:solidFill>
+                  <a:srgbClr val="0070C0"/>
+                </a:solidFill>
+                <a:latin typeface="Courier New" pitchFamily="49" charset="0"/>
+              </a:rPr>
+              <a:t>col_type</a:t>
+            </a:r>
+            <a:r>
+              <a:rPr lang="en-US" b="1" dirty="0" smtClean="0">
+                <a:solidFill>
+                  <a:srgbClr val="0070C0"/>
+                </a:solidFill>
+                <a:latin typeface="Courier New" pitchFamily="49" charset="0"/>
+              </a:rPr>
+              <a:t>,</a:t>
+            </a:r>
+            <a:r>
+              <a:rPr lang="en-US" dirty="0" smtClean="0">
+                <a:latin typeface="Courier New" pitchFamily="49" charset="0"/>
+              </a:rPr>
+              <a:t> </a:t>
+            </a:r>
+            <a:r>
+              <a:rPr lang="en-US" dirty="0" err="1" smtClean="0">
+                <a:latin typeface="Courier New" pitchFamily="49" charset="0"/>
+              </a:rPr>
               <a:t>ier</a:t>
             </a:r>
             <a:r>
@@ -8137,55 +8138,10 @@
                 </a:solidFill>
                 <a:latin typeface="Courier New" pitchFamily="49" charset="0"/>
               </a:rPr>
-              <a:t>= </a:t>
-            </a:r>
-            <a:r>
-              <a:rPr lang="en-US" b="0" dirty="0" err="1" smtClean="0">
-                <a:solidFill>
-                  <a:schemeClr val="tx1"/>
-                </a:solidFill>
-                <a:latin typeface="Courier New" pitchFamily="49" charset="0"/>
-              </a:rPr>
-              <a:t>MPI_</a:t>
-            </a:r>
-            <a:r>
-              <a:rPr lang="en-US" b="1" dirty="0" err="1" smtClean="0">
-                <a:solidFill>
-                  <a:srgbClr val="0070C0"/>
-                </a:solidFill>
-                <a:latin typeface="Courier New" pitchFamily="49" charset="0"/>
-              </a:rPr>
-              <a:t>Type_free</a:t>
-            </a:r>
-            <a:r>
-              <a:rPr lang="en-US" b="0" dirty="0">
-                <a:solidFill>
-                  <a:schemeClr val="tx1"/>
-                </a:solidFill>
-                <a:latin typeface="Courier New" pitchFamily="49" charset="0"/>
-              </a:rPr>
-              <a:t>(&amp;</a:t>
-            </a:r>
-            <a:r>
-              <a:rPr lang="en-US" b="1" dirty="0" err="1">
-                <a:solidFill>
-                  <a:srgbClr val="0070C0"/>
-                </a:solidFill>
-                <a:latin typeface="Courier New" pitchFamily="49" charset="0"/>
-              </a:rPr>
-              <a:t>row_type</a:t>
-            </a:r>
-            <a:r>
-              <a:rPr lang="en-US" b="0" dirty="0">
-                <a:solidFill>
-                  <a:schemeClr val="tx1"/>
-                </a:solidFill>
-                <a:latin typeface="Courier New" pitchFamily="49" charset="0"/>
-              </a:rPr>
               <a:t>);</a:t>
             </a:r>
             <a:r>
-              <a:rPr lang="en-US" sz="1600" dirty="0">
+              <a:rPr lang="en-US" sz="1600" dirty="0" smtClean="0">
                 <a:solidFill>
                   <a:schemeClr val="tx1"/>
                 </a:solidFill>
@@ -16795,16 +16751,7 @@
                 </a:solidFill>
                 <a:latin typeface="Courier New" pitchFamily="49" charset="0"/>
               </a:rPr>
-              <a:t>    (</a:t>
-            </a:r>
-            <a:r>
-              <a:rPr lang="en-US" sz="2000" b="0" dirty="0" smtClean="0">
-                <a:solidFill>
-                  <a:schemeClr val="tx1"/>
-                </a:solidFill>
-                <a:latin typeface="Courier New" pitchFamily="49" charset="0"/>
-              </a:rPr>
-              <a:t>2,vblklen,vdispl,vtype</a:t>
+              <a:t>    (2,vblklen,vdispl,vtype</a:t>
             </a:r>
             <a:r>
               <a:rPr lang="en-US" sz="2000" b="0" dirty="0">
@@ -16901,7 +16848,7 @@
 </file>
 
 <file path=ppt/slides/slide16.xml><?xml version="1.0" encoding="utf-8"?>
-<p:sld xmlns:a="http://schemas.openxmlformats.org/drawingml/2006/main" xmlns:r="http://schemas.openxmlformats.org/officeDocument/2006/relationships" xmlns:p="http://schemas.openxmlformats.org/presentationml/2006/main">
+<p:sld xmlns:a="http://schemas.openxmlformats.org/drawingml/2006/main" xmlns:r="http://schemas.openxmlformats.org/officeDocument/2006/relationships" xmlns:p="http://schemas.openxmlformats.org/presentationml/2006/main" show="0">
   <p:cSld>
     <p:spTree>
       <p:nvGrpSpPr>
@@ -18555,6 +18502,14 @@
   <p:clrMapOvr>
     <a:masterClrMapping/>
   </p:clrMapOvr>
+  <mc:AlternateContent xmlns:mc="http://schemas.openxmlformats.org/markup-compatibility/2006">
+    <mc:Choice xmlns:p14="http://schemas.microsoft.com/office/powerpoint/2010/main" Requires="p14">
+      <p:transition spd="slow" p14:dur="2000"/>
+    </mc:Choice>
+    <mc:Fallback>
+      <p:transition xmlns:p14="http://schemas.microsoft.com/office/powerpoint/2010/main" spd="slow"/>
+    </mc:Fallback>
+  </mc:AlternateContent>
   <p:timing>
     <p:tnLst>
       <p:par>
@@ -18566,7 +18521,7 @@
 </file>
 
 <file path=ppt/slides/slide17.xml><?xml version="1.0" encoding="utf-8"?>
-<p:sld xmlns:a="http://schemas.openxmlformats.org/drawingml/2006/main" xmlns:r="http://schemas.openxmlformats.org/officeDocument/2006/relationships" xmlns:p="http://schemas.openxmlformats.org/presentationml/2006/main">
+<p:sld xmlns:a="http://schemas.openxmlformats.org/drawingml/2006/main" xmlns:r="http://schemas.openxmlformats.org/officeDocument/2006/relationships" xmlns:p="http://schemas.openxmlformats.org/presentationml/2006/main" show="0">
   <p:cSld>
     <p:spTree>
       <p:nvGrpSpPr>
@@ -20205,6 +20160,14 @@
   <p:clrMapOvr>
     <a:masterClrMapping/>
   </p:clrMapOvr>
+  <mc:AlternateContent xmlns:mc="http://schemas.openxmlformats.org/markup-compatibility/2006">
+    <mc:Choice xmlns:p14="http://schemas.microsoft.com/office/powerpoint/2010/main" Requires="p14">
+      <p:transition spd="slow" p14:dur="2000"/>
+    </mc:Choice>
+    <mc:Fallback>
+      <p:transition xmlns:p14="http://schemas.microsoft.com/office/powerpoint/2010/main" spd="slow"/>
+    </mc:Fallback>
+  </mc:AlternateContent>
   <p:timing>
     <p:tnLst>
       <p:par>
@@ -20712,6 +20675,973 @@
       </p:grpSpPr>
       <p:sp>
         <p:nvSpPr>
+          <p:cNvPr id="2" name="Title 1"/>
+          <p:cNvSpPr>
+            <a:spLocks noGrp="1"/>
+          </p:cNvSpPr>
+          <p:nvPr>
+            <p:ph type="title"/>
+          </p:nvPr>
+        </p:nvSpPr>
+        <p:spPr/>
+        <p:txBody>
+          <a:bodyPr/>
+          <a:lstStyle/>
+          <a:p>
+            <a:r>
+              <a:rPr lang="en-US" dirty="0" smtClean="0"/>
+              <a:t>Communicators and libraries</a:t>
+            </a:r>
+            <a:endParaRPr lang="en-US" dirty="0"/>
+          </a:p>
+        </p:txBody>
+      </p:sp>
+      <p:sp>
+        <p:nvSpPr>
+          <p:cNvPr id="3" name="Content Placeholder 2"/>
+          <p:cNvSpPr>
+            <a:spLocks noGrp="1"/>
+          </p:cNvSpPr>
+          <p:nvPr>
+            <p:ph idx="1"/>
+          </p:nvPr>
+        </p:nvSpPr>
+        <p:spPr>
+          <a:xfrm>
+            <a:off x="304800" y="1600200"/>
+            <a:ext cx="3352800" cy="4525963"/>
+          </a:xfrm>
+        </p:spPr>
+        <p:txBody>
+          <a:bodyPr>
+            <a:normAutofit lnSpcReduction="10000"/>
+          </a:bodyPr>
+          <a:lstStyle/>
+          <a:p>
+            <a:r>
+              <a:rPr lang="en-US" dirty="0" smtClean="0"/>
+              <a:t>Sharing communicator between main and library:</a:t>
+            </a:r>
+          </a:p>
+          <a:p>
+            <a:r>
+              <a:rPr lang="en-US" dirty="0" smtClean="0"/>
+              <a:t>Library can receive messages from the main program. Oops.</a:t>
+            </a:r>
+            <a:endParaRPr lang="en-US" dirty="0"/>
+          </a:p>
+        </p:txBody>
+      </p:sp>
+      <p:sp>
+        <p:nvSpPr>
+          <p:cNvPr id="4" name="Slide Number Placeholder 3"/>
+          <p:cNvSpPr>
+            <a:spLocks noGrp="1"/>
+          </p:cNvSpPr>
+          <p:nvPr>
+            <p:ph type="sldNum" sz="quarter" idx="12"/>
+          </p:nvPr>
+        </p:nvSpPr>
+        <p:spPr/>
+        <p:txBody>
+          <a:bodyPr/>
+          <a:lstStyle/>
+          <a:p>
+            <a:fld id="{7B90F24A-6679-4F21-A41E-0DBEFD6DC596}" type="slidenum">
+              <a:rPr lang="en-US" smtClean="0"/>
+              <a:pPr/>
+              <a:t>20</a:t>
+            </a:fld>
+            <a:endParaRPr lang="en-US"/>
+          </a:p>
+        </p:txBody>
+      </p:sp>
+      <p:sp>
+        <p:nvSpPr>
+          <p:cNvPr id="5" name="Text Box 3"/>
+          <p:cNvSpPr txBox="1">
+            <a:spLocks noChangeArrowheads="1"/>
+          </p:cNvSpPr>
+          <p:nvPr/>
+        </p:nvSpPr>
+        <p:spPr bwMode="auto">
+          <a:xfrm>
+            <a:off x="3733800" y="1676400"/>
+            <a:ext cx="4953000" cy="3293209"/>
+          </a:xfrm>
+          <a:prstGeom prst="rect">
+            <a:avLst/>
+          </a:prstGeom>
+          <a:noFill/>
+          <a:ln w="9525">
+            <a:noFill/>
+            <a:miter lim="800000"/>
+            <a:headEnd/>
+            <a:tailEnd/>
+          </a:ln>
+          <a:effectLst/>
+        </p:spPr>
+        <p:txBody>
+          <a:bodyPr wrap="square">
+            <a:spAutoFit/>
+          </a:bodyPr>
+          <a:lstStyle/>
+          <a:p>
+            <a:r>
+              <a:rPr lang="en-US" altLang="en-US" sz="1600" dirty="0">
+                <a:latin typeface="Courier New" pitchFamily="49" charset="0"/>
+              </a:rPr>
+              <a:t>m</a:t>
+            </a:r>
+            <a:r>
+              <a:rPr lang="en-US" altLang="en-US" sz="1600" dirty="0" smtClean="0">
+                <a:latin typeface="Courier New" pitchFamily="49" charset="0"/>
+              </a:rPr>
+              <a:t>ain (){</a:t>
+            </a:r>
+          </a:p>
+          <a:p>
+            <a:r>
+              <a:rPr lang="en-US" altLang="en-US" sz="1600" dirty="0">
+                <a:latin typeface="Courier New" pitchFamily="49" charset="0"/>
+              </a:rPr>
+              <a:t> </a:t>
+            </a:r>
+            <a:r>
+              <a:rPr lang="en-US" altLang="en-US" sz="1600" dirty="0" smtClean="0">
+                <a:latin typeface="Courier New" pitchFamily="49" charset="0"/>
+              </a:rPr>
+              <a:t> if (me==0) </a:t>
+            </a:r>
+            <a:r>
+              <a:rPr lang="en-US" altLang="en-US" sz="1600" dirty="0" err="1" smtClean="0">
+                <a:latin typeface="Courier New" pitchFamily="49" charset="0"/>
+              </a:rPr>
+              <a:t>MPI_Send</a:t>
+            </a:r>
+            <a:r>
+              <a:rPr lang="en-US" altLang="en-US" sz="1600" dirty="0" smtClean="0">
+                <a:latin typeface="Courier New" pitchFamily="49" charset="0"/>
+              </a:rPr>
+              <a:t>( ..to 1..</a:t>
+            </a:r>
+            <a:r>
+              <a:rPr lang="en-US" altLang="en-US" sz="1600" dirty="0">
+                <a:latin typeface="Courier New" pitchFamily="49" charset="0"/>
+              </a:rPr>
+              <a:t> ,</a:t>
+            </a:r>
+            <a:br>
+              <a:rPr lang="en-US" altLang="en-US" sz="1600" dirty="0">
+                <a:latin typeface="Courier New" pitchFamily="49" charset="0"/>
+              </a:rPr>
+            </a:br>
+            <a:r>
+              <a:rPr lang="en-US" altLang="en-US" sz="1600" dirty="0">
+                <a:latin typeface="Courier New" pitchFamily="49" charset="0"/>
+              </a:rPr>
+              <a:t>               MPI_COMM_WORLD</a:t>
+            </a:r>
+            <a:r>
+              <a:rPr lang="en-US" altLang="en-US" sz="1600" dirty="0" smtClean="0">
+                <a:latin typeface="Courier New" pitchFamily="49" charset="0"/>
+              </a:rPr>
+              <a:t> )</a:t>
+            </a:r>
+          </a:p>
+          <a:p>
+            <a:r>
+              <a:rPr lang="en-US" altLang="en-US" sz="1600" dirty="0">
+                <a:latin typeface="Courier New" pitchFamily="49" charset="0"/>
+              </a:rPr>
+              <a:t> </a:t>
+            </a:r>
+            <a:r>
+              <a:rPr lang="en-US" altLang="en-US" sz="1600" dirty="0" smtClean="0">
+                <a:latin typeface="Courier New" pitchFamily="49" charset="0"/>
+              </a:rPr>
+              <a:t> </a:t>
+            </a:r>
+            <a:r>
+              <a:rPr lang="en-US" altLang="en-US" sz="1600" dirty="0" err="1" smtClean="0">
+                <a:latin typeface="Courier New" pitchFamily="49" charset="0"/>
+              </a:rPr>
+              <a:t>library_call</a:t>
+            </a:r>
+            <a:r>
+              <a:rPr lang="en-US" altLang="en-US" sz="1600" dirty="0" smtClean="0">
+                <a:latin typeface="Courier New" pitchFamily="49" charset="0"/>
+              </a:rPr>
+              <a:t>()</a:t>
+            </a:r>
+          </a:p>
+          <a:p>
+            <a:r>
+              <a:rPr lang="en-US" altLang="en-US" sz="1600" dirty="0">
+                <a:solidFill>
+                  <a:schemeClr val="tx1"/>
+                </a:solidFill>
+                <a:latin typeface="Courier New" pitchFamily="49" charset="0"/>
+              </a:rPr>
+              <a:t> </a:t>
+            </a:r>
+            <a:r>
+              <a:rPr lang="en-US" altLang="en-US" sz="1600" dirty="0" smtClean="0">
+                <a:solidFill>
+                  <a:schemeClr val="tx1"/>
+                </a:solidFill>
+                <a:latin typeface="Courier New" pitchFamily="49" charset="0"/>
+              </a:rPr>
+              <a:t> if (me==1) </a:t>
+            </a:r>
+            <a:r>
+              <a:rPr lang="en-US" altLang="en-US" sz="1600" dirty="0" err="1" smtClean="0">
+                <a:solidFill>
+                  <a:schemeClr val="tx1"/>
+                </a:solidFill>
+                <a:latin typeface="Courier New" pitchFamily="49" charset="0"/>
+              </a:rPr>
+              <a:t>MPI_Recv</a:t>
+            </a:r>
+            <a:r>
+              <a:rPr lang="en-US" altLang="en-US" sz="1600" dirty="0" smtClean="0">
+                <a:solidFill>
+                  <a:schemeClr val="tx1"/>
+                </a:solidFill>
+                <a:latin typeface="Courier New" pitchFamily="49" charset="0"/>
+              </a:rPr>
+              <a:t>( .. </a:t>
+            </a:r>
+            <a:r>
+              <a:rPr lang="en-US" altLang="en-US" sz="1600" dirty="0">
+                <a:latin typeface="Courier New" pitchFamily="49" charset="0"/>
+              </a:rPr>
+              <a:t>f</a:t>
+            </a:r>
+            <a:r>
+              <a:rPr lang="en-US" altLang="en-US" sz="1600" dirty="0" smtClean="0">
+                <a:solidFill>
+                  <a:schemeClr val="tx1"/>
+                </a:solidFill>
+                <a:latin typeface="Courier New" pitchFamily="49" charset="0"/>
+              </a:rPr>
+              <a:t>rom 0 ..</a:t>
+            </a:r>
+            <a:r>
+              <a:rPr lang="en-US" altLang="en-US" sz="1600" dirty="0">
+                <a:latin typeface="Courier New" pitchFamily="49" charset="0"/>
+              </a:rPr>
+              <a:t> ,</a:t>
+            </a:r>
+            <a:br>
+              <a:rPr lang="en-US" altLang="en-US" sz="1600" dirty="0">
+                <a:latin typeface="Courier New" pitchFamily="49" charset="0"/>
+              </a:rPr>
+            </a:br>
+            <a:r>
+              <a:rPr lang="en-US" altLang="en-US" sz="1600" dirty="0">
+                <a:latin typeface="Courier New" pitchFamily="49" charset="0"/>
+              </a:rPr>
+              <a:t>               MPI_COMM_WORLD</a:t>
+            </a:r>
+            <a:r>
+              <a:rPr lang="en-US" altLang="en-US" sz="1600" dirty="0" smtClean="0">
+                <a:solidFill>
+                  <a:schemeClr val="tx1"/>
+                </a:solidFill>
+                <a:latin typeface="Courier New" pitchFamily="49" charset="0"/>
+              </a:rPr>
+              <a:t> )</a:t>
+            </a:r>
+          </a:p>
+          <a:p>
+            <a:r>
+              <a:rPr lang="en-US" altLang="en-US" sz="1600" dirty="0" smtClean="0">
+                <a:solidFill>
+                  <a:schemeClr val="tx1"/>
+                </a:solidFill>
+                <a:latin typeface="Courier New" pitchFamily="49" charset="0"/>
+              </a:rPr>
+              <a:t>}</a:t>
+            </a:r>
+          </a:p>
+          <a:p>
+            <a:endParaRPr lang="en-US" altLang="en-US" sz="1600" dirty="0">
+              <a:latin typeface="Courier New" pitchFamily="49" charset="0"/>
+            </a:endParaRPr>
+          </a:p>
+          <a:p>
+            <a:r>
+              <a:rPr lang="en-US" altLang="en-US" sz="1600" dirty="0">
+                <a:latin typeface="Courier New" pitchFamily="49" charset="0"/>
+              </a:rPr>
+              <a:t>v</a:t>
+            </a:r>
+            <a:r>
+              <a:rPr lang="en-US" altLang="en-US" sz="1600" dirty="0" smtClean="0">
+                <a:solidFill>
+                  <a:schemeClr val="tx1"/>
+                </a:solidFill>
+                <a:latin typeface="Courier New" pitchFamily="49" charset="0"/>
+              </a:rPr>
+              <a:t>oid </a:t>
+            </a:r>
+            <a:r>
+              <a:rPr lang="en-US" altLang="en-US" sz="1600" dirty="0" err="1" smtClean="0">
+                <a:solidFill>
+                  <a:schemeClr val="tx1"/>
+                </a:solidFill>
+                <a:latin typeface="Courier New" pitchFamily="49" charset="0"/>
+              </a:rPr>
+              <a:t>library_call</a:t>
+            </a:r>
+            <a:r>
+              <a:rPr lang="en-US" altLang="en-US" sz="1600" dirty="0" smtClean="0">
+                <a:solidFill>
+                  <a:schemeClr val="tx1"/>
+                </a:solidFill>
+                <a:latin typeface="Courier New" pitchFamily="49" charset="0"/>
+              </a:rPr>
+              <a:t>() {</a:t>
+            </a:r>
+          </a:p>
+          <a:p>
+            <a:r>
+              <a:rPr lang="en-US" altLang="en-US" sz="1600" dirty="0" smtClean="0">
+                <a:solidFill>
+                  <a:schemeClr val="tx1"/>
+                </a:solidFill>
+                <a:latin typeface="Courier New" pitchFamily="49" charset="0"/>
+              </a:rPr>
+              <a:t>  other = me-1;</a:t>
+            </a:r>
+          </a:p>
+          <a:p>
+            <a:r>
+              <a:rPr lang="en-US" altLang="en-US" sz="1600" dirty="0">
+                <a:latin typeface="Courier New" pitchFamily="49" charset="0"/>
+              </a:rPr>
+              <a:t> </a:t>
+            </a:r>
+            <a:r>
+              <a:rPr lang="en-US" altLang="en-US" sz="1600" dirty="0" smtClean="0">
+                <a:latin typeface="Courier New" pitchFamily="49" charset="0"/>
+              </a:rPr>
+              <a:t> </a:t>
+            </a:r>
+            <a:r>
+              <a:rPr lang="en-US" altLang="en-US" sz="1600" dirty="0" err="1" smtClean="0">
+                <a:solidFill>
+                  <a:schemeClr val="tx1"/>
+                </a:solidFill>
+                <a:latin typeface="Courier New" pitchFamily="49" charset="0"/>
+              </a:rPr>
+              <a:t>MPI_Recv</a:t>
+            </a:r>
+            <a:r>
+              <a:rPr lang="en-US" altLang="en-US" sz="1600" dirty="0" smtClean="0">
+                <a:solidFill>
+                  <a:schemeClr val="tx1"/>
+                </a:solidFill>
+                <a:latin typeface="Courier New" pitchFamily="49" charset="0"/>
+              </a:rPr>
+              <a:t>( .. from other ..</a:t>
+            </a:r>
+            <a:r>
+              <a:rPr lang="en-US" altLang="en-US" sz="1600" dirty="0">
+                <a:latin typeface="Courier New" pitchFamily="49" charset="0"/>
+              </a:rPr>
+              <a:t> ,</a:t>
+            </a:r>
+            <a:br>
+              <a:rPr lang="en-US" altLang="en-US" sz="1600" dirty="0">
+                <a:latin typeface="Courier New" pitchFamily="49" charset="0"/>
+              </a:rPr>
+            </a:br>
+            <a:r>
+              <a:rPr lang="en-US" altLang="en-US" sz="1600" dirty="0">
+                <a:latin typeface="Courier New" pitchFamily="49" charset="0"/>
+              </a:rPr>
+              <a:t>               MPI_COMM_WORLD</a:t>
+            </a:r>
+            <a:r>
+              <a:rPr lang="en-US" altLang="en-US" sz="1600" dirty="0" smtClean="0">
+                <a:solidFill>
+                  <a:schemeClr val="tx1"/>
+                </a:solidFill>
+                <a:latin typeface="Courier New" pitchFamily="49" charset="0"/>
+              </a:rPr>
+              <a:t> )</a:t>
+            </a:r>
+          </a:p>
+          <a:p>
+            <a:r>
+              <a:rPr lang="en-US" altLang="en-US" sz="1600" dirty="0">
+                <a:latin typeface="Courier New" pitchFamily="49" charset="0"/>
+              </a:rPr>
+              <a:t>}</a:t>
+            </a:r>
+            <a:endParaRPr lang="en-US" altLang="en-US" sz="1600" dirty="0">
+              <a:solidFill>
+                <a:schemeClr val="tx1"/>
+              </a:solidFill>
+              <a:latin typeface="Courier New" pitchFamily="49" charset="0"/>
+            </a:endParaRPr>
+          </a:p>
+        </p:txBody>
+      </p:sp>
+    </p:spTree>
+    <p:extLst>
+      <p:ext uri="{BB962C8B-B14F-4D97-AF65-F5344CB8AC3E}">
+        <p14:creationId xmlns:p14="http://schemas.microsoft.com/office/powerpoint/2010/main" val="3587961787"/>
+      </p:ext>
+    </p:extLst>
+  </p:cSld>
+  <p:clrMapOvr>
+    <a:masterClrMapping/>
+  </p:clrMapOvr>
+</p:sld>
+</file>
+
+<file path=ppt/slides/slide21.xml><?xml version="1.0" encoding="utf-8"?>
+<p:sld xmlns:a="http://schemas.openxmlformats.org/drawingml/2006/main" xmlns:r="http://schemas.openxmlformats.org/officeDocument/2006/relationships" xmlns:p="http://schemas.openxmlformats.org/presentationml/2006/main">
+  <p:cSld>
+    <p:spTree>
+      <p:nvGrpSpPr>
+        <p:cNvPr id="1" name=""/>
+        <p:cNvGrpSpPr/>
+        <p:nvPr/>
+      </p:nvGrpSpPr>
+      <p:grpSpPr>
+        <a:xfrm>
+          <a:off x="0" y="0"/>
+          <a:ext cx="0" cy="0"/>
+          <a:chOff x="0" y="0"/>
+          <a:chExt cx="0" cy="0"/>
+        </a:xfrm>
+      </p:grpSpPr>
+      <p:sp>
+        <p:nvSpPr>
+          <p:cNvPr id="2" name="Title 1"/>
+          <p:cNvSpPr>
+            <a:spLocks noGrp="1"/>
+          </p:cNvSpPr>
+          <p:nvPr>
+            <p:ph type="title"/>
+          </p:nvPr>
+        </p:nvSpPr>
+        <p:spPr/>
+        <p:txBody>
+          <a:bodyPr/>
+          <a:lstStyle/>
+          <a:p>
+            <a:r>
+              <a:rPr lang="en-US" dirty="0" smtClean="0"/>
+              <a:t>Duplicate communicators</a:t>
+            </a:r>
+            <a:endParaRPr lang="en-US" dirty="0"/>
+          </a:p>
+        </p:txBody>
+      </p:sp>
+      <p:sp>
+        <p:nvSpPr>
+          <p:cNvPr id="3" name="Content Placeholder 2"/>
+          <p:cNvSpPr>
+            <a:spLocks noGrp="1"/>
+          </p:cNvSpPr>
+          <p:nvPr>
+            <p:ph idx="1"/>
+          </p:nvPr>
+        </p:nvSpPr>
+        <p:spPr>
+          <a:xfrm>
+            <a:off x="457200" y="1600200"/>
+            <a:ext cx="3429000" cy="4525963"/>
+          </a:xfrm>
+        </p:spPr>
+        <p:txBody>
+          <a:bodyPr>
+            <a:normAutofit lnSpcReduction="10000"/>
+          </a:bodyPr>
+          <a:lstStyle/>
+          <a:p>
+            <a:r>
+              <a:rPr lang="en-US" dirty="0" smtClean="0"/>
+              <a:t>Duplicate communicator with </a:t>
+            </a:r>
+            <a:r>
+              <a:rPr lang="en-US" dirty="0" err="1" smtClean="0"/>
+              <a:t>MPI_Comm_dup</a:t>
+            </a:r>
+            <a:r>
+              <a:rPr lang="en-US" dirty="0" smtClean="0"/>
+              <a:t>:</a:t>
+            </a:r>
+          </a:p>
+          <a:p>
+            <a:r>
+              <a:rPr lang="en-US" dirty="0" smtClean="0"/>
+              <a:t>Same group of processors, but different context: no confusion possible.</a:t>
+            </a:r>
+            <a:endParaRPr lang="en-US" dirty="0"/>
+          </a:p>
+        </p:txBody>
+      </p:sp>
+      <p:sp>
+        <p:nvSpPr>
+          <p:cNvPr id="4" name="Slide Number Placeholder 3"/>
+          <p:cNvSpPr>
+            <a:spLocks noGrp="1"/>
+          </p:cNvSpPr>
+          <p:nvPr>
+            <p:ph type="sldNum" sz="quarter" idx="12"/>
+          </p:nvPr>
+        </p:nvSpPr>
+        <p:spPr/>
+        <p:txBody>
+          <a:bodyPr/>
+          <a:lstStyle/>
+          <a:p>
+            <a:fld id="{7B90F24A-6679-4F21-A41E-0DBEFD6DC596}" type="slidenum">
+              <a:rPr lang="en-US" smtClean="0"/>
+              <a:pPr/>
+              <a:t>21</a:t>
+            </a:fld>
+            <a:endParaRPr lang="en-US"/>
+          </a:p>
+        </p:txBody>
+      </p:sp>
+      <p:sp>
+        <p:nvSpPr>
+          <p:cNvPr id="5" name="Text Box 3"/>
+          <p:cNvSpPr txBox="1">
+            <a:spLocks noChangeArrowheads="1"/>
+          </p:cNvSpPr>
+          <p:nvPr/>
+        </p:nvSpPr>
+        <p:spPr bwMode="auto">
+          <a:xfrm>
+            <a:off x="3962400" y="1600200"/>
+            <a:ext cx="4953000" cy="3539430"/>
+          </a:xfrm>
+          <a:prstGeom prst="rect">
+            <a:avLst/>
+          </a:prstGeom>
+          <a:noFill/>
+          <a:ln w="9525">
+            <a:noFill/>
+            <a:miter lim="800000"/>
+            <a:headEnd/>
+            <a:tailEnd/>
+          </a:ln>
+          <a:effectLst/>
+        </p:spPr>
+        <p:txBody>
+          <a:bodyPr wrap="square">
+            <a:spAutoFit/>
+          </a:bodyPr>
+          <a:lstStyle/>
+          <a:p>
+            <a:r>
+              <a:rPr lang="en-US" altLang="en-US" sz="1600" dirty="0">
+                <a:latin typeface="Courier New" pitchFamily="49" charset="0"/>
+              </a:rPr>
+              <a:t>m</a:t>
+            </a:r>
+            <a:r>
+              <a:rPr lang="en-US" altLang="en-US" sz="1600" dirty="0" smtClean="0">
+                <a:latin typeface="Courier New" pitchFamily="49" charset="0"/>
+              </a:rPr>
+              <a:t>ain (){</a:t>
+            </a:r>
+          </a:p>
+          <a:p>
+            <a:r>
+              <a:rPr lang="en-US" altLang="en-US" sz="1600" dirty="0">
+                <a:latin typeface="Courier New" pitchFamily="49" charset="0"/>
+              </a:rPr>
+              <a:t> </a:t>
+            </a:r>
+            <a:r>
+              <a:rPr lang="en-US" altLang="en-US" sz="1600" dirty="0" smtClean="0">
+                <a:latin typeface="Courier New" pitchFamily="49" charset="0"/>
+              </a:rPr>
+              <a:t> if (me==0) </a:t>
+            </a:r>
+            <a:r>
+              <a:rPr lang="en-US" altLang="en-US" sz="1600" dirty="0" err="1" smtClean="0">
+                <a:latin typeface="Courier New" pitchFamily="49" charset="0"/>
+              </a:rPr>
+              <a:t>MPI_Send</a:t>
+            </a:r>
+            <a:r>
+              <a:rPr lang="en-US" altLang="en-US" sz="1600" dirty="0" smtClean="0">
+                <a:latin typeface="Courier New" pitchFamily="49" charset="0"/>
+              </a:rPr>
+              <a:t>( ..to 1..,</a:t>
+            </a:r>
+            <a:br>
+              <a:rPr lang="en-US" altLang="en-US" sz="1600" dirty="0" smtClean="0">
+                <a:latin typeface="Courier New" pitchFamily="49" charset="0"/>
+              </a:rPr>
+            </a:br>
+            <a:r>
+              <a:rPr lang="en-US" altLang="en-US" sz="1600" dirty="0" smtClean="0">
+                <a:latin typeface="Courier New" pitchFamily="49" charset="0"/>
+              </a:rPr>
+              <a:t>               MPI_COMM_WORLD )</a:t>
+            </a:r>
+          </a:p>
+          <a:p>
+            <a:r>
+              <a:rPr lang="en-US" altLang="en-US" sz="1600" dirty="0">
+                <a:latin typeface="Courier New" pitchFamily="49" charset="0"/>
+              </a:rPr>
+              <a:t> </a:t>
+            </a:r>
+            <a:r>
+              <a:rPr lang="en-US" altLang="en-US" sz="1600" dirty="0" smtClean="0">
+                <a:latin typeface="Courier New" pitchFamily="49" charset="0"/>
+              </a:rPr>
+              <a:t> </a:t>
+            </a:r>
+            <a:r>
+              <a:rPr lang="en-US" altLang="en-US" sz="1600" dirty="0" err="1" smtClean="0">
+                <a:latin typeface="Courier New" pitchFamily="49" charset="0"/>
+              </a:rPr>
+              <a:t>library_call</a:t>
+            </a:r>
+            <a:r>
+              <a:rPr lang="en-US" altLang="en-US" sz="1600" dirty="0" smtClean="0">
+                <a:latin typeface="Courier New" pitchFamily="49" charset="0"/>
+              </a:rPr>
+              <a:t>(MPI_COMM_WORLD)</a:t>
+            </a:r>
+          </a:p>
+          <a:p>
+            <a:r>
+              <a:rPr lang="en-US" altLang="en-US" sz="1600" dirty="0">
+                <a:solidFill>
+                  <a:schemeClr val="tx1"/>
+                </a:solidFill>
+                <a:latin typeface="Courier New" pitchFamily="49" charset="0"/>
+              </a:rPr>
+              <a:t> </a:t>
+            </a:r>
+            <a:r>
+              <a:rPr lang="en-US" altLang="en-US" sz="1600" dirty="0" smtClean="0">
+                <a:solidFill>
+                  <a:schemeClr val="tx1"/>
+                </a:solidFill>
+                <a:latin typeface="Courier New" pitchFamily="49" charset="0"/>
+              </a:rPr>
+              <a:t> if (me==1) </a:t>
+            </a:r>
+            <a:r>
+              <a:rPr lang="en-US" altLang="en-US" sz="1600" dirty="0" err="1" smtClean="0">
+                <a:solidFill>
+                  <a:schemeClr val="tx1"/>
+                </a:solidFill>
+                <a:latin typeface="Courier New" pitchFamily="49" charset="0"/>
+              </a:rPr>
+              <a:t>MPI_Recv</a:t>
+            </a:r>
+            <a:r>
+              <a:rPr lang="en-US" altLang="en-US" sz="1600" dirty="0" smtClean="0">
+                <a:solidFill>
+                  <a:schemeClr val="tx1"/>
+                </a:solidFill>
+                <a:latin typeface="Courier New" pitchFamily="49" charset="0"/>
+              </a:rPr>
+              <a:t>( .. </a:t>
+            </a:r>
+            <a:r>
+              <a:rPr lang="en-US" altLang="en-US" sz="1600" dirty="0">
+                <a:latin typeface="Courier New" pitchFamily="49" charset="0"/>
+              </a:rPr>
+              <a:t>f</a:t>
+            </a:r>
+            <a:r>
+              <a:rPr lang="en-US" altLang="en-US" sz="1600" dirty="0" smtClean="0">
+                <a:solidFill>
+                  <a:schemeClr val="tx1"/>
+                </a:solidFill>
+                <a:latin typeface="Courier New" pitchFamily="49" charset="0"/>
+              </a:rPr>
+              <a:t>rom 0 ..</a:t>
+            </a:r>
+            <a:r>
+              <a:rPr lang="en-US" altLang="en-US" sz="1600" dirty="0">
+                <a:latin typeface="Courier New" pitchFamily="49" charset="0"/>
+              </a:rPr>
+              <a:t> ,</a:t>
+            </a:r>
+            <a:br>
+              <a:rPr lang="en-US" altLang="en-US" sz="1600" dirty="0">
+                <a:latin typeface="Courier New" pitchFamily="49" charset="0"/>
+              </a:rPr>
+            </a:br>
+            <a:r>
+              <a:rPr lang="en-US" altLang="en-US" sz="1600" dirty="0">
+                <a:latin typeface="Courier New" pitchFamily="49" charset="0"/>
+              </a:rPr>
+              <a:t>               MPI_COMM_WORLD</a:t>
+            </a:r>
+            <a:r>
+              <a:rPr lang="en-US" altLang="en-US" sz="1600" dirty="0" smtClean="0">
+                <a:solidFill>
+                  <a:schemeClr val="tx1"/>
+                </a:solidFill>
+                <a:latin typeface="Courier New" pitchFamily="49" charset="0"/>
+              </a:rPr>
+              <a:t> )</a:t>
+            </a:r>
+          </a:p>
+          <a:p>
+            <a:r>
+              <a:rPr lang="en-US" altLang="en-US" sz="1600" dirty="0" smtClean="0">
+                <a:solidFill>
+                  <a:schemeClr val="tx1"/>
+                </a:solidFill>
+                <a:latin typeface="Courier New" pitchFamily="49" charset="0"/>
+              </a:rPr>
+              <a:t>}</a:t>
+            </a:r>
+          </a:p>
+          <a:p>
+            <a:endParaRPr lang="en-US" altLang="en-US" sz="1600" dirty="0">
+              <a:latin typeface="Courier New" pitchFamily="49" charset="0"/>
+            </a:endParaRPr>
+          </a:p>
+          <a:p>
+            <a:r>
+              <a:rPr lang="en-US" altLang="en-US" sz="1600" dirty="0">
+                <a:latin typeface="Courier New" pitchFamily="49" charset="0"/>
+              </a:rPr>
+              <a:t>v</a:t>
+            </a:r>
+            <a:r>
+              <a:rPr lang="en-US" altLang="en-US" sz="1600" dirty="0" smtClean="0">
+                <a:solidFill>
+                  <a:schemeClr val="tx1"/>
+                </a:solidFill>
+                <a:latin typeface="Courier New" pitchFamily="49" charset="0"/>
+              </a:rPr>
+              <a:t>oid </a:t>
+            </a:r>
+            <a:r>
+              <a:rPr lang="en-US" altLang="en-US" sz="1600" dirty="0" err="1" smtClean="0">
+                <a:solidFill>
+                  <a:schemeClr val="tx1"/>
+                </a:solidFill>
+                <a:latin typeface="Courier New" pitchFamily="49" charset="0"/>
+              </a:rPr>
+              <a:t>library_call</a:t>
+            </a:r>
+            <a:r>
+              <a:rPr lang="en-US" altLang="en-US" sz="1600" dirty="0" smtClean="0">
+                <a:solidFill>
+                  <a:schemeClr val="tx1"/>
+                </a:solidFill>
+                <a:latin typeface="Courier New" pitchFamily="49" charset="0"/>
+              </a:rPr>
+              <a:t>(</a:t>
+            </a:r>
+            <a:r>
+              <a:rPr lang="en-US" altLang="en-US" sz="1600" dirty="0" err="1" smtClean="0">
+                <a:solidFill>
+                  <a:schemeClr val="tx1"/>
+                </a:solidFill>
+                <a:latin typeface="Courier New" pitchFamily="49" charset="0"/>
+              </a:rPr>
+              <a:t>comm</a:t>
+            </a:r>
+            <a:r>
+              <a:rPr lang="en-US" altLang="en-US" sz="1600" dirty="0" smtClean="0">
+                <a:solidFill>
+                  <a:schemeClr val="tx1"/>
+                </a:solidFill>
+                <a:latin typeface="Courier New" pitchFamily="49" charset="0"/>
+              </a:rPr>
+              <a:t>) {</a:t>
+            </a:r>
+          </a:p>
+          <a:p>
+            <a:r>
+              <a:rPr lang="en-US" altLang="en-US" sz="1600" dirty="0">
+                <a:latin typeface="Courier New" pitchFamily="49" charset="0"/>
+              </a:rPr>
+              <a:t> </a:t>
+            </a:r>
+            <a:r>
+              <a:rPr lang="en-US" altLang="en-US" sz="1600" dirty="0" smtClean="0">
+                <a:latin typeface="Courier New" pitchFamily="49" charset="0"/>
+              </a:rPr>
+              <a:t> </a:t>
+            </a:r>
+            <a:r>
+              <a:rPr lang="en-US" altLang="en-US" sz="1600" dirty="0" err="1" smtClean="0">
+                <a:latin typeface="Courier New" pitchFamily="49" charset="0"/>
+              </a:rPr>
+              <a:t>MPI_Comm</a:t>
+            </a:r>
+            <a:r>
+              <a:rPr lang="en-US" altLang="en-US" sz="1600" dirty="0" smtClean="0">
+                <a:latin typeface="Courier New" pitchFamily="49" charset="0"/>
+              </a:rPr>
+              <a:t> </a:t>
+            </a:r>
+            <a:r>
+              <a:rPr lang="en-US" altLang="en-US" sz="1600" dirty="0" err="1" smtClean="0">
+                <a:latin typeface="Courier New" pitchFamily="49" charset="0"/>
+              </a:rPr>
+              <a:t>my_comm</a:t>
+            </a:r>
+            <a:r>
+              <a:rPr lang="en-US" altLang="en-US" sz="1600" dirty="0" smtClean="0">
+                <a:latin typeface="Courier New" pitchFamily="49" charset="0"/>
+              </a:rPr>
+              <a:t> = // copy of </a:t>
+            </a:r>
+            <a:r>
+              <a:rPr lang="en-US" altLang="en-US" sz="1600" dirty="0" err="1" smtClean="0">
+                <a:latin typeface="Courier New" pitchFamily="49" charset="0"/>
+              </a:rPr>
+              <a:t>comm</a:t>
+            </a:r>
+            <a:endParaRPr lang="en-US" altLang="en-US" sz="1600" dirty="0" smtClean="0">
+              <a:solidFill>
+                <a:schemeClr val="tx1"/>
+              </a:solidFill>
+              <a:latin typeface="Courier New" pitchFamily="49" charset="0"/>
+            </a:endParaRPr>
+          </a:p>
+          <a:p>
+            <a:r>
+              <a:rPr lang="en-US" altLang="en-US" sz="1600" dirty="0" smtClean="0">
+                <a:solidFill>
+                  <a:schemeClr val="tx1"/>
+                </a:solidFill>
+                <a:latin typeface="Courier New" pitchFamily="49" charset="0"/>
+              </a:rPr>
+              <a:t>  other = me-1;</a:t>
+            </a:r>
+          </a:p>
+          <a:p>
+            <a:r>
+              <a:rPr lang="en-US" altLang="en-US" sz="1600" dirty="0">
+                <a:latin typeface="Courier New" pitchFamily="49" charset="0"/>
+              </a:rPr>
+              <a:t> </a:t>
+            </a:r>
+            <a:r>
+              <a:rPr lang="en-US" altLang="en-US" sz="1600" dirty="0" smtClean="0">
+                <a:latin typeface="Courier New" pitchFamily="49" charset="0"/>
+              </a:rPr>
+              <a:t> </a:t>
+            </a:r>
+            <a:r>
+              <a:rPr lang="en-US" altLang="en-US" sz="1600" dirty="0" err="1" smtClean="0">
+                <a:solidFill>
+                  <a:schemeClr val="tx1"/>
+                </a:solidFill>
+                <a:latin typeface="Courier New" pitchFamily="49" charset="0"/>
+              </a:rPr>
+              <a:t>MPI_Recv</a:t>
+            </a:r>
+            <a:r>
+              <a:rPr lang="en-US" altLang="en-US" sz="1600" dirty="0" smtClean="0">
+                <a:solidFill>
+                  <a:schemeClr val="tx1"/>
+                </a:solidFill>
+                <a:latin typeface="Courier New" pitchFamily="49" charset="0"/>
+              </a:rPr>
+              <a:t>( .. from other ..,</a:t>
+            </a:r>
+            <a:br>
+              <a:rPr lang="en-US" altLang="en-US" sz="1600" dirty="0" smtClean="0">
+                <a:solidFill>
+                  <a:schemeClr val="tx1"/>
+                </a:solidFill>
+                <a:latin typeface="Courier New" pitchFamily="49" charset="0"/>
+              </a:rPr>
+            </a:br>
+            <a:r>
+              <a:rPr lang="en-US" altLang="en-US" sz="1600" dirty="0" smtClean="0">
+                <a:solidFill>
+                  <a:schemeClr val="tx1"/>
+                </a:solidFill>
+                <a:latin typeface="Courier New" pitchFamily="49" charset="0"/>
+              </a:rPr>
+              <a:t>            </a:t>
+            </a:r>
+            <a:r>
+              <a:rPr lang="en-US" altLang="en-US" sz="1600" dirty="0" err="1" smtClean="0">
+                <a:solidFill>
+                  <a:schemeClr val="tx1"/>
+                </a:solidFill>
+                <a:latin typeface="Courier New" pitchFamily="49" charset="0"/>
+              </a:rPr>
+              <a:t>my_comm</a:t>
+            </a:r>
+            <a:r>
+              <a:rPr lang="en-US" altLang="en-US" sz="1600" dirty="0" smtClean="0">
+                <a:solidFill>
+                  <a:schemeClr val="tx1"/>
+                </a:solidFill>
+                <a:latin typeface="Courier New" pitchFamily="49" charset="0"/>
+              </a:rPr>
+              <a:t> )</a:t>
+            </a:r>
+          </a:p>
+          <a:p>
+            <a:r>
+              <a:rPr lang="en-US" altLang="en-US" sz="1600" dirty="0">
+                <a:latin typeface="Courier New" pitchFamily="49" charset="0"/>
+              </a:rPr>
+              <a:t>}</a:t>
+            </a:r>
+            <a:endParaRPr lang="en-US" altLang="en-US" sz="1600" dirty="0">
+              <a:solidFill>
+                <a:schemeClr val="tx1"/>
+              </a:solidFill>
+              <a:latin typeface="Courier New" pitchFamily="49" charset="0"/>
+            </a:endParaRPr>
+          </a:p>
+        </p:txBody>
+      </p:sp>
+    </p:spTree>
+    <p:extLst>
+      <p:ext uri="{BB962C8B-B14F-4D97-AF65-F5344CB8AC3E}">
+        <p14:creationId xmlns:p14="http://schemas.microsoft.com/office/powerpoint/2010/main" val="69476766"/>
+      </p:ext>
+    </p:extLst>
+  </p:cSld>
+  <p:clrMapOvr>
+    <a:masterClrMapping/>
+  </p:clrMapOvr>
+</p:sld>
+</file>
+
+<file path=ppt/slides/slide22.xml><?xml version="1.0" encoding="utf-8"?>
+<p:sld xmlns:a="http://schemas.openxmlformats.org/drawingml/2006/main" xmlns:r="http://schemas.openxmlformats.org/officeDocument/2006/relationships" xmlns:p="http://schemas.openxmlformats.org/presentationml/2006/main">
+  <p:cSld>
+    <p:spTree>
+      <p:nvGrpSpPr>
+        <p:cNvPr id="1" name=""/>
+        <p:cNvGrpSpPr/>
+        <p:nvPr/>
+      </p:nvGrpSpPr>
+      <p:grpSpPr>
+        <a:xfrm>
+          <a:off x="0" y="0"/>
+          <a:ext cx="0" cy="0"/>
+          <a:chOff x="0" y="0"/>
+          <a:chExt cx="0" cy="0"/>
+        </a:xfrm>
+      </p:grpSpPr>
+      <p:sp>
+        <p:nvSpPr>
           <p:cNvPr id="279554" name="Rectangle 2"/>
           <p:cNvSpPr>
             <a:spLocks noGrp="1" noChangeArrowheads="1"/>
@@ -20981,7 +21911,7 @@
             <a:fld id="{7B90F24A-6679-4F21-A41E-0DBEFD6DC596}" type="slidenum">
               <a:rPr lang="en-US" smtClean="0"/>
               <a:pPr/>
-              <a:t>20</a:t>
+              <a:t>22</a:t>
             </a:fld>
             <a:endParaRPr lang="en-US"/>
           </a:p>
@@ -21002,7 +21932,7 @@
 </p:sld>
 </file>
 
-<file path=ppt/slides/slide21.xml><?xml version="1.0" encoding="utf-8"?>
+<file path=ppt/slides/slide23.xml><?xml version="1.0" encoding="utf-8"?>
 <p:sld xmlns:a="http://schemas.openxmlformats.org/drawingml/2006/main" xmlns:r="http://schemas.openxmlformats.org/officeDocument/2006/relationships" xmlns:p="http://schemas.openxmlformats.org/presentationml/2006/main">
   <p:cSld>
     <p:spTree>
@@ -22383,7 +23313,7 @@
 </p:sld>
 </file>
 
-<file path=ppt/slides/slide22.xml><?xml version="1.0" encoding="utf-8"?>
+<file path=ppt/slides/slide24.xml><?xml version="1.0" encoding="utf-8"?>
 <p:sld xmlns:a="http://schemas.openxmlformats.org/drawingml/2006/main" xmlns:r="http://schemas.openxmlformats.org/officeDocument/2006/relationships" xmlns:p="http://schemas.openxmlformats.org/presentationml/2006/main">
   <p:cSld>
     <p:spTree>
@@ -23310,7 +24240,7 @@
             <a:fld id="{7B90F24A-6679-4F21-A41E-0DBEFD6DC596}" type="slidenum">
               <a:rPr lang="en-US" smtClean="0"/>
               <a:pPr/>
-              <a:t>22</a:t>
+              <a:t>24</a:t>
             </a:fld>
             <a:endParaRPr lang="en-US"/>
           </a:p>
@@ -23331,7 +24261,7 @@
 </p:sld>
 </file>
 
-<file path=ppt/slides/slide23.xml><?xml version="1.0" encoding="utf-8"?>
+<file path=ppt/slides/slide25.xml><?xml version="1.0" encoding="utf-8"?>
 <p:sld xmlns:a="http://schemas.openxmlformats.org/drawingml/2006/main" xmlns:r="http://schemas.openxmlformats.org/officeDocument/2006/relationships" xmlns:p="http://schemas.openxmlformats.org/presentationml/2006/main">
   <p:cSld>
     <p:spTree>
@@ -24271,7 +25201,7 @@
             <a:fld id="{7B90F24A-6679-4F21-A41E-0DBEFD6DC596}" type="slidenum">
               <a:rPr lang="en-US" smtClean="0"/>
               <a:pPr/>
-              <a:t>23</a:t>
+              <a:t>25</a:t>
             </a:fld>
             <a:endParaRPr lang="en-US"/>
           </a:p>
@@ -24292,7 +25222,7 @@
 </p:sld>
 </file>
 
-<file path=ppt/slides/slide24.xml><?xml version="1.0" encoding="utf-8"?>
+<file path=ppt/slides/slide26.xml><?xml version="1.0" encoding="utf-8"?>
 <p:sld xmlns:a="http://schemas.openxmlformats.org/drawingml/2006/main" xmlns:r="http://schemas.openxmlformats.org/officeDocument/2006/relationships" xmlns:p="http://schemas.openxmlformats.org/presentationml/2006/main">
   <p:cSld>
     <p:spTree>
@@ -25240,1425 +26170,6 @@
             <a:fld id="{7B90F24A-6679-4F21-A41E-0DBEFD6DC596}" type="slidenum">
               <a:rPr lang="en-US" smtClean="0"/>
               <a:pPr/>
-              <a:t>24</a:t>
-            </a:fld>
-            <a:endParaRPr lang="en-US"/>
-          </a:p>
-        </p:txBody>
-      </p:sp>
-    </p:spTree>
-  </p:cSld>
-  <p:clrMapOvr>
-    <a:masterClrMapping/>
-  </p:clrMapOvr>
-  <p:timing>
-    <p:tnLst>
-      <p:par>
-        <p:cTn xmlns:p14="http://schemas.microsoft.com/office/powerpoint/2010/main" id="1" dur="indefinite" restart="never" nodeType="tmRoot"/>
-      </p:par>
-    </p:tnLst>
-  </p:timing>
-</p:sld>
-</file>
-
-<file path=ppt/slides/slide25.xml><?xml version="1.0" encoding="utf-8"?>
-<p:sld xmlns:a="http://schemas.openxmlformats.org/drawingml/2006/main" xmlns:r="http://schemas.openxmlformats.org/officeDocument/2006/relationships" xmlns:p="http://schemas.openxmlformats.org/presentationml/2006/main">
-  <p:cSld>
-    <p:spTree>
-      <p:nvGrpSpPr>
-        <p:cNvPr id="1" name=""/>
-        <p:cNvGrpSpPr/>
-        <p:nvPr/>
-      </p:nvGrpSpPr>
-      <p:grpSpPr>
-        <a:xfrm>
-          <a:off x="0" y="0"/>
-          <a:ext cx="0" cy="0"/>
-          <a:chOff x="0" y="0"/>
-          <a:chExt cx="0" cy="0"/>
-        </a:xfrm>
-      </p:grpSpPr>
-      <p:sp>
-        <p:nvSpPr>
-          <p:cNvPr id="284674" name="Rectangle 2"/>
-          <p:cNvSpPr>
-            <a:spLocks noGrp="1" noChangeArrowheads="1"/>
-          </p:cNvSpPr>
-          <p:nvPr>
-            <p:ph type="title"/>
-          </p:nvPr>
-        </p:nvSpPr>
-        <p:spPr/>
-        <p:txBody>
-          <a:bodyPr/>
-          <a:lstStyle/>
-          <a:p>
-            <a:r>
-              <a:rPr lang="en-US" altLang="en-US"/>
-              <a:t>MPI_Comm_split</a:t>
-            </a:r>
-          </a:p>
-        </p:txBody>
-      </p:sp>
-      <p:sp>
-        <p:nvSpPr>
-          <p:cNvPr id="284675" name="Rectangle 3"/>
-          <p:cNvSpPr>
-            <a:spLocks noGrp="1" noChangeArrowheads="1"/>
-          </p:cNvSpPr>
-          <p:nvPr>
-            <p:ph type="body" idx="1"/>
-          </p:nvPr>
-        </p:nvSpPr>
-        <p:spPr>
-          <a:xfrm>
-            <a:off x="457200" y="1371600"/>
-            <a:ext cx="8458200" cy="4572000"/>
-          </a:xfrm>
-        </p:spPr>
-        <p:txBody>
-          <a:bodyPr/>
-          <a:lstStyle/>
-          <a:p>
-            <a:r>
-              <a:rPr lang="en-US" altLang="en-US" dirty="0"/>
-              <a:t>Provides a short cut method to create a </a:t>
-            </a:r>
-            <a:r>
-              <a:rPr lang="en-US" altLang="en-US" u="sng" dirty="0"/>
-              <a:t>collection of communicators</a:t>
-            </a:r>
-          </a:p>
-          <a:p>
-            <a:r>
-              <a:rPr lang="en-US" altLang="en-US" dirty="0"/>
-              <a:t>All processors with the "same color" will be in the same communicator</a:t>
-            </a:r>
-          </a:p>
-          <a:p>
-            <a:r>
-              <a:rPr lang="en-US" altLang="en-US" dirty="0"/>
-              <a:t>Index controls relative rank in group</a:t>
-            </a:r>
-          </a:p>
-          <a:p>
-            <a:r>
-              <a:rPr lang="en-US" altLang="en-US" dirty="0"/>
-              <a:t>Fortran</a:t>
-            </a:r>
-          </a:p>
-          <a:p>
-            <a:pPr lvl="1">
-              <a:buNone/>
-            </a:pPr>
-            <a:r>
-              <a:rPr lang="en-US" altLang="en-US" sz="1800" b="1" dirty="0" smtClean="0">
-                <a:latin typeface="Courier New" pitchFamily="49" charset="0"/>
-              </a:rPr>
-              <a:t>  </a:t>
-            </a:r>
-            <a:r>
-              <a:rPr lang="en-US" altLang="en-US" sz="1800" b="1" dirty="0" err="1" smtClean="0">
-                <a:latin typeface="Courier New" pitchFamily="49" charset="0"/>
-              </a:rPr>
-              <a:t>MPI_Comm_split</a:t>
-            </a:r>
-            <a:r>
-              <a:rPr lang="en-US" altLang="en-US" sz="1800" b="1" dirty="0" smtClean="0">
-                <a:latin typeface="Courier New" pitchFamily="49" charset="0"/>
-              </a:rPr>
-              <a:t>(OLD_COMM</a:t>
-            </a:r>
-            <a:r>
-              <a:rPr lang="en-US" altLang="en-US" sz="1800" b="1" dirty="0">
-                <a:latin typeface="Courier New" pitchFamily="49" charset="0"/>
-              </a:rPr>
-              <a:t>, color, index, </a:t>
-            </a:r>
-            <a:r>
-              <a:rPr lang="en-US" altLang="en-US" sz="1800" b="1" dirty="0" smtClean="0">
-                <a:latin typeface="Courier New" pitchFamily="49" charset="0"/>
-              </a:rPr>
-              <a:t> NEW_COMM</a:t>
-            </a:r>
-            <a:r>
-              <a:rPr lang="en-US" altLang="en-US" sz="1800" b="1" dirty="0">
-                <a:latin typeface="Courier New" pitchFamily="49" charset="0"/>
-              </a:rPr>
-              <a:t>, </a:t>
-            </a:r>
-            <a:r>
-              <a:rPr lang="en-US" altLang="en-US" sz="1800" b="1" dirty="0" err="1">
-                <a:latin typeface="Courier New" pitchFamily="49" charset="0"/>
-              </a:rPr>
-              <a:t>ierr</a:t>
-            </a:r>
-            <a:r>
-              <a:rPr lang="en-US" altLang="en-US" sz="1800" b="1" dirty="0">
-                <a:latin typeface="Courier New" pitchFamily="49" charset="0"/>
-              </a:rPr>
-              <a:t>)</a:t>
-            </a:r>
-          </a:p>
-          <a:p>
-            <a:r>
-              <a:rPr lang="en-US" altLang="en-US" sz="2000" dirty="0"/>
-              <a:t>C</a:t>
-            </a:r>
-          </a:p>
-          <a:p>
-            <a:pPr lvl="1">
-              <a:buNone/>
-            </a:pPr>
-            <a:r>
-              <a:rPr lang="en-US" altLang="en-US" sz="1800" b="1" dirty="0" smtClean="0">
-                <a:latin typeface="Courier New" pitchFamily="49" charset="0"/>
-              </a:rPr>
-              <a:t>  </a:t>
-            </a:r>
-            <a:r>
-              <a:rPr lang="en-US" altLang="en-US" sz="1800" b="1" dirty="0" err="1" smtClean="0">
-                <a:latin typeface="Courier New" pitchFamily="49" charset="0"/>
-              </a:rPr>
-              <a:t>MPI_Comm_split</a:t>
-            </a:r>
-            <a:r>
-              <a:rPr lang="en-US" altLang="en-US" sz="1800" b="1" dirty="0" smtClean="0">
-                <a:latin typeface="Courier New" pitchFamily="49" charset="0"/>
-              </a:rPr>
-              <a:t>(OLD_COMM</a:t>
-            </a:r>
-            <a:r>
-              <a:rPr lang="en-US" altLang="en-US" sz="1800" b="1" dirty="0">
-                <a:latin typeface="Courier New" pitchFamily="49" charset="0"/>
-              </a:rPr>
-              <a:t>, color, index, &amp;NEW_COMM)</a:t>
-            </a:r>
-          </a:p>
-        </p:txBody>
-      </p:sp>
-      <p:sp>
-        <p:nvSpPr>
-          <p:cNvPr id="4" name="Slide Number Placeholder 3"/>
-          <p:cNvSpPr>
-            <a:spLocks noGrp="1"/>
-          </p:cNvSpPr>
-          <p:nvPr>
-            <p:ph type="sldNum" sz="quarter" idx="12"/>
-          </p:nvPr>
-        </p:nvSpPr>
-        <p:spPr/>
-        <p:txBody>
-          <a:bodyPr/>
-          <a:lstStyle/>
-          <a:p>
-            <a:fld id="{7B90F24A-6679-4F21-A41E-0DBEFD6DC596}" type="slidenum">
-              <a:rPr lang="en-US" smtClean="0"/>
-              <a:pPr/>
-              <a:t>25</a:t>
-            </a:fld>
-            <a:endParaRPr lang="en-US"/>
-          </a:p>
-        </p:txBody>
-      </p:sp>
-    </p:spTree>
-  </p:cSld>
-  <p:clrMapOvr>
-    <a:masterClrMapping/>
-  </p:clrMapOvr>
-  <p:timing>
-    <p:tnLst>
-      <p:par>
-        <p:cTn xmlns:p14="http://schemas.microsoft.com/office/powerpoint/2010/main" id="1" dur="indefinite" restart="never" nodeType="tmRoot"/>
-      </p:par>
-    </p:tnLst>
-  </p:timing>
-</p:sld>
-</file>
-
-<file path=ppt/slides/slide26.xml><?xml version="1.0" encoding="utf-8"?>
-<p:sld xmlns:a="http://schemas.openxmlformats.org/drawingml/2006/main" xmlns:r="http://schemas.openxmlformats.org/officeDocument/2006/relationships" xmlns:p="http://schemas.openxmlformats.org/presentationml/2006/main" showMasterSp="0">
-  <p:cSld>
-    <p:spTree>
-      <p:nvGrpSpPr>
-        <p:cNvPr id="1" name=""/>
-        <p:cNvGrpSpPr/>
-        <p:nvPr/>
-      </p:nvGrpSpPr>
-      <p:grpSpPr>
-        <a:xfrm>
-          <a:off x="0" y="0"/>
-          <a:ext cx="0" cy="0"/>
-          <a:chOff x="0" y="0"/>
-          <a:chExt cx="0" cy="0"/>
-        </a:xfrm>
-      </p:grpSpPr>
-      <p:sp>
-        <p:nvSpPr>
-          <p:cNvPr id="285698" name="Rectangle 2"/>
-          <p:cNvSpPr>
-            <a:spLocks noGrp="1" noChangeArrowheads="1"/>
-          </p:cNvSpPr>
-          <p:nvPr>
-            <p:ph type="title"/>
-          </p:nvPr>
-        </p:nvSpPr>
-        <p:spPr>
-          <a:xfrm>
-            <a:off x="457200" y="0"/>
-            <a:ext cx="8229600" cy="1143000"/>
-          </a:xfrm>
-        </p:spPr>
-        <p:txBody>
-          <a:bodyPr/>
-          <a:lstStyle/>
-          <a:p>
-            <a:r>
-              <a:rPr lang="en-US" altLang="en-US" dirty="0" err="1"/>
-              <a:t>MPI_Comm_split</a:t>
-            </a:r>
-            <a:endParaRPr lang="en-US" altLang="en-US" dirty="0"/>
-          </a:p>
-        </p:txBody>
-      </p:sp>
-      <p:sp>
-        <p:nvSpPr>
-          <p:cNvPr id="285699" name="Text Box 3"/>
-          <p:cNvSpPr txBox="1">
-            <a:spLocks noChangeArrowheads="1"/>
-          </p:cNvSpPr>
-          <p:nvPr/>
-        </p:nvSpPr>
-        <p:spPr bwMode="auto">
-          <a:xfrm>
-            <a:off x="152400" y="868363"/>
-            <a:ext cx="8773030" cy="2862323"/>
-          </a:xfrm>
-          <a:prstGeom prst="rect">
-            <a:avLst/>
-          </a:prstGeom>
-          <a:noFill/>
-          <a:ln w="9525">
-            <a:noFill/>
-            <a:miter lim="800000"/>
-            <a:headEnd/>
-            <a:tailEnd/>
-          </a:ln>
-          <a:effectLst/>
-        </p:spPr>
-        <p:txBody>
-          <a:bodyPr wrap="none">
-            <a:spAutoFit/>
-          </a:bodyPr>
-          <a:lstStyle/>
-          <a:p>
-            <a:r>
-              <a:rPr lang="en-US" b="0" dirty="0">
-                <a:solidFill>
-                  <a:schemeClr val="tx1"/>
-                </a:solidFill>
-                <a:latin typeface="Courier New" pitchFamily="49" charset="0"/>
-              </a:rPr>
-              <a:t>call </a:t>
-            </a:r>
-            <a:r>
-              <a:rPr lang="en-US" b="0" dirty="0" err="1">
-                <a:solidFill>
-                  <a:schemeClr val="tx1"/>
-                </a:solidFill>
-                <a:latin typeface="Courier New" pitchFamily="49" charset="0"/>
-              </a:rPr>
-              <a:t>MPI_Comm_rank</a:t>
-            </a:r>
-            <a:r>
-              <a:rPr lang="en-US" b="0" dirty="0">
-                <a:solidFill>
-                  <a:schemeClr val="tx1"/>
-                </a:solidFill>
-                <a:latin typeface="Courier New" pitchFamily="49" charset="0"/>
-              </a:rPr>
-              <a:t>(</a:t>
-            </a:r>
-            <a:r>
-              <a:rPr lang="en-US" b="0" dirty="0" err="1">
-                <a:solidFill>
-                  <a:schemeClr val="tx1"/>
-                </a:solidFill>
-                <a:latin typeface="Courier New" pitchFamily="49" charset="0"/>
-              </a:rPr>
-              <a:t>MPI_COMM_WORLD,irank,ierr</a:t>
-            </a:r>
-            <a:r>
-              <a:rPr lang="en-US" b="0" dirty="0">
-                <a:solidFill>
-                  <a:schemeClr val="tx1"/>
-                </a:solidFill>
-                <a:latin typeface="Courier New" pitchFamily="49" charset="0"/>
-              </a:rPr>
-              <a:t>) </a:t>
-            </a:r>
-          </a:p>
-          <a:p>
-            <a:r>
-              <a:rPr lang="en-US" b="0" dirty="0" err="1">
-                <a:solidFill>
-                  <a:schemeClr val="tx1"/>
-                </a:solidFill>
-                <a:latin typeface="Courier New" pitchFamily="49" charset="0"/>
-              </a:rPr>
-              <a:t>icolor</a:t>
-            </a:r>
-            <a:r>
-              <a:rPr lang="en-US" b="0" dirty="0">
-                <a:solidFill>
-                  <a:schemeClr val="tx1"/>
-                </a:solidFill>
-                <a:latin typeface="Courier New" pitchFamily="49" charset="0"/>
-              </a:rPr>
-              <a:t> = modulo(irank,3)</a:t>
-            </a:r>
-          </a:p>
-          <a:p>
-            <a:r>
-              <a:rPr lang="en-US" b="0" dirty="0">
-                <a:solidFill>
-                  <a:schemeClr val="tx1"/>
-                </a:solidFill>
-                <a:latin typeface="Courier New" pitchFamily="49" charset="0"/>
-              </a:rPr>
-              <a:t>key    = </a:t>
-            </a:r>
-            <a:r>
-              <a:rPr lang="en-US" b="0" dirty="0" err="1">
-                <a:solidFill>
-                  <a:schemeClr val="tx1"/>
-                </a:solidFill>
-                <a:latin typeface="Courier New" pitchFamily="49" charset="0"/>
-              </a:rPr>
-              <a:t>npes</a:t>
-            </a:r>
-            <a:r>
-              <a:rPr lang="en-US" b="0" dirty="0">
-                <a:solidFill>
-                  <a:schemeClr val="tx1"/>
-                </a:solidFill>
-                <a:latin typeface="Courier New" pitchFamily="49" charset="0"/>
-              </a:rPr>
-              <a:t> - </a:t>
-            </a:r>
-            <a:r>
-              <a:rPr lang="en-US" b="0" dirty="0" err="1">
-                <a:solidFill>
-                  <a:schemeClr val="tx1"/>
-                </a:solidFill>
-                <a:latin typeface="Courier New" pitchFamily="49" charset="0"/>
-              </a:rPr>
-              <a:t>irank</a:t>
-            </a:r>
-            <a:r>
-              <a:rPr lang="en-US" b="0" dirty="0">
-                <a:solidFill>
-                  <a:schemeClr val="tx1"/>
-                </a:solidFill>
-                <a:latin typeface="Courier New" pitchFamily="49" charset="0"/>
-              </a:rPr>
-              <a:t>/3   ! reverse the ordering</a:t>
-            </a:r>
-          </a:p>
-          <a:p>
-            <a:endParaRPr lang="en-US" b="0" dirty="0">
-              <a:solidFill>
-                <a:schemeClr val="tx1"/>
-              </a:solidFill>
-              <a:latin typeface="Courier New" pitchFamily="49" charset="0"/>
-            </a:endParaRPr>
-          </a:p>
-          <a:p>
-            <a:r>
-              <a:rPr lang="en-US" b="0" dirty="0">
-                <a:solidFill>
-                  <a:schemeClr val="tx1"/>
-                </a:solidFill>
-                <a:latin typeface="Courier New" pitchFamily="49" charset="0"/>
-              </a:rPr>
-              <a:t>call </a:t>
-            </a:r>
-            <a:r>
-              <a:rPr lang="en-US" b="0" dirty="0" err="1">
-                <a:solidFill>
-                  <a:schemeClr val="tx1"/>
-                </a:solidFill>
-                <a:latin typeface="Courier New" pitchFamily="49" charset="0"/>
-              </a:rPr>
-              <a:t>MPI_</a:t>
-            </a:r>
-            <a:r>
-              <a:rPr lang="en-US" b="1" dirty="0" err="1">
-                <a:solidFill>
-                  <a:schemeClr val="tx1"/>
-                </a:solidFill>
-                <a:latin typeface="Courier New" pitchFamily="49" charset="0"/>
-              </a:rPr>
-              <a:t>Comm_split</a:t>
-            </a:r>
-            <a:r>
-              <a:rPr lang="en-US" b="0" dirty="0">
-                <a:solidFill>
-                  <a:schemeClr val="tx1"/>
-                </a:solidFill>
-                <a:latin typeface="Courier New" pitchFamily="49" charset="0"/>
-              </a:rPr>
-              <a:t>(MPI_COMM_WORLD, </a:t>
-            </a:r>
-            <a:r>
-              <a:rPr lang="en-US" b="1" dirty="0" err="1">
-                <a:solidFill>
-                  <a:srgbClr val="008000"/>
-                </a:solidFill>
-                <a:latin typeface="Courier New" pitchFamily="49" charset="0"/>
-              </a:rPr>
-              <a:t>icolor</a:t>
-            </a:r>
-            <a:r>
-              <a:rPr lang="en-US" b="0" dirty="0">
-                <a:solidFill>
-                  <a:schemeClr val="tx1"/>
-                </a:solidFill>
-                <a:latin typeface="Courier New" pitchFamily="49" charset="0"/>
-              </a:rPr>
-              <a:t>, </a:t>
-            </a:r>
-            <a:r>
-              <a:rPr lang="en-US" b="1" dirty="0">
-                <a:solidFill>
-                  <a:srgbClr val="0000FF"/>
-                </a:solidFill>
-                <a:latin typeface="Courier New" pitchFamily="49" charset="0"/>
-              </a:rPr>
-              <a:t>key</a:t>
-            </a:r>
-            <a:r>
-              <a:rPr lang="en-US" b="0" dirty="0">
-                <a:solidFill>
-                  <a:schemeClr val="tx1"/>
-                </a:solidFill>
-                <a:latin typeface="Courier New" pitchFamily="49" charset="0"/>
-              </a:rPr>
-              <a:t>, </a:t>
-            </a:r>
-            <a:r>
-              <a:rPr lang="en-US" b="0" dirty="0" err="1">
-                <a:solidFill>
-                  <a:schemeClr val="tx1"/>
-                </a:solidFill>
-                <a:latin typeface="Courier New" pitchFamily="49" charset="0"/>
-              </a:rPr>
-              <a:t>newcom</a:t>
-            </a:r>
-            <a:r>
-              <a:rPr lang="en-US" b="0" dirty="0">
-                <a:solidFill>
-                  <a:schemeClr val="tx1"/>
-                </a:solidFill>
-                <a:latin typeface="Courier New" pitchFamily="49" charset="0"/>
-              </a:rPr>
-              <a:t>, </a:t>
-            </a:r>
-            <a:r>
-              <a:rPr lang="en-US" b="0" dirty="0" err="1">
-                <a:solidFill>
-                  <a:schemeClr val="tx1"/>
-                </a:solidFill>
-                <a:latin typeface="Courier New" pitchFamily="49" charset="0"/>
-              </a:rPr>
-              <a:t>ierr</a:t>
-            </a:r>
-            <a:r>
-              <a:rPr lang="en-US" b="0" dirty="0">
-                <a:solidFill>
-                  <a:schemeClr val="tx1"/>
-                </a:solidFill>
-                <a:latin typeface="Courier New" pitchFamily="49" charset="0"/>
-              </a:rPr>
-              <a:t>)</a:t>
-            </a:r>
-          </a:p>
-          <a:p>
-            <a:r>
-              <a:rPr lang="en-US" b="0" dirty="0">
-                <a:solidFill>
-                  <a:schemeClr val="tx1"/>
-                </a:solidFill>
-                <a:latin typeface="Courier New" pitchFamily="49" charset="0"/>
-              </a:rPr>
-              <a:t>call </a:t>
-            </a:r>
-            <a:r>
-              <a:rPr lang="en-US" b="0" dirty="0" err="1">
-                <a:solidFill>
-                  <a:schemeClr val="tx1"/>
-                </a:solidFill>
-                <a:latin typeface="Courier New" pitchFamily="49" charset="0"/>
-              </a:rPr>
-              <a:t>MPI_</a:t>
-            </a:r>
-            <a:r>
-              <a:rPr lang="en-US" b="1" dirty="0" err="1">
-                <a:solidFill>
-                  <a:schemeClr val="tx1"/>
-                </a:solidFill>
-                <a:latin typeface="Courier New" pitchFamily="49" charset="0"/>
-              </a:rPr>
-              <a:t>Comm_rank</a:t>
-            </a:r>
-            <a:r>
-              <a:rPr lang="en-US" b="0" dirty="0">
-                <a:solidFill>
-                  <a:schemeClr val="tx1"/>
-                </a:solidFill>
-                <a:latin typeface="Courier New" pitchFamily="49" charset="0"/>
-              </a:rPr>
-              <a:t>(</a:t>
-            </a:r>
-            <a:r>
-              <a:rPr lang="en-US" b="0" dirty="0" err="1">
-                <a:solidFill>
-                  <a:schemeClr val="tx1"/>
-                </a:solidFill>
-                <a:latin typeface="Courier New" pitchFamily="49" charset="0"/>
-              </a:rPr>
-              <a:t>newcom,</a:t>
-            </a:r>
-            <a:r>
-              <a:rPr lang="en-US" b="1" dirty="0" err="1">
-                <a:solidFill>
-                  <a:srgbClr val="7030A0"/>
-                </a:solidFill>
-                <a:latin typeface="Courier New" pitchFamily="49" charset="0"/>
-              </a:rPr>
-              <a:t>mysrank</a:t>
-            </a:r>
-            <a:r>
-              <a:rPr lang="en-US" b="0" dirty="0" err="1">
-                <a:solidFill>
-                  <a:schemeClr val="tx1"/>
-                </a:solidFill>
-                <a:latin typeface="Courier New" pitchFamily="49" charset="0"/>
-              </a:rPr>
-              <a:t>,ierr</a:t>
-            </a:r>
-            <a:r>
-              <a:rPr lang="en-US" b="0" dirty="0">
-                <a:solidFill>
-                  <a:schemeClr val="tx1"/>
-                </a:solidFill>
-                <a:latin typeface="Courier New" pitchFamily="49" charset="0"/>
-              </a:rPr>
-              <a:t>)</a:t>
-            </a:r>
-          </a:p>
-          <a:p>
-            <a:endParaRPr lang="en-US" b="0" dirty="0">
-              <a:solidFill>
-                <a:schemeClr val="tx1"/>
-              </a:solidFill>
-              <a:latin typeface="Courier New" pitchFamily="49" charset="0"/>
-            </a:endParaRPr>
-          </a:p>
-          <a:p>
-            <a:r>
-              <a:rPr lang="en-US" b="0" dirty="0" err="1">
-                <a:solidFill>
-                  <a:schemeClr val="tx1"/>
-                </a:solidFill>
-                <a:latin typeface="Courier New" pitchFamily="49" charset="0"/>
-              </a:rPr>
-              <a:t>psum</a:t>
-            </a:r>
-            <a:r>
-              <a:rPr lang="en-US" b="0" dirty="0">
-                <a:solidFill>
-                  <a:schemeClr val="tx1"/>
-                </a:solidFill>
-                <a:latin typeface="Courier New" pitchFamily="49" charset="0"/>
-              </a:rPr>
-              <a:t>  = </a:t>
-            </a:r>
-            <a:r>
-              <a:rPr lang="en-US" b="0" dirty="0" err="1">
-                <a:solidFill>
-                  <a:schemeClr val="tx1"/>
-                </a:solidFill>
-                <a:latin typeface="Courier New" pitchFamily="49" charset="0"/>
-              </a:rPr>
-              <a:t>irank</a:t>
-            </a:r>
-            <a:endParaRPr lang="en-US" b="0" dirty="0">
-              <a:solidFill>
-                <a:schemeClr val="tx1"/>
-              </a:solidFill>
-              <a:latin typeface="Courier New" pitchFamily="49" charset="0"/>
-            </a:endParaRPr>
-          </a:p>
-          <a:p>
-            <a:r>
-              <a:rPr lang="en-US" b="0" dirty="0">
-                <a:solidFill>
-                  <a:schemeClr val="tx1"/>
-                </a:solidFill>
-                <a:latin typeface="Courier New" pitchFamily="49" charset="0"/>
-              </a:rPr>
-              <a:t>call </a:t>
-            </a:r>
-            <a:r>
-              <a:rPr lang="en-US" b="0" dirty="0" err="1">
-                <a:solidFill>
-                  <a:schemeClr val="tx1"/>
-                </a:solidFill>
-                <a:latin typeface="Courier New" pitchFamily="49" charset="0"/>
-              </a:rPr>
-              <a:t>MPI_Reduce</a:t>
-            </a:r>
-            <a:r>
-              <a:rPr lang="en-US" b="0" dirty="0">
-                <a:solidFill>
-                  <a:schemeClr val="tx1"/>
-                </a:solidFill>
-                <a:latin typeface="Courier New" pitchFamily="49" charset="0"/>
-              </a:rPr>
-              <a:t>(psum,tot,1,MPI_INTEGER,MPI_SUM,</a:t>
-            </a:r>
-            <a:r>
-              <a:rPr lang="en-US" b="1" dirty="0">
-                <a:solidFill>
-                  <a:srgbClr val="FF0000"/>
-                </a:solidFill>
-                <a:latin typeface="Courier New" pitchFamily="49" charset="0"/>
-              </a:rPr>
-              <a:t>0</a:t>
-            </a:r>
-            <a:r>
-              <a:rPr lang="en-US" b="0" dirty="0">
-                <a:solidFill>
-                  <a:schemeClr val="tx1"/>
-                </a:solidFill>
-                <a:latin typeface="Courier New" pitchFamily="49" charset="0"/>
-              </a:rPr>
-              <a:t>,newcom,ierr)</a:t>
-            </a:r>
-          </a:p>
-          <a:p>
-            <a:r>
-              <a:rPr lang="en-US" b="0" dirty="0">
-                <a:solidFill>
-                  <a:schemeClr val="tx1"/>
-                </a:solidFill>
-                <a:latin typeface="Courier New" pitchFamily="49" charset="0"/>
-              </a:rPr>
-              <a:t>print*, </a:t>
-            </a:r>
-            <a:r>
-              <a:rPr lang="en-US" b="0" dirty="0" err="1">
-                <a:solidFill>
-                  <a:schemeClr val="tx1"/>
-                </a:solidFill>
-                <a:latin typeface="Courier New" pitchFamily="49" charset="0"/>
-              </a:rPr>
-              <a:t>irank,icolor,key,mysrank,tot</a:t>
-            </a:r>
-            <a:endParaRPr lang="en-US" b="0" dirty="0">
-              <a:solidFill>
-                <a:schemeClr val="tx1"/>
-              </a:solidFill>
-              <a:latin typeface="Courier New" pitchFamily="49" charset="0"/>
-            </a:endParaRPr>
-          </a:p>
-        </p:txBody>
-      </p:sp>
-      <p:sp>
-        <p:nvSpPr>
-          <p:cNvPr id="285700" name="Text Box 4"/>
-          <p:cNvSpPr txBox="1">
-            <a:spLocks noChangeArrowheads="1"/>
-          </p:cNvSpPr>
-          <p:nvPr/>
-        </p:nvSpPr>
-        <p:spPr bwMode="auto">
-          <a:xfrm>
-            <a:off x="3205163" y="4022725"/>
-            <a:ext cx="2002471" cy="2862322"/>
-          </a:xfrm>
-          <a:prstGeom prst="rect">
-            <a:avLst/>
-          </a:prstGeom>
-          <a:noFill/>
-          <a:ln w="9525">
-            <a:noFill/>
-            <a:miter lim="800000"/>
-            <a:headEnd/>
-            <a:tailEnd/>
-          </a:ln>
-          <a:effectLst/>
-        </p:spPr>
-        <p:txBody>
-          <a:bodyPr wrap="none">
-            <a:spAutoFit/>
-          </a:bodyPr>
-          <a:lstStyle/>
-          <a:p>
-            <a:r>
-              <a:rPr lang="en-US" sz="2000" dirty="0">
-                <a:solidFill>
-                  <a:schemeClr val="tx1"/>
-                </a:solidFill>
-              </a:rPr>
-              <a:t>    0    </a:t>
-            </a:r>
-            <a:r>
-              <a:rPr lang="en-US" sz="2000" dirty="0">
-                <a:solidFill>
-                  <a:srgbClr val="00B050"/>
-                </a:solidFill>
-              </a:rPr>
-              <a:t>0</a:t>
-            </a:r>
-            <a:r>
-              <a:rPr lang="en-US" sz="2000" dirty="0">
-                <a:solidFill>
-                  <a:schemeClr val="tx1"/>
-                </a:solidFill>
-              </a:rPr>
-              <a:t>    </a:t>
-            </a:r>
-            <a:r>
-              <a:rPr lang="en-US" sz="2000" dirty="0">
-                <a:solidFill>
-                  <a:srgbClr val="00B0F0"/>
-                </a:solidFill>
-              </a:rPr>
-              <a:t>9   2</a:t>
-            </a:r>
-            <a:r>
-              <a:rPr lang="en-US" sz="2000" dirty="0">
-                <a:solidFill>
-                  <a:schemeClr val="tx1"/>
-                </a:solidFill>
-              </a:rPr>
-              <a:t>    0</a:t>
-            </a:r>
-          </a:p>
-          <a:p>
-            <a:r>
-              <a:rPr lang="en-US" sz="2000" dirty="0">
-                <a:solidFill>
-                  <a:schemeClr val="tx1"/>
-                </a:solidFill>
-              </a:rPr>
-              <a:t>    1    1    9   2    0</a:t>
-            </a:r>
-          </a:p>
-          <a:p>
-            <a:r>
-              <a:rPr lang="en-US" sz="2000" dirty="0">
-                <a:solidFill>
-                  <a:schemeClr val="tx1"/>
-                </a:solidFill>
-              </a:rPr>
-              <a:t>    2    2    9   2    0</a:t>
-            </a:r>
-          </a:p>
-          <a:p>
-            <a:r>
-              <a:rPr lang="en-US" sz="2000" dirty="0">
-                <a:solidFill>
-                  <a:schemeClr val="tx1"/>
-                </a:solidFill>
-              </a:rPr>
-              <a:t>    3    </a:t>
-            </a:r>
-            <a:r>
-              <a:rPr lang="en-US" sz="2000" dirty="0">
-                <a:solidFill>
-                  <a:srgbClr val="00B050"/>
-                </a:solidFill>
-              </a:rPr>
-              <a:t>0 </a:t>
-            </a:r>
-            <a:r>
-              <a:rPr lang="en-US" sz="2000" dirty="0">
-                <a:solidFill>
-                  <a:schemeClr val="tx1"/>
-                </a:solidFill>
-              </a:rPr>
-              <a:t>   </a:t>
-            </a:r>
-            <a:r>
-              <a:rPr lang="en-US" sz="2000" dirty="0">
-                <a:solidFill>
-                  <a:srgbClr val="00B0F0"/>
-                </a:solidFill>
-              </a:rPr>
-              <a:t>8   1</a:t>
-            </a:r>
-            <a:r>
-              <a:rPr lang="en-US" sz="2000" dirty="0">
-                <a:solidFill>
-                  <a:schemeClr val="tx1"/>
-                </a:solidFill>
-              </a:rPr>
-              <a:t>    0</a:t>
-            </a:r>
-          </a:p>
-          <a:p>
-            <a:r>
-              <a:rPr lang="en-US" sz="2000" dirty="0">
-                <a:solidFill>
-                  <a:schemeClr val="tx1"/>
-                </a:solidFill>
-              </a:rPr>
-              <a:t>    4    1    8   1    0</a:t>
-            </a:r>
-          </a:p>
-          <a:p>
-            <a:r>
-              <a:rPr lang="en-US" sz="2000" dirty="0">
-                <a:solidFill>
-                  <a:schemeClr val="tx1"/>
-                </a:solidFill>
-              </a:rPr>
-              <a:t>    5    2    8   1    0</a:t>
-            </a:r>
-          </a:p>
-          <a:p>
-            <a:r>
-              <a:rPr lang="en-US" sz="2000" dirty="0">
-                <a:solidFill>
-                  <a:schemeClr val="tx1"/>
-                </a:solidFill>
-              </a:rPr>
-              <a:t>    6    </a:t>
-            </a:r>
-            <a:r>
-              <a:rPr lang="en-US" sz="2000" dirty="0">
-                <a:solidFill>
-                  <a:srgbClr val="00B050"/>
-                </a:solidFill>
-              </a:rPr>
-              <a:t>0</a:t>
-            </a:r>
-            <a:r>
-              <a:rPr lang="en-US" sz="2000" dirty="0">
-                <a:solidFill>
-                  <a:schemeClr val="tx1"/>
-                </a:solidFill>
-              </a:rPr>
-              <a:t>    </a:t>
-            </a:r>
-            <a:r>
-              <a:rPr lang="en-US" sz="2000" dirty="0">
-                <a:solidFill>
-                  <a:srgbClr val="00B0F0"/>
-                </a:solidFill>
-              </a:rPr>
-              <a:t>7   0</a:t>
-            </a:r>
-            <a:r>
-              <a:rPr lang="en-US" sz="2000" dirty="0">
-                <a:solidFill>
-                  <a:schemeClr val="tx1"/>
-                </a:solidFill>
-              </a:rPr>
-              <a:t>    </a:t>
-            </a:r>
-            <a:r>
-              <a:rPr lang="en-US" sz="2000" dirty="0">
-                <a:solidFill>
-                  <a:srgbClr val="FF0000"/>
-                </a:solidFill>
-              </a:rPr>
-              <a:t>9</a:t>
-            </a:r>
-          </a:p>
-          <a:p>
-            <a:r>
-              <a:rPr lang="en-US" sz="2000" dirty="0">
-                <a:solidFill>
-                  <a:schemeClr val="tx1"/>
-                </a:solidFill>
-              </a:rPr>
-              <a:t>    7    1    7   0   </a:t>
-            </a:r>
-            <a:r>
-              <a:rPr lang="en-US" sz="2000" dirty="0">
-                <a:solidFill>
-                  <a:srgbClr val="FF0000"/>
-                </a:solidFill>
-              </a:rPr>
-              <a:t>12</a:t>
-            </a:r>
-          </a:p>
-          <a:p>
-            <a:r>
-              <a:rPr lang="en-US" sz="2000" dirty="0">
-                <a:solidFill>
-                  <a:schemeClr val="tx1"/>
-                </a:solidFill>
-              </a:rPr>
-              <a:t>    8    2    7   0   </a:t>
-            </a:r>
-            <a:r>
-              <a:rPr lang="en-US" sz="2000" dirty="0">
-                <a:solidFill>
-                  <a:srgbClr val="FF0000"/>
-                </a:solidFill>
-              </a:rPr>
-              <a:t>15</a:t>
-            </a:r>
-            <a:endParaRPr lang="en-US" dirty="0">
-              <a:solidFill>
-                <a:srgbClr val="FF0000"/>
-              </a:solidFill>
-            </a:endParaRPr>
-          </a:p>
-        </p:txBody>
-      </p:sp>
-      <p:sp>
-        <p:nvSpPr>
-          <p:cNvPr id="285701" name="Line 5"/>
-          <p:cNvSpPr>
-            <a:spLocks noChangeShapeType="1"/>
-          </p:cNvSpPr>
-          <p:nvPr/>
-        </p:nvSpPr>
-        <p:spPr bwMode="auto">
-          <a:xfrm>
-            <a:off x="1836738" y="3581400"/>
-            <a:ext cx="1744662" cy="533400"/>
-          </a:xfrm>
-          <a:prstGeom prst="line">
-            <a:avLst/>
-          </a:prstGeom>
-          <a:noFill/>
-          <a:ln w="9525">
-            <a:solidFill>
-              <a:schemeClr val="tx1"/>
-            </a:solidFill>
-            <a:round/>
-            <a:headEnd/>
-            <a:tailEnd/>
-          </a:ln>
-          <a:effectLst/>
-        </p:spPr>
-        <p:txBody>
-          <a:bodyPr/>
-          <a:lstStyle/>
-          <a:p>
-            <a:endParaRPr lang="en-US"/>
-          </a:p>
-        </p:txBody>
-      </p:sp>
-      <p:sp>
-        <p:nvSpPr>
-          <p:cNvPr id="285702" name="Line 6"/>
-          <p:cNvSpPr>
-            <a:spLocks noChangeShapeType="1"/>
-          </p:cNvSpPr>
-          <p:nvPr/>
-        </p:nvSpPr>
-        <p:spPr bwMode="auto">
-          <a:xfrm>
-            <a:off x="2598738" y="3581400"/>
-            <a:ext cx="1287462" cy="533400"/>
-          </a:xfrm>
-          <a:prstGeom prst="line">
-            <a:avLst/>
-          </a:prstGeom>
-          <a:noFill/>
-          <a:ln w="9525">
-            <a:solidFill>
-              <a:schemeClr val="tx1"/>
-            </a:solidFill>
-            <a:round/>
-            <a:headEnd/>
-            <a:tailEnd/>
-          </a:ln>
-          <a:effectLst/>
-        </p:spPr>
-        <p:txBody>
-          <a:bodyPr/>
-          <a:lstStyle/>
-          <a:p>
-            <a:endParaRPr lang="en-US"/>
-          </a:p>
-        </p:txBody>
-      </p:sp>
-      <p:sp>
-        <p:nvSpPr>
-          <p:cNvPr id="285703" name="Line 7"/>
-          <p:cNvSpPr>
-            <a:spLocks noChangeShapeType="1"/>
-          </p:cNvSpPr>
-          <p:nvPr/>
-        </p:nvSpPr>
-        <p:spPr bwMode="auto">
-          <a:xfrm>
-            <a:off x="3360738" y="3581400"/>
-            <a:ext cx="906462" cy="533400"/>
-          </a:xfrm>
-          <a:prstGeom prst="line">
-            <a:avLst/>
-          </a:prstGeom>
-          <a:noFill/>
-          <a:ln w="9525">
-            <a:solidFill>
-              <a:schemeClr val="tx1"/>
-            </a:solidFill>
-            <a:round/>
-            <a:headEnd/>
-            <a:tailEnd/>
-          </a:ln>
-          <a:effectLst/>
-        </p:spPr>
-        <p:txBody>
-          <a:bodyPr/>
-          <a:lstStyle/>
-          <a:p>
-            <a:endParaRPr lang="en-US"/>
-          </a:p>
-        </p:txBody>
-      </p:sp>
-      <p:sp>
-        <p:nvSpPr>
-          <p:cNvPr id="285704" name="Line 8"/>
-          <p:cNvSpPr>
-            <a:spLocks noChangeShapeType="1"/>
-          </p:cNvSpPr>
-          <p:nvPr/>
-        </p:nvSpPr>
-        <p:spPr bwMode="auto">
-          <a:xfrm>
-            <a:off x="4122738" y="3581400"/>
-            <a:ext cx="449262" cy="533400"/>
-          </a:xfrm>
-          <a:prstGeom prst="line">
-            <a:avLst/>
-          </a:prstGeom>
-          <a:noFill/>
-          <a:ln w="9525">
-            <a:solidFill>
-              <a:schemeClr val="tx1"/>
-            </a:solidFill>
-            <a:round/>
-            <a:headEnd/>
-            <a:tailEnd/>
-          </a:ln>
-          <a:effectLst/>
-        </p:spPr>
-        <p:txBody>
-          <a:bodyPr/>
-          <a:lstStyle/>
-          <a:p>
-            <a:endParaRPr lang="en-US"/>
-          </a:p>
-        </p:txBody>
-      </p:sp>
-      <p:sp>
-        <p:nvSpPr>
-          <p:cNvPr id="285705" name="Line 9"/>
-          <p:cNvSpPr>
-            <a:spLocks noChangeShapeType="1"/>
-          </p:cNvSpPr>
-          <p:nvPr/>
-        </p:nvSpPr>
-        <p:spPr bwMode="auto">
-          <a:xfrm>
-            <a:off x="4808538" y="3581400"/>
-            <a:ext cx="144462" cy="533400"/>
-          </a:xfrm>
-          <a:prstGeom prst="line">
-            <a:avLst/>
-          </a:prstGeom>
-          <a:noFill/>
-          <a:ln w="9525">
-            <a:solidFill>
-              <a:schemeClr val="tx1"/>
-            </a:solidFill>
-            <a:round/>
-            <a:headEnd/>
-            <a:tailEnd/>
-          </a:ln>
-          <a:effectLst/>
-        </p:spPr>
-        <p:txBody>
-          <a:bodyPr/>
-          <a:lstStyle/>
-          <a:p>
-            <a:endParaRPr lang="en-US"/>
-          </a:p>
-        </p:txBody>
-      </p:sp>
-      <p:sp>
-        <p:nvSpPr>
-          <p:cNvPr id="285706" name="Rectangle 10"/>
-          <p:cNvSpPr>
-            <a:spLocks noChangeArrowheads="1"/>
-          </p:cNvSpPr>
-          <p:nvPr/>
-        </p:nvSpPr>
-        <p:spPr bwMode="auto">
-          <a:xfrm>
-            <a:off x="3200400" y="4114800"/>
-            <a:ext cx="2286000" cy="228600"/>
-          </a:xfrm>
-          <a:prstGeom prst="rect">
-            <a:avLst/>
-          </a:prstGeom>
-          <a:noFill/>
-          <a:ln w="9525">
-            <a:solidFill>
-              <a:schemeClr val="tx1"/>
-            </a:solidFill>
-            <a:miter lim="800000"/>
-            <a:headEnd/>
-            <a:tailEnd/>
-          </a:ln>
-          <a:effectLst/>
-        </p:spPr>
-        <p:txBody>
-          <a:bodyPr wrap="none" anchor="ctr"/>
-          <a:lstStyle/>
-          <a:p>
-            <a:endParaRPr lang="en-US"/>
-          </a:p>
-        </p:txBody>
-      </p:sp>
-      <p:sp>
-        <p:nvSpPr>
-          <p:cNvPr id="285707" name="Rectangle 11"/>
-          <p:cNvSpPr>
-            <a:spLocks noChangeArrowheads="1"/>
-          </p:cNvSpPr>
-          <p:nvPr/>
-        </p:nvSpPr>
-        <p:spPr bwMode="auto">
-          <a:xfrm>
-            <a:off x="3200400" y="5029200"/>
-            <a:ext cx="2286000" cy="228600"/>
-          </a:xfrm>
-          <a:prstGeom prst="rect">
-            <a:avLst/>
-          </a:prstGeom>
-          <a:noFill/>
-          <a:ln w="9525">
-            <a:solidFill>
-              <a:schemeClr val="tx1"/>
-            </a:solidFill>
-            <a:miter lim="800000"/>
-            <a:headEnd/>
-            <a:tailEnd/>
-          </a:ln>
-          <a:effectLst/>
-        </p:spPr>
-        <p:txBody>
-          <a:bodyPr wrap="none" anchor="ctr"/>
-          <a:lstStyle/>
-          <a:p>
-            <a:endParaRPr lang="en-US"/>
-          </a:p>
-        </p:txBody>
-      </p:sp>
-      <p:sp>
-        <p:nvSpPr>
-          <p:cNvPr id="285708" name="Rectangle 12"/>
-          <p:cNvSpPr>
-            <a:spLocks noChangeArrowheads="1"/>
-          </p:cNvSpPr>
-          <p:nvPr/>
-        </p:nvSpPr>
-        <p:spPr bwMode="auto">
-          <a:xfrm>
-            <a:off x="3200400" y="5943600"/>
-            <a:ext cx="2286000" cy="228600"/>
-          </a:xfrm>
-          <a:prstGeom prst="rect">
-            <a:avLst/>
-          </a:prstGeom>
-          <a:noFill/>
-          <a:ln w="9525">
-            <a:solidFill>
-              <a:schemeClr val="tx1"/>
-            </a:solidFill>
-            <a:miter lim="800000"/>
-            <a:headEnd/>
-            <a:tailEnd/>
-          </a:ln>
-          <a:effectLst/>
-        </p:spPr>
-        <p:txBody>
-          <a:bodyPr wrap="none" anchor="ctr"/>
-          <a:lstStyle/>
-          <a:p>
-            <a:endParaRPr lang="en-US"/>
-          </a:p>
-        </p:txBody>
-      </p:sp>
-      <p:sp>
-        <p:nvSpPr>
-          <p:cNvPr id="285709" name="Rectangle 13"/>
-          <p:cNvSpPr>
-            <a:spLocks noChangeArrowheads="1"/>
-          </p:cNvSpPr>
-          <p:nvPr/>
-        </p:nvSpPr>
-        <p:spPr bwMode="auto">
-          <a:xfrm>
-            <a:off x="1447800" y="4572000"/>
-            <a:ext cx="1447800" cy="228600"/>
-          </a:xfrm>
-          <a:prstGeom prst="rect">
-            <a:avLst/>
-          </a:prstGeom>
-          <a:noFill/>
-          <a:ln w="9525">
-            <a:solidFill>
-              <a:schemeClr val="tx1"/>
-            </a:solidFill>
-            <a:miter lim="800000"/>
-            <a:headEnd/>
-            <a:tailEnd/>
-          </a:ln>
-          <a:effectLst/>
-        </p:spPr>
-        <p:txBody>
-          <a:bodyPr wrap="none" anchor="ctr"/>
-          <a:lstStyle/>
-          <a:p>
-            <a:endParaRPr lang="en-US"/>
-          </a:p>
-        </p:txBody>
-      </p:sp>
-      <p:sp>
-        <p:nvSpPr>
-          <p:cNvPr id="285710" name="Text Box 14"/>
-          <p:cNvSpPr txBox="1">
-            <a:spLocks noChangeArrowheads="1"/>
-          </p:cNvSpPr>
-          <p:nvPr/>
-        </p:nvSpPr>
-        <p:spPr bwMode="auto">
-          <a:xfrm>
-            <a:off x="1608138" y="4495800"/>
-            <a:ext cx="1084656" cy="338554"/>
-          </a:xfrm>
-          <a:prstGeom prst="rect">
-            <a:avLst/>
-          </a:prstGeom>
-          <a:noFill/>
-          <a:ln w="9525">
-            <a:noFill/>
-            <a:miter lim="800000"/>
-            <a:headEnd/>
-            <a:tailEnd/>
-          </a:ln>
-          <a:effectLst/>
-        </p:spPr>
-        <p:txBody>
-          <a:bodyPr wrap="none">
-            <a:spAutoFit/>
-          </a:bodyPr>
-          <a:lstStyle/>
-          <a:p>
-            <a:r>
-              <a:rPr lang="en-US" sz="1600" b="1" dirty="0">
-                <a:solidFill>
-                  <a:srgbClr val="00B050"/>
-                </a:solidFill>
-              </a:rPr>
-              <a:t>One group</a:t>
-            </a:r>
-          </a:p>
-        </p:txBody>
-      </p:sp>
-      <p:sp>
-        <p:nvSpPr>
-          <p:cNvPr id="15" name="TextBox 14"/>
-          <p:cNvSpPr txBox="1"/>
-          <p:nvPr/>
-        </p:nvSpPr>
-        <p:spPr>
-          <a:xfrm>
-            <a:off x="6629400" y="4267200"/>
-            <a:ext cx="2197205" cy="923330"/>
-          </a:xfrm>
-          <a:prstGeom prst="rect">
-            <a:avLst/>
-          </a:prstGeom>
-          <a:noFill/>
-        </p:spPr>
-        <p:txBody>
-          <a:bodyPr wrap="none" rtlCol="0">
-            <a:spAutoFit/>
-          </a:bodyPr>
-          <a:lstStyle/>
-          <a:p>
-            <a:r>
-              <a:rPr lang="en-US" dirty="0" smtClean="0"/>
-              <a:t>Colors are </a:t>
-            </a:r>
-            <a:r>
-              <a:rPr lang="en-US" b="1" dirty="0" smtClean="0">
-                <a:solidFill>
-                  <a:srgbClr val="00B050"/>
-                </a:solidFill>
-              </a:rPr>
-              <a:t>0</a:t>
-            </a:r>
-            <a:r>
-              <a:rPr lang="en-US" dirty="0" smtClean="0"/>
-              <a:t>, </a:t>
-            </a:r>
-            <a:r>
-              <a:rPr lang="en-US" b="1" dirty="0" smtClean="0"/>
-              <a:t>1</a:t>
-            </a:r>
-            <a:r>
-              <a:rPr lang="en-US" dirty="0" smtClean="0"/>
-              <a:t> and 2</a:t>
-            </a:r>
-          </a:p>
-          <a:p>
-            <a:r>
-              <a:rPr lang="en-US" dirty="0" smtClean="0"/>
-              <a:t>Keys are    9, 8 and 7</a:t>
-            </a:r>
-          </a:p>
-          <a:p>
-            <a:r>
-              <a:rPr lang="en-US" dirty="0" smtClean="0"/>
-              <a:t>Lowest keys are roots</a:t>
-            </a:r>
-            <a:endParaRPr lang="en-US" dirty="0"/>
-          </a:p>
-        </p:txBody>
-      </p:sp>
-      <p:sp>
-        <p:nvSpPr>
-          <p:cNvPr id="16" name="Slide Number Placeholder 15"/>
-          <p:cNvSpPr>
-            <a:spLocks noGrp="1"/>
-          </p:cNvSpPr>
-          <p:nvPr>
-            <p:ph type="sldNum" sz="quarter" idx="12"/>
-          </p:nvPr>
-        </p:nvSpPr>
-        <p:spPr/>
-        <p:txBody>
-          <a:bodyPr/>
-          <a:lstStyle/>
-          <a:p>
-            <a:fld id="{7B90F24A-6679-4F21-A41E-0DBEFD6DC596}" type="slidenum">
-              <a:rPr lang="en-US" smtClean="0"/>
-              <a:pPr/>
               <a:t>26</a:t>
             </a:fld>
             <a:endParaRPr lang="en-US"/>
@@ -26699,6 +26210,1571 @@
       </p:grpSpPr>
       <p:sp>
         <p:nvSpPr>
+          <p:cNvPr id="284674" name="Rectangle 2"/>
+          <p:cNvSpPr>
+            <a:spLocks noGrp="1" noChangeArrowheads="1"/>
+          </p:cNvSpPr>
+          <p:nvPr>
+            <p:ph type="title"/>
+          </p:nvPr>
+        </p:nvSpPr>
+        <p:spPr/>
+        <p:txBody>
+          <a:bodyPr/>
+          <a:lstStyle/>
+          <a:p>
+            <a:r>
+              <a:rPr lang="en-US" altLang="en-US"/>
+              <a:t>MPI_Comm_split</a:t>
+            </a:r>
+          </a:p>
+        </p:txBody>
+      </p:sp>
+      <p:sp>
+        <p:nvSpPr>
+          <p:cNvPr id="284675" name="Rectangle 3"/>
+          <p:cNvSpPr>
+            <a:spLocks noGrp="1" noChangeArrowheads="1"/>
+          </p:cNvSpPr>
+          <p:nvPr>
+            <p:ph type="body" idx="1"/>
+          </p:nvPr>
+        </p:nvSpPr>
+        <p:spPr>
+          <a:xfrm>
+            <a:off x="457200" y="1371600"/>
+            <a:ext cx="8458200" cy="4572000"/>
+          </a:xfrm>
+        </p:spPr>
+        <p:txBody>
+          <a:bodyPr/>
+          <a:lstStyle/>
+          <a:p>
+            <a:r>
+              <a:rPr lang="en-US" altLang="en-US" dirty="0"/>
+              <a:t>Provides a short cut method to create a </a:t>
+            </a:r>
+            <a:r>
+              <a:rPr lang="en-US" altLang="en-US" u="sng" dirty="0"/>
+              <a:t>collection of communicators</a:t>
+            </a:r>
+          </a:p>
+          <a:p>
+            <a:r>
+              <a:rPr lang="en-US" altLang="en-US" dirty="0"/>
+              <a:t>All processors with the "same color" will be in the same communicator</a:t>
+            </a:r>
+          </a:p>
+          <a:p>
+            <a:r>
+              <a:rPr lang="en-US" altLang="en-US" dirty="0"/>
+              <a:t>Index controls relative rank in group</a:t>
+            </a:r>
+          </a:p>
+          <a:p>
+            <a:r>
+              <a:rPr lang="en-US" altLang="en-US" dirty="0"/>
+              <a:t>Fortran</a:t>
+            </a:r>
+          </a:p>
+          <a:p>
+            <a:pPr lvl="1">
+              <a:buNone/>
+            </a:pPr>
+            <a:r>
+              <a:rPr lang="en-US" altLang="en-US" sz="1800" b="1" dirty="0" smtClean="0">
+                <a:latin typeface="Courier New" pitchFamily="49" charset="0"/>
+              </a:rPr>
+              <a:t>  </a:t>
+            </a:r>
+            <a:r>
+              <a:rPr lang="en-US" altLang="en-US" sz="1800" b="1" dirty="0" err="1" smtClean="0">
+                <a:latin typeface="Courier New" pitchFamily="49" charset="0"/>
+              </a:rPr>
+              <a:t>MPI_Comm_split</a:t>
+            </a:r>
+            <a:r>
+              <a:rPr lang="en-US" altLang="en-US" sz="1800" b="1" dirty="0" smtClean="0">
+                <a:latin typeface="Courier New" pitchFamily="49" charset="0"/>
+              </a:rPr>
+              <a:t>(OLD_COMM</a:t>
+            </a:r>
+            <a:r>
+              <a:rPr lang="en-US" altLang="en-US" sz="1800" b="1" dirty="0">
+                <a:latin typeface="Courier New" pitchFamily="49" charset="0"/>
+              </a:rPr>
+              <a:t>, color, index, </a:t>
+            </a:r>
+            <a:r>
+              <a:rPr lang="en-US" altLang="en-US" sz="1800" b="1" dirty="0" smtClean="0">
+                <a:latin typeface="Courier New" pitchFamily="49" charset="0"/>
+              </a:rPr>
+              <a:t> NEW_COMM</a:t>
+            </a:r>
+            <a:r>
+              <a:rPr lang="en-US" altLang="en-US" sz="1800" b="1" dirty="0">
+                <a:latin typeface="Courier New" pitchFamily="49" charset="0"/>
+              </a:rPr>
+              <a:t>, </a:t>
+            </a:r>
+            <a:r>
+              <a:rPr lang="en-US" altLang="en-US" sz="1800" b="1" dirty="0" err="1">
+                <a:latin typeface="Courier New" pitchFamily="49" charset="0"/>
+              </a:rPr>
+              <a:t>ierr</a:t>
+            </a:r>
+            <a:r>
+              <a:rPr lang="en-US" altLang="en-US" sz="1800" b="1" dirty="0">
+                <a:latin typeface="Courier New" pitchFamily="49" charset="0"/>
+              </a:rPr>
+              <a:t>)</a:t>
+            </a:r>
+          </a:p>
+          <a:p>
+            <a:r>
+              <a:rPr lang="en-US" altLang="en-US" sz="2000" dirty="0"/>
+              <a:t>C</a:t>
+            </a:r>
+          </a:p>
+          <a:p>
+            <a:pPr lvl="1">
+              <a:buNone/>
+            </a:pPr>
+            <a:r>
+              <a:rPr lang="en-US" altLang="en-US" sz="1800" b="1" dirty="0" smtClean="0">
+                <a:latin typeface="Courier New" pitchFamily="49" charset="0"/>
+              </a:rPr>
+              <a:t>  </a:t>
+            </a:r>
+            <a:r>
+              <a:rPr lang="en-US" altLang="en-US" sz="1800" b="1" dirty="0" err="1" smtClean="0">
+                <a:latin typeface="Courier New" pitchFamily="49" charset="0"/>
+              </a:rPr>
+              <a:t>MPI_Comm_split</a:t>
+            </a:r>
+            <a:r>
+              <a:rPr lang="en-US" altLang="en-US" sz="1800" b="1" dirty="0" smtClean="0">
+                <a:latin typeface="Courier New" pitchFamily="49" charset="0"/>
+              </a:rPr>
+              <a:t>(OLD_COMM</a:t>
+            </a:r>
+            <a:r>
+              <a:rPr lang="en-US" altLang="en-US" sz="1800" b="1" dirty="0">
+                <a:latin typeface="Courier New" pitchFamily="49" charset="0"/>
+              </a:rPr>
+              <a:t>, color, index, &amp;NEW_COMM)</a:t>
+            </a:r>
+          </a:p>
+        </p:txBody>
+      </p:sp>
+      <p:sp>
+        <p:nvSpPr>
+          <p:cNvPr id="4" name="Slide Number Placeholder 3"/>
+          <p:cNvSpPr>
+            <a:spLocks noGrp="1"/>
+          </p:cNvSpPr>
+          <p:nvPr>
+            <p:ph type="sldNum" sz="quarter" idx="12"/>
+          </p:nvPr>
+        </p:nvSpPr>
+        <p:spPr/>
+        <p:txBody>
+          <a:bodyPr/>
+          <a:lstStyle/>
+          <a:p>
+            <a:fld id="{7B90F24A-6679-4F21-A41E-0DBEFD6DC596}" type="slidenum">
+              <a:rPr lang="en-US" smtClean="0"/>
+              <a:pPr/>
+              <a:t>27</a:t>
+            </a:fld>
+            <a:endParaRPr lang="en-US"/>
+          </a:p>
+        </p:txBody>
+      </p:sp>
+    </p:spTree>
+  </p:cSld>
+  <p:clrMapOvr>
+    <a:masterClrMapping/>
+  </p:clrMapOvr>
+  <p:timing>
+    <p:tnLst>
+      <p:par>
+        <p:cTn xmlns:p14="http://schemas.microsoft.com/office/powerpoint/2010/main" id="1" dur="indefinite" restart="never" nodeType="tmRoot"/>
+      </p:par>
+    </p:tnLst>
+  </p:timing>
+</p:sld>
+</file>
+
+<file path=ppt/slides/slide28.xml><?xml version="1.0" encoding="utf-8"?>
+<p:sld xmlns:a="http://schemas.openxmlformats.org/drawingml/2006/main" xmlns:r="http://schemas.openxmlformats.org/officeDocument/2006/relationships" xmlns:p="http://schemas.openxmlformats.org/presentationml/2006/main" showMasterSp="0">
+  <p:cSld>
+    <p:spTree>
+      <p:nvGrpSpPr>
+        <p:cNvPr id="1" name=""/>
+        <p:cNvGrpSpPr/>
+        <p:nvPr/>
+      </p:nvGrpSpPr>
+      <p:grpSpPr>
+        <a:xfrm>
+          <a:off x="0" y="0"/>
+          <a:ext cx="0" cy="0"/>
+          <a:chOff x="0" y="0"/>
+          <a:chExt cx="0" cy="0"/>
+        </a:xfrm>
+      </p:grpSpPr>
+      <p:sp>
+        <p:nvSpPr>
+          <p:cNvPr id="285698" name="Rectangle 2"/>
+          <p:cNvSpPr>
+            <a:spLocks noGrp="1" noChangeArrowheads="1"/>
+          </p:cNvSpPr>
+          <p:nvPr>
+            <p:ph type="title"/>
+          </p:nvPr>
+        </p:nvSpPr>
+        <p:spPr>
+          <a:xfrm>
+            <a:off x="457200" y="0"/>
+            <a:ext cx="8229600" cy="1143000"/>
+          </a:xfrm>
+        </p:spPr>
+        <p:txBody>
+          <a:bodyPr/>
+          <a:lstStyle/>
+          <a:p>
+            <a:r>
+              <a:rPr lang="en-US" altLang="en-US" dirty="0" err="1"/>
+              <a:t>MPI_Comm_split</a:t>
+            </a:r>
+            <a:endParaRPr lang="en-US" altLang="en-US" dirty="0"/>
+          </a:p>
+        </p:txBody>
+      </p:sp>
+      <p:sp>
+        <p:nvSpPr>
+          <p:cNvPr id="285699" name="Text Box 3"/>
+          <p:cNvSpPr txBox="1">
+            <a:spLocks noChangeArrowheads="1"/>
+          </p:cNvSpPr>
+          <p:nvPr/>
+        </p:nvSpPr>
+        <p:spPr bwMode="auto">
+          <a:xfrm>
+            <a:off x="152400" y="868363"/>
+            <a:ext cx="8773030" cy="2862323"/>
+          </a:xfrm>
+          <a:prstGeom prst="rect">
+            <a:avLst/>
+          </a:prstGeom>
+          <a:noFill/>
+          <a:ln w="9525">
+            <a:noFill/>
+            <a:miter lim="800000"/>
+            <a:headEnd/>
+            <a:tailEnd/>
+          </a:ln>
+          <a:effectLst/>
+        </p:spPr>
+        <p:txBody>
+          <a:bodyPr wrap="none">
+            <a:spAutoFit/>
+          </a:bodyPr>
+          <a:lstStyle/>
+          <a:p>
+            <a:r>
+              <a:rPr lang="en-US" b="0" dirty="0">
+                <a:solidFill>
+                  <a:schemeClr val="tx1"/>
+                </a:solidFill>
+                <a:latin typeface="Courier New" pitchFamily="49" charset="0"/>
+              </a:rPr>
+              <a:t>call </a:t>
+            </a:r>
+            <a:r>
+              <a:rPr lang="en-US" b="0" dirty="0" err="1">
+                <a:solidFill>
+                  <a:schemeClr val="tx1"/>
+                </a:solidFill>
+                <a:latin typeface="Courier New" pitchFamily="49" charset="0"/>
+              </a:rPr>
+              <a:t>MPI_Comm_rank</a:t>
+            </a:r>
+            <a:r>
+              <a:rPr lang="en-US" b="0" dirty="0">
+                <a:solidFill>
+                  <a:schemeClr val="tx1"/>
+                </a:solidFill>
+                <a:latin typeface="Courier New" pitchFamily="49" charset="0"/>
+              </a:rPr>
+              <a:t>(</a:t>
+            </a:r>
+            <a:r>
+              <a:rPr lang="en-US" b="0" dirty="0" err="1">
+                <a:solidFill>
+                  <a:schemeClr val="tx1"/>
+                </a:solidFill>
+                <a:latin typeface="Courier New" pitchFamily="49" charset="0"/>
+              </a:rPr>
+              <a:t>MPI_COMM_WORLD,irank,ierr</a:t>
+            </a:r>
+            <a:r>
+              <a:rPr lang="en-US" b="0" dirty="0">
+                <a:solidFill>
+                  <a:schemeClr val="tx1"/>
+                </a:solidFill>
+                <a:latin typeface="Courier New" pitchFamily="49" charset="0"/>
+              </a:rPr>
+              <a:t>) </a:t>
+            </a:r>
+          </a:p>
+          <a:p>
+            <a:r>
+              <a:rPr lang="en-US" b="0" dirty="0" err="1">
+                <a:solidFill>
+                  <a:schemeClr val="tx1"/>
+                </a:solidFill>
+                <a:latin typeface="Courier New" pitchFamily="49" charset="0"/>
+              </a:rPr>
+              <a:t>icolor</a:t>
+            </a:r>
+            <a:r>
+              <a:rPr lang="en-US" b="0" dirty="0">
+                <a:solidFill>
+                  <a:schemeClr val="tx1"/>
+                </a:solidFill>
+                <a:latin typeface="Courier New" pitchFamily="49" charset="0"/>
+              </a:rPr>
+              <a:t> = modulo(irank,3)</a:t>
+            </a:r>
+          </a:p>
+          <a:p>
+            <a:r>
+              <a:rPr lang="en-US" b="0" dirty="0">
+                <a:solidFill>
+                  <a:schemeClr val="tx1"/>
+                </a:solidFill>
+                <a:latin typeface="Courier New" pitchFamily="49" charset="0"/>
+              </a:rPr>
+              <a:t>key    = </a:t>
+            </a:r>
+            <a:r>
+              <a:rPr lang="en-US" b="0" dirty="0" err="1">
+                <a:solidFill>
+                  <a:schemeClr val="tx1"/>
+                </a:solidFill>
+                <a:latin typeface="Courier New" pitchFamily="49" charset="0"/>
+              </a:rPr>
+              <a:t>npes</a:t>
+            </a:r>
+            <a:r>
+              <a:rPr lang="en-US" b="0" dirty="0">
+                <a:solidFill>
+                  <a:schemeClr val="tx1"/>
+                </a:solidFill>
+                <a:latin typeface="Courier New" pitchFamily="49" charset="0"/>
+              </a:rPr>
+              <a:t> </a:t>
+            </a:r>
+            <a:r>
+              <a:rPr lang="en-US" b="0" dirty="0" smtClean="0">
+                <a:solidFill>
+                  <a:schemeClr val="tx1"/>
+                </a:solidFill>
+                <a:latin typeface="Courier New" pitchFamily="49" charset="0"/>
+              </a:rPr>
+              <a:t>– </a:t>
+            </a:r>
+            <a:r>
+              <a:rPr lang="en-US" b="0" dirty="0" err="1" smtClean="0">
+                <a:solidFill>
+                  <a:schemeClr val="tx1"/>
+                </a:solidFill>
+                <a:latin typeface="Courier New" pitchFamily="49" charset="0"/>
+              </a:rPr>
+              <a:t>irank</a:t>
+            </a:r>
+            <a:r>
+              <a:rPr lang="en-US" b="0" dirty="0" smtClean="0">
+                <a:solidFill>
+                  <a:schemeClr val="tx1"/>
+                </a:solidFill>
+                <a:latin typeface="Courier New" pitchFamily="49" charset="0"/>
+              </a:rPr>
+              <a:t>   </a:t>
+            </a:r>
+            <a:r>
+              <a:rPr lang="en-US" b="0" dirty="0">
+                <a:solidFill>
+                  <a:schemeClr val="tx1"/>
+                </a:solidFill>
+                <a:latin typeface="Courier New" pitchFamily="49" charset="0"/>
+              </a:rPr>
+              <a:t>! reverse the ordering</a:t>
+            </a:r>
+          </a:p>
+          <a:p>
+            <a:endParaRPr lang="en-US" b="0" dirty="0">
+              <a:solidFill>
+                <a:schemeClr val="tx1"/>
+              </a:solidFill>
+              <a:latin typeface="Courier New" pitchFamily="49" charset="0"/>
+            </a:endParaRPr>
+          </a:p>
+          <a:p>
+            <a:r>
+              <a:rPr lang="en-US" b="0" dirty="0">
+                <a:solidFill>
+                  <a:schemeClr val="tx1"/>
+                </a:solidFill>
+                <a:latin typeface="Courier New" pitchFamily="49" charset="0"/>
+              </a:rPr>
+              <a:t>call </a:t>
+            </a:r>
+            <a:r>
+              <a:rPr lang="en-US" b="0" dirty="0" err="1">
+                <a:solidFill>
+                  <a:schemeClr val="tx1"/>
+                </a:solidFill>
+                <a:latin typeface="Courier New" pitchFamily="49" charset="0"/>
+              </a:rPr>
+              <a:t>MPI_</a:t>
+            </a:r>
+            <a:r>
+              <a:rPr lang="en-US" b="1" dirty="0" err="1">
+                <a:solidFill>
+                  <a:schemeClr val="tx1"/>
+                </a:solidFill>
+                <a:latin typeface="Courier New" pitchFamily="49" charset="0"/>
+              </a:rPr>
+              <a:t>Comm_split</a:t>
+            </a:r>
+            <a:r>
+              <a:rPr lang="en-US" b="0" dirty="0">
+                <a:solidFill>
+                  <a:schemeClr val="tx1"/>
+                </a:solidFill>
+                <a:latin typeface="Courier New" pitchFamily="49" charset="0"/>
+              </a:rPr>
+              <a:t>(MPI_COMM_WORLD, </a:t>
+            </a:r>
+            <a:r>
+              <a:rPr lang="en-US" b="1" dirty="0" err="1">
+                <a:solidFill>
+                  <a:srgbClr val="008000"/>
+                </a:solidFill>
+                <a:latin typeface="Courier New" pitchFamily="49" charset="0"/>
+              </a:rPr>
+              <a:t>icolor</a:t>
+            </a:r>
+            <a:r>
+              <a:rPr lang="en-US" b="0" dirty="0">
+                <a:solidFill>
+                  <a:schemeClr val="tx1"/>
+                </a:solidFill>
+                <a:latin typeface="Courier New" pitchFamily="49" charset="0"/>
+              </a:rPr>
+              <a:t>, </a:t>
+            </a:r>
+            <a:r>
+              <a:rPr lang="en-US" b="1" dirty="0">
+                <a:solidFill>
+                  <a:srgbClr val="0000FF"/>
+                </a:solidFill>
+                <a:latin typeface="Courier New" pitchFamily="49" charset="0"/>
+              </a:rPr>
+              <a:t>key</a:t>
+            </a:r>
+            <a:r>
+              <a:rPr lang="en-US" b="0" dirty="0">
+                <a:solidFill>
+                  <a:schemeClr val="tx1"/>
+                </a:solidFill>
+                <a:latin typeface="Courier New" pitchFamily="49" charset="0"/>
+              </a:rPr>
+              <a:t>, </a:t>
+            </a:r>
+            <a:r>
+              <a:rPr lang="en-US" b="0" dirty="0" err="1">
+                <a:solidFill>
+                  <a:schemeClr val="tx1"/>
+                </a:solidFill>
+                <a:latin typeface="Courier New" pitchFamily="49" charset="0"/>
+              </a:rPr>
+              <a:t>newcom</a:t>
+            </a:r>
+            <a:r>
+              <a:rPr lang="en-US" b="0" dirty="0">
+                <a:solidFill>
+                  <a:schemeClr val="tx1"/>
+                </a:solidFill>
+                <a:latin typeface="Courier New" pitchFamily="49" charset="0"/>
+              </a:rPr>
+              <a:t>, </a:t>
+            </a:r>
+            <a:r>
+              <a:rPr lang="en-US" b="0" dirty="0" err="1">
+                <a:solidFill>
+                  <a:schemeClr val="tx1"/>
+                </a:solidFill>
+                <a:latin typeface="Courier New" pitchFamily="49" charset="0"/>
+              </a:rPr>
+              <a:t>ierr</a:t>
+            </a:r>
+            <a:r>
+              <a:rPr lang="en-US" b="0" dirty="0">
+                <a:solidFill>
+                  <a:schemeClr val="tx1"/>
+                </a:solidFill>
+                <a:latin typeface="Courier New" pitchFamily="49" charset="0"/>
+              </a:rPr>
+              <a:t>)</a:t>
+            </a:r>
+          </a:p>
+          <a:p>
+            <a:r>
+              <a:rPr lang="en-US" b="0" dirty="0">
+                <a:solidFill>
+                  <a:schemeClr val="tx1"/>
+                </a:solidFill>
+                <a:latin typeface="Courier New" pitchFamily="49" charset="0"/>
+              </a:rPr>
+              <a:t>call </a:t>
+            </a:r>
+            <a:r>
+              <a:rPr lang="en-US" b="0" dirty="0" err="1">
+                <a:solidFill>
+                  <a:schemeClr val="tx1"/>
+                </a:solidFill>
+                <a:latin typeface="Courier New" pitchFamily="49" charset="0"/>
+              </a:rPr>
+              <a:t>MPI_</a:t>
+            </a:r>
+            <a:r>
+              <a:rPr lang="en-US" b="1" dirty="0" err="1">
+                <a:solidFill>
+                  <a:schemeClr val="tx1"/>
+                </a:solidFill>
+                <a:latin typeface="Courier New" pitchFamily="49" charset="0"/>
+              </a:rPr>
+              <a:t>Comm_rank</a:t>
+            </a:r>
+            <a:r>
+              <a:rPr lang="en-US" b="0" dirty="0">
+                <a:solidFill>
+                  <a:schemeClr val="tx1"/>
+                </a:solidFill>
+                <a:latin typeface="Courier New" pitchFamily="49" charset="0"/>
+              </a:rPr>
+              <a:t>(</a:t>
+            </a:r>
+            <a:r>
+              <a:rPr lang="en-US" b="0" dirty="0" err="1">
+                <a:solidFill>
+                  <a:schemeClr val="tx1"/>
+                </a:solidFill>
+                <a:latin typeface="Courier New" pitchFamily="49" charset="0"/>
+              </a:rPr>
+              <a:t>newcom,</a:t>
+            </a:r>
+            <a:r>
+              <a:rPr lang="en-US" b="1" dirty="0" err="1">
+                <a:solidFill>
+                  <a:srgbClr val="7030A0"/>
+                </a:solidFill>
+                <a:latin typeface="Courier New" pitchFamily="49" charset="0"/>
+              </a:rPr>
+              <a:t>mysrank</a:t>
+            </a:r>
+            <a:r>
+              <a:rPr lang="en-US" b="0" dirty="0" err="1">
+                <a:solidFill>
+                  <a:schemeClr val="tx1"/>
+                </a:solidFill>
+                <a:latin typeface="Courier New" pitchFamily="49" charset="0"/>
+              </a:rPr>
+              <a:t>,ierr</a:t>
+            </a:r>
+            <a:r>
+              <a:rPr lang="en-US" b="0" dirty="0">
+                <a:solidFill>
+                  <a:schemeClr val="tx1"/>
+                </a:solidFill>
+                <a:latin typeface="Courier New" pitchFamily="49" charset="0"/>
+              </a:rPr>
+              <a:t>)</a:t>
+            </a:r>
+          </a:p>
+          <a:p>
+            <a:endParaRPr lang="en-US" b="0" dirty="0">
+              <a:solidFill>
+                <a:schemeClr val="tx1"/>
+              </a:solidFill>
+              <a:latin typeface="Courier New" pitchFamily="49" charset="0"/>
+            </a:endParaRPr>
+          </a:p>
+          <a:p>
+            <a:r>
+              <a:rPr lang="en-US" b="0" dirty="0" err="1">
+                <a:solidFill>
+                  <a:schemeClr val="tx1"/>
+                </a:solidFill>
+                <a:latin typeface="Courier New" pitchFamily="49" charset="0"/>
+              </a:rPr>
+              <a:t>psum</a:t>
+            </a:r>
+            <a:r>
+              <a:rPr lang="en-US" b="0" dirty="0">
+                <a:solidFill>
+                  <a:schemeClr val="tx1"/>
+                </a:solidFill>
+                <a:latin typeface="Courier New" pitchFamily="49" charset="0"/>
+              </a:rPr>
+              <a:t>  = </a:t>
+            </a:r>
+            <a:r>
+              <a:rPr lang="en-US" b="0" dirty="0" err="1">
+                <a:solidFill>
+                  <a:schemeClr val="tx1"/>
+                </a:solidFill>
+                <a:latin typeface="Courier New" pitchFamily="49" charset="0"/>
+              </a:rPr>
+              <a:t>irank</a:t>
+            </a:r>
+            <a:endParaRPr lang="en-US" b="0" dirty="0">
+              <a:solidFill>
+                <a:schemeClr val="tx1"/>
+              </a:solidFill>
+              <a:latin typeface="Courier New" pitchFamily="49" charset="0"/>
+            </a:endParaRPr>
+          </a:p>
+          <a:p>
+            <a:r>
+              <a:rPr lang="en-US" b="0" dirty="0">
+                <a:solidFill>
+                  <a:schemeClr val="tx1"/>
+                </a:solidFill>
+                <a:latin typeface="Courier New" pitchFamily="49" charset="0"/>
+              </a:rPr>
+              <a:t>call </a:t>
+            </a:r>
+            <a:r>
+              <a:rPr lang="en-US" b="0" dirty="0" err="1">
+                <a:solidFill>
+                  <a:schemeClr val="tx1"/>
+                </a:solidFill>
+                <a:latin typeface="Courier New" pitchFamily="49" charset="0"/>
+              </a:rPr>
+              <a:t>MPI_Reduce</a:t>
+            </a:r>
+            <a:r>
+              <a:rPr lang="en-US" b="0" dirty="0">
+                <a:solidFill>
+                  <a:schemeClr val="tx1"/>
+                </a:solidFill>
+                <a:latin typeface="Courier New" pitchFamily="49" charset="0"/>
+              </a:rPr>
+              <a:t>(psum,tot,1,MPI_INTEGER,MPI_SUM,</a:t>
+            </a:r>
+            <a:r>
+              <a:rPr lang="en-US" b="1" dirty="0">
+                <a:solidFill>
+                  <a:srgbClr val="FF0000"/>
+                </a:solidFill>
+                <a:latin typeface="Courier New" pitchFamily="49" charset="0"/>
+              </a:rPr>
+              <a:t>0</a:t>
+            </a:r>
+            <a:r>
+              <a:rPr lang="en-US" b="0" dirty="0">
+                <a:solidFill>
+                  <a:schemeClr val="tx1"/>
+                </a:solidFill>
+                <a:latin typeface="Courier New" pitchFamily="49" charset="0"/>
+              </a:rPr>
+              <a:t>,newcom,ierr)</a:t>
+            </a:r>
+          </a:p>
+          <a:p>
+            <a:r>
+              <a:rPr lang="en-US" b="0" dirty="0">
+                <a:solidFill>
+                  <a:schemeClr val="tx1"/>
+                </a:solidFill>
+                <a:latin typeface="Courier New" pitchFamily="49" charset="0"/>
+              </a:rPr>
+              <a:t>print*, </a:t>
+            </a:r>
+            <a:r>
+              <a:rPr lang="en-US" b="0" dirty="0" err="1">
+                <a:solidFill>
+                  <a:schemeClr val="tx1"/>
+                </a:solidFill>
+                <a:latin typeface="Courier New" pitchFamily="49" charset="0"/>
+              </a:rPr>
+              <a:t>irank,icolor,key,mysrank,tot</a:t>
+            </a:r>
+            <a:endParaRPr lang="en-US" b="0" dirty="0">
+              <a:solidFill>
+                <a:schemeClr val="tx1"/>
+              </a:solidFill>
+              <a:latin typeface="Courier New" pitchFamily="49" charset="0"/>
+            </a:endParaRPr>
+          </a:p>
+        </p:txBody>
+      </p:sp>
+      <p:sp>
+        <p:nvSpPr>
+          <p:cNvPr id="285700" name="Text Box 4"/>
+          <p:cNvSpPr txBox="1">
+            <a:spLocks noChangeArrowheads="1"/>
+          </p:cNvSpPr>
+          <p:nvPr/>
+        </p:nvSpPr>
+        <p:spPr bwMode="auto">
+          <a:xfrm>
+            <a:off x="3205163" y="4022725"/>
+            <a:ext cx="2002471" cy="2862322"/>
+          </a:xfrm>
+          <a:prstGeom prst="rect">
+            <a:avLst/>
+          </a:prstGeom>
+          <a:noFill/>
+          <a:ln w="9525">
+            <a:noFill/>
+            <a:miter lim="800000"/>
+            <a:headEnd/>
+            <a:tailEnd/>
+          </a:ln>
+          <a:effectLst/>
+        </p:spPr>
+        <p:txBody>
+          <a:bodyPr wrap="none">
+            <a:spAutoFit/>
+          </a:bodyPr>
+          <a:lstStyle/>
+          <a:p>
+            <a:r>
+              <a:rPr lang="en-US" sz="2000" dirty="0">
+                <a:solidFill>
+                  <a:schemeClr val="tx1"/>
+                </a:solidFill>
+              </a:rPr>
+              <a:t>    0    </a:t>
+            </a:r>
+            <a:r>
+              <a:rPr lang="en-US" sz="2000" dirty="0">
+                <a:solidFill>
+                  <a:srgbClr val="00B050"/>
+                </a:solidFill>
+              </a:rPr>
+              <a:t>0</a:t>
+            </a:r>
+            <a:r>
+              <a:rPr lang="en-US" sz="2000" dirty="0">
+                <a:solidFill>
+                  <a:schemeClr val="tx1"/>
+                </a:solidFill>
+              </a:rPr>
+              <a:t>    </a:t>
+            </a:r>
+            <a:r>
+              <a:rPr lang="en-US" sz="2000" dirty="0">
+                <a:solidFill>
+                  <a:srgbClr val="00B0F0"/>
+                </a:solidFill>
+              </a:rPr>
+              <a:t>9   2</a:t>
+            </a:r>
+            <a:r>
+              <a:rPr lang="en-US" sz="2000" dirty="0">
+                <a:solidFill>
+                  <a:schemeClr val="tx1"/>
+                </a:solidFill>
+              </a:rPr>
+              <a:t>    0</a:t>
+            </a:r>
+          </a:p>
+          <a:p>
+            <a:r>
+              <a:rPr lang="en-US" sz="2000" dirty="0">
+                <a:solidFill>
+                  <a:schemeClr val="tx1"/>
+                </a:solidFill>
+              </a:rPr>
+              <a:t>    1    1    </a:t>
+            </a:r>
+            <a:r>
+              <a:rPr lang="en-US" sz="2000" dirty="0" smtClean="0">
+                <a:solidFill>
+                  <a:schemeClr val="tx1"/>
+                </a:solidFill>
+              </a:rPr>
+              <a:t>8   2    </a:t>
+            </a:r>
+            <a:r>
+              <a:rPr lang="en-US" sz="2000" dirty="0">
+                <a:solidFill>
+                  <a:schemeClr val="tx1"/>
+                </a:solidFill>
+              </a:rPr>
+              <a:t>0</a:t>
+            </a:r>
+          </a:p>
+          <a:p>
+            <a:r>
+              <a:rPr lang="en-US" sz="2000" dirty="0">
+                <a:solidFill>
+                  <a:schemeClr val="tx1"/>
+                </a:solidFill>
+              </a:rPr>
+              <a:t>    2    2    </a:t>
+            </a:r>
+            <a:r>
+              <a:rPr lang="en-US" sz="2000" dirty="0" smtClean="0">
+                <a:solidFill>
+                  <a:schemeClr val="tx1"/>
+                </a:solidFill>
+              </a:rPr>
+              <a:t>7   </a:t>
+            </a:r>
+            <a:r>
+              <a:rPr lang="en-US" sz="2000" dirty="0">
+                <a:solidFill>
+                  <a:schemeClr val="tx1"/>
+                </a:solidFill>
+              </a:rPr>
+              <a:t>2    0</a:t>
+            </a:r>
+          </a:p>
+          <a:p>
+            <a:r>
+              <a:rPr lang="en-US" sz="2000" dirty="0">
+                <a:solidFill>
+                  <a:schemeClr val="tx1"/>
+                </a:solidFill>
+              </a:rPr>
+              <a:t>    3    </a:t>
+            </a:r>
+            <a:r>
+              <a:rPr lang="en-US" sz="2000" dirty="0">
+                <a:solidFill>
+                  <a:srgbClr val="00B050"/>
+                </a:solidFill>
+              </a:rPr>
+              <a:t>0 </a:t>
+            </a:r>
+            <a:r>
+              <a:rPr lang="en-US" sz="2000" dirty="0">
+                <a:solidFill>
+                  <a:schemeClr val="tx1"/>
+                </a:solidFill>
+              </a:rPr>
+              <a:t>   </a:t>
+            </a:r>
+            <a:r>
+              <a:rPr lang="en-US" sz="2000" dirty="0">
+                <a:solidFill>
+                  <a:srgbClr val="00B0F0"/>
+                </a:solidFill>
+              </a:rPr>
+              <a:t>6</a:t>
+            </a:r>
+            <a:r>
+              <a:rPr lang="en-US" sz="2000" dirty="0" smtClean="0">
+                <a:solidFill>
+                  <a:srgbClr val="00B0F0"/>
+                </a:solidFill>
+              </a:rPr>
+              <a:t>   </a:t>
+            </a:r>
+            <a:r>
+              <a:rPr lang="en-US" sz="2000" dirty="0">
+                <a:solidFill>
+                  <a:srgbClr val="00B0F0"/>
+                </a:solidFill>
+              </a:rPr>
+              <a:t>1</a:t>
+            </a:r>
+            <a:r>
+              <a:rPr lang="en-US" sz="2000" dirty="0">
+                <a:solidFill>
+                  <a:schemeClr val="tx1"/>
+                </a:solidFill>
+              </a:rPr>
+              <a:t>    0</a:t>
+            </a:r>
+          </a:p>
+          <a:p>
+            <a:r>
+              <a:rPr lang="en-US" sz="2000" dirty="0">
+                <a:solidFill>
+                  <a:schemeClr val="tx1"/>
+                </a:solidFill>
+              </a:rPr>
+              <a:t>    4    1    </a:t>
+            </a:r>
+            <a:r>
+              <a:rPr lang="en-US" sz="2000" dirty="0" smtClean="0">
+                <a:solidFill>
+                  <a:schemeClr val="tx1"/>
+                </a:solidFill>
+              </a:rPr>
+              <a:t>5   </a:t>
+            </a:r>
+            <a:r>
+              <a:rPr lang="en-US" sz="2000" dirty="0">
+                <a:solidFill>
+                  <a:schemeClr val="tx1"/>
+                </a:solidFill>
+              </a:rPr>
+              <a:t>1    0</a:t>
+            </a:r>
+          </a:p>
+          <a:p>
+            <a:r>
+              <a:rPr lang="en-US" sz="2000" dirty="0">
+                <a:solidFill>
+                  <a:schemeClr val="tx1"/>
+                </a:solidFill>
+              </a:rPr>
+              <a:t>    5    2    </a:t>
+            </a:r>
+            <a:r>
+              <a:rPr lang="en-US" sz="2000" dirty="0" smtClean="0">
+                <a:solidFill>
+                  <a:schemeClr val="tx1"/>
+                </a:solidFill>
+              </a:rPr>
+              <a:t>4   </a:t>
+            </a:r>
+            <a:r>
+              <a:rPr lang="en-US" sz="2000" dirty="0">
+                <a:solidFill>
+                  <a:schemeClr val="tx1"/>
+                </a:solidFill>
+              </a:rPr>
+              <a:t>1    0</a:t>
+            </a:r>
+          </a:p>
+          <a:p>
+            <a:r>
+              <a:rPr lang="en-US" sz="2000" dirty="0">
+                <a:solidFill>
+                  <a:schemeClr val="tx1"/>
+                </a:solidFill>
+              </a:rPr>
+              <a:t>    6    </a:t>
+            </a:r>
+            <a:r>
+              <a:rPr lang="en-US" sz="2000" dirty="0">
+                <a:solidFill>
+                  <a:srgbClr val="00B050"/>
+                </a:solidFill>
+              </a:rPr>
+              <a:t>0</a:t>
+            </a:r>
+            <a:r>
+              <a:rPr lang="en-US" sz="2000" dirty="0">
+                <a:solidFill>
+                  <a:schemeClr val="tx1"/>
+                </a:solidFill>
+              </a:rPr>
+              <a:t>    </a:t>
+            </a:r>
+            <a:r>
+              <a:rPr lang="en-US" sz="2000" dirty="0">
+                <a:solidFill>
+                  <a:srgbClr val="00B0F0"/>
+                </a:solidFill>
+              </a:rPr>
+              <a:t>3</a:t>
+            </a:r>
+            <a:r>
+              <a:rPr lang="en-US" sz="2000" dirty="0" smtClean="0">
+                <a:solidFill>
+                  <a:srgbClr val="00B0F0"/>
+                </a:solidFill>
+              </a:rPr>
+              <a:t>   </a:t>
+            </a:r>
+            <a:r>
+              <a:rPr lang="en-US" sz="2000" dirty="0">
+                <a:solidFill>
+                  <a:srgbClr val="00B0F0"/>
+                </a:solidFill>
+              </a:rPr>
+              <a:t>0</a:t>
+            </a:r>
+            <a:r>
+              <a:rPr lang="en-US" sz="2000" dirty="0">
+                <a:solidFill>
+                  <a:schemeClr val="tx1"/>
+                </a:solidFill>
+              </a:rPr>
+              <a:t>    </a:t>
+            </a:r>
+            <a:r>
+              <a:rPr lang="en-US" sz="2000" dirty="0">
+                <a:solidFill>
+                  <a:srgbClr val="FF0000"/>
+                </a:solidFill>
+              </a:rPr>
+              <a:t>9</a:t>
+            </a:r>
+          </a:p>
+          <a:p>
+            <a:r>
+              <a:rPr lang="en-US" sz="2000" dirty="0">
+                <a:solidFill>
+                  <a:schemeClr val="tx1"/>
+                </a:solidFill>
+              </a:rPr>
+              <a:t>    7    1    </a:t>
+            </a:r>
+            <a:r>
+              <a:rPr lang="en-US" sz="2000" dirty="0" smtClean="0">
+                <a:solidFill>
+                  <a:schemeClr val="tx1"/>
+                </a:solidFill>
+              </a:rPr>
+              <a:t>2   </a:t>
+            </a:r>
+            <a:r>
+              <a:rPr lang="en-US" sz="2000" dirty="0">
+                <a:solidFill>
+                  <a:schemeClr val="tx1"/>
+                </a:solidFill>
+              </a:rPr>
+              <a:t>0   </a:t>
+            </a:r>
+            <a:r>
+              <a:rPr lang="en-US" sz="2000" dirty="0">
+                <a:solidFill>
+                  <a:srgbClr val="FF0000"/>
+                </a:solidFill>
+              </a:rPr>
+              <a:t>12</a:t>
+            </a:r>
+          </a:p>
+          <a:p>
+            <a:r>
+              <a:rPr lang="en-US" sz="2000" dirty="0">
+                <a:solidFill>
+                  <a:schemeClr val="tx1"/>
+                </a:solidFill>
+              </a:rPr>
+              <a:t>    8    2    </a:t>
+            </a:r>
+            <a:r>
+              <a:rPr lang="en-US" sz="2000" dirty="0" smtClean="0">
+                <a:solidFill>
+                  <a:schemeClr val="tx1"/>
+                </a:solidFill>
+              </a:rPr>
+              <a:t>1   </a:t>
+            </a:r>
+            <a:r>
+              <a:rPr lang="en-US" sz="2000" dirty="0">
+                <a:solidFill>
+                  <a:schemeClr val="tx1"/>
+                </a:solidFill>
+              </a:rPr>
+              <a:t>0   </a:t>
+            </a:r>
+            <a:r>
+              <a:rPr lang="en-US" sz="2000" dirty="0">
+                <a:solidFill>
+                  <a:srgbClr val="FF0000"/>
+                </a:solidFill>
+              </a:rPr>
+              <a:t>15</a:t>
+            </a:r>
+            <a:endParaRPr lang="en-US" dirty="0">
+              <a:solidFill>
+                <a:srgbClr val="FF0000"/>
+              </a:solidFill>
+            </a:endParaRPr>
+          </a:p>
+        </p:txBody>
+      </p:sp>
+      <p:sp>
+        <p:nvSpPr>
+          <p:cNvPr id="285701" name="Line 5"/>
+          <p:cNvSpPr>
+            <a:spLocks noChangeShapeType="1"/>
+          </p:cNvSpPr>
+          <p:nvPr/>
+        </p:nvSpPr>
+        <p:spPr bwMode="auto">
+          <a:xfrm>
+            <a:off x="1836738" y="3581400"/>
+            <a:ext cx="1744662" cy="533400"/>
+          </a:xfrm>
+          <a:prstGeom prst="line">
+            <a:avLst/>
+          </a:prstGeom>
+          <a:noFill/>
+          <a:ln w="9525">
+            <a:solidFill>
+              <a:schemeClr val="tx1"/>
+            </a:solidFill>
+            <a:round/>
+            <a:headEnd/>
+            <a:tailEnd/>
+          </a:ln>
+          <a:effectLst/>
+        </p:spPr>
+        <p:txBody>
+          <a:bodyPr/>
+          <a:lstStyle/>
+          <a:p>
+            <a:endParaRPr lang="en-US"/>
+          </a:p>
+        </p:txBody>
+      </p:sp>
+      <p:sp>
+        <p:nvSpPr>
+          <p:cNvPr id="285702" name="Line 6"/>
+          <p:cNvSpPr>
+            <a:spLocks noChangeShapeType="1"/>
+          </p:cNvSpPr>
+          <p:nvPr/>
+        </p:nvSpPr>
+        <p:spPr bwMode="auto">
+          <a:xfrm>
+            <a:off x="2598738" y="3581400"/>
+            <a:ext cx="1287462" cy="533400"/>
+          </a:xfrm>
+          <a:prstGeom prst="line">
+            <a:avLst/>
+          </a:prstGeom>
+          <a:noFill/>
+          <a:ln w="9525">
+            <a:solidFill>
+              <a:schemeClr val="tx1"/>
+            </a:solidFill>
+            <a:round/>
+            <a:headEnd/>
+            <a:tailEnd/>
+          </a:ln>
+          <a:effectLst/>
+        </p:spPr>
+        <p:txBody>
+          <a:bodyPr/>
+          <a:lstStyle/>
+          <a:p>
+            <a:endParaRPr lang="en-US"/>
+          </a:p>
+        </p:txBody>
+      </p:sp>
+      <p:sp>
+        <p:nvSpPr>
+          <p:cNvPr id="285703" name="Line 7"/>
+          <p:cNvSpPr>
+            <a:spLocks noChangeShapeType="1"/>
+          </p:cNvSpPr>
+          <p:nvPr/>
+        </p:nvSpPr>
+        <p:spPr bwMode="auto">
+          <a:xfrm>
+            <a:off x="3360738" y="3581400"/>
+            <a:ext cx="906462" cy="533400"/>
+          </a:xfrm>
+          <a:prstGeom prst="line">
+            <a:avLst/>
+          </a:prstGeom>
+          <a:noFill/>
+          <a:ln w="9525">
+            <a:solidFill>
+              <a:schemeClr val="tx1"/>
+            </a:solidFill>
+            <a:round/>
+            <a:headEnd/>
+            <a:tailEnd/>
+          </a:ln>
+          <a:effectLst/>
+        </p:spPr>
+        <p:txBody>
+          <a:bodyPr/>
+          <a:lstStyle/>
+          <a:p>
+            <a:endParaRPr lang="en-US"/>
+          </a:p>
+        </p:txBody>
+      </p:sp>
+      <p:sp>
+        <p:nvSpPr>
+          <p:cNvPr id="285704" name="Line 8"/>
+          <p:cNvSpPr>
+            <a:spLocks noChangeShapeType="1"/>
+          </p:cNvSpPr>
+          <p:nvPr/>
+        </p:nvSpPr>
+        <p:spPr bwMode="auto">
+          <a:xfrm>
+            <a:off x="4122738" y="3581400"/>
+            <a:ext cx="449262" cy="533400"/>
+          </a:xfrm>
+          <a:prstGeom prst="line">
+            <a:avLst/>
+          </a:prstGeom>
+          <a:noFill/>
+          <a:ln w="9525">
+            <a:solidFill>
+              <a:schemeClr val="tx1"/>
+            </a:solidFill>
+            <a:round/>
+            <a:headEnd/>
+            <a:tailEnd/>
+          </a:ln>
+          <a:effectLst/>
+        </p:spPr>
+        <p:txBody>
+          <a:bodyPr/>
+          <a:lstStyle/>
+          <a:p>
+            <a:endParaRPr lang="en-US"/>
+          </a:p>
+        </p:txBody>
+      </p:sp>
+      <p:sp>
+        <p:nvSpPr>
+          <p:cNvPr id="285705" name="Line 9"/>
+          <p:cNvSpPr>
+            <a:spLocks noChangeShapeType="1"/>
+          </p:cNvSpPr>
+          <p:nvPr/>
+        </p:nvSpPr>
+        <p:spPr bwMode="auto">
+          <a:xfrm>
+            <a:off x="4808538" y="3581400"/>
+            <a:ext cx="144462" cy="533400"/>
+          </a:xfrm>
+          <a:prstGeom prst="line">
+            <a:avLst/>
+          </a:prstGeom>
+          <a:noFill/>
+          <a:ln w="9525">
+            <a:solidFill>
+              <a:schemeClr val="tx1"/>
+            </a:solidFill>
+            <a:round/>
+            <a:headEnd/>
+            <a:tailEnd/>
+          </a:ln>
+          <a:effectLst/>
+        </p:spPr>
+        <p:txBody>
+          <a:bodyPr/>
+          <a:lstStyle/>
+          <a:p>
+            <a:endParaRPr lang="en-US"/>
+          </a:p>
+        </p:txBody>
+      </p:sp>
+      <p:sp>
+        <p:nvSpPr>
+          <p:cNvPr id="285706" name="Rectangle 10"/>
+          <p:cNvSpPr>
+            <a:spLocks noChangeArrowheads="1"/>
+          </p:cNvSpPr>
+          <p:nvPr/>
+        </p:nvSpPr>
+        <p:spPr bwMode="auto">
+          <a:xfrm>
+            <a:off x="3200400" y="4114800"/>
+            <a:ext cx="2286000" cy="228600"/>
+          </a:xfrm>
+          <a:prstGeom prst="rect">
+            <a:avLst/>
+          </a:prstGeom>
+          <a:noFill/>
+          <a:ln w="9525">
+            <a:solidFill>
+              <a:schemeClr val="tx1"/>
+            </a:solidFill>
+            <a:miter lim="800000"/>
+            <a:headEnd/>
+            <a:tailEnd/>
+          </a:ln>
+          <a:effectLst/>
+        </p:spPr>
+        <p:txBody>
+          <a:bodyPr wrap="none" anchor="ctr"/>
+          <a:lstStyle/>
+          <a:p>
+            <a:endParaRPr lang="en-US"/>
+          </a:p>
+        </p:txBody>
+      </p:sp>
+      <p:sp>
+        <p:nvSpPr>
+          <p:cNvPr id="285707" name="Rectangle 11"/>
+          <p:cNvSpPr>
+            <a:spLocks noChangeArrowheads="1"/>
+          </p:cNvSpPr>
+          <p:nvPr/>
+        </p:nvSpPr>
+        <p:spPr bwMode="auto">
+          <a:xfrm>
+            <a:off x="3200400" y="5029200"/>
+            <a:ext cx="2286000" cy="228600"/>
+          </a:xfrm>
+          <a:prstGeom prst="rect">
+            <a:avLst/>
+          </a:prstGeom>
+          <a:noFill/>
+          <a:ln w="9525">
+            <a:solidFill>
+              <a:schemeClr val="tx1"/>
+            </a:solidFill>
+            <a:miter lim="800000"/>
+            <a:headEnd/>
+            <a:tailEnd/>
+          </a:ln>
+          <a:effectLst/>
+        </p:spPr>
+        <p:txBody>
+          <a:bodyPr wrap="none" anchor="ctr"/>
+          <a:lstStyle/>
+          <a:p>
+            <a:endParaRPr lang="en-US"/>
+          </a:p>
+        </p:txBody>
+      </p:sp>
+      <p:sp>
+        <p:nvSpPr>
+          <p:cNvPr id="285708" name="Rectangle 12"/>
+          <p:cNvSpPr>
+            <a:spLocks noChangeArrowheads="1"/>
+          </p:cNvSpPr>
+          <p:nvPr/>
+        </p:nvSpPr>
+        <p:spPr bwMode="auto">
+          <a:xfrm>
+            <a:off x="3200400" y="5943600"/>
+            <a:ext cx="2286000" cy="228600"/>
+          </a:xfrm>
+          <a:prstGeom prst="rect">
+            <a:avLst/>
+          </a:prstGeom>
+          <a:noFill/>
+          <a:ln w="9525">
+            <a:solidFill>
+              <a:schemeClr val="tx1"/>
+            </a:solidFill>
+            <a:miter lim="800000"/>
+            <a:headEnd/>
+            <a:tailEnd/>
+          </a:ln>
+          <a:effectLst/>
+        </p:spPr>
+        <p:txBody>
+          <a:bodyPr wrap="none" anchor="ctr"/>
+          <a:lstStyle/>
+          <a:p>
+            <a:endParaRPr lang="en-US"/>
+          </a:p>
+        </p:txBody>
+      </p:sp>
+      <p:sp>
+        <p:nvSpPr>
+          <p:cNvPr id="285709" name="Rectangle 13"/>
+          <p:cNvSpPr>
+            <a:spLocks noChangeArrowheads="1"/>
+          </p:cNvSpPr>
+          <p:nvPr/>
+        </p:nvSpPr>
+        <p:spPr bwMode="auto">
+          <a:xfrm>
+            <a:off x="1447800" y="4572000"/>
+            <a:ext cx="1447800" cy="228600"/>
+          </a:xfrm>
+          <a:prstGeom prst="rect">
+            <a:avLst/>
+          </a:prstGeom>
+          <a:noFill/>
+          <a:ln w="9525">
+            <a:solidFill>
+              <a:schemeClr val="tx1"/>
+            </a:solidFill>
+            <a:miter lim="800000"/>
+            <a:headEnd/>
+            <a:tailEnd/>
+          </a:ln>
+          <a:effectLst/>
+        </p:spPr>
+        <p:txBody>
+          <a:bodyPr wrap="none" anchor="ctr"/>
+          <a:lstStyle/>
+          <a:p>
+            <a:endParaRPr lang="en-US"/>
+          </a:p>
+        </p:txBody>
+      </p:sp>
+      <p:sp>
+        <p:nvSpPr>
+          <p:cNvPr id="285710" name="Text Box 14"/>
+          <p:cNvSpPr txBox="1">
+            <a:spLocks noChangeArrowheads="1"/>
+          </p:cNvSpPr>
+          <p:nvPr/>
+        </p:nvSpPr>
+        <p:spPr bwMode="auto">
+          <a:xfrm>
+            <a:off x="1608138" y="4495800"/>
+            <a:ext cx="1084656" cy="338554"/>
+          </a:xfrm>
+          <a:prstGeom prst="rect">
+            <a:avLst/>
+          </a:prstGeom>
+          <a:noFill/>
+          <a:ln w="9525">
+            <a:noFill/>
+            <a:miter lim="800000"/>
+            <a:headEnd/>
+            <a:tailEnd/>
+          </a:ln>
+          <a:effectLst/>
+        </p:spPr>
+        <p:txBody>
+          <a:bodyPr wrap="none">
+            <a:spAutoFit/>
+          </a:bodyPr>
+          <a:lstStyle/>
+          <a:p>
+            <a:r>
+              <a:rPr lang="en-US" sz="1600" b="1" dirty="0">
+                <a:solidFill>
+                  <a:srgbClr val="00B050"/>
+                </a:solidFill>
+              </a:rPr>
+              <a:t>One group</a:t>
+            </a:r>
+          </a:p>
+        </p:txBody>
+      </p:sp>
+      <p:sp>
+        <p:nvSpPr>
+          <p:cNvPr id="15" name="TextBox 14"/>
+          <p:cNvSpPr txBox="1"/>
+          <p:nvPr/>
+        </p:nvSpPr>
+        <p:spPr>
+          <a:xfrm>
+            <a:off x="6629400" y="4267200"/>
+            <a:ext cx="2197205" cy="923330"/>
+          </a:xfrm>
+          <a:prstGeom prst="rect">
+            <a:avLst/>
+          </a:prstGeom>
+          <a:noFill/>
+        </p:spPr>
+        <p:txBody>
+          <a:bodyPr wrap="none" rtlCol="0">
+            <a:spAutoFit/>
+          </a:bodyPr>
+          <a:lstStyle/>
+          <a:p>
+            <a:r>
+              <a:rPr lang="en-US" dirty="0" smtClean="0"/>
+              <a:t>Colors are </a:t>
+            </a:r>
+            <a:r>
+              <a:rPr lang="en-US" b="1" dirty="0" smtClean="0">
+                <a:solidFill>
+                  <a:srgbClr val="00B050"/>
+                </a:solidFill>
+              </a:rPr>
+              <a:t>0</a:t>
+            </a:r>
+            <a:r>
+              <a:rPr lang="en-US" dirty="0" smtClean="0"/>
+              <a:t>, </a:t>
+            </a:r>
+            <a:r>
+              <a:rPr lang="en-US" b="1" dirty="0" smtClean="0"/>
+              <a:t>1</a:t>
+            </a:r>
+            <a:r>
+              <a:rPr lang="en-US" dirty="0" smtClean="0"/>
+              <a:t> and 2</a:t>
+            </a:r>
+          </a:p>
+          <a:p>
+            <a:r>
+              <a:rPr lang="en-US" dirty="0" smtClean="0"/>
+              <a:t>Keys are    9, 8 and 7</a:t>
+            </a:r>
+          </a:p>
+          <a:p>
+            <a:r>
+              <a:rPr lang="en-US" dirty="0" smtClean="0"/>
+              <a:t>Lowest keys are roots</a:t>
+            </a:r>
+            <a:endParaRPr lang="en-US" dirty="0"/>
+          </a:p>
+        </p:txBody>
+      </p:sp>
+      <p:sp>
+        <p:nvSpPr>
+          <p:cNvPr id="16" name="Slide Number Placeholder 15"/>
+          <p:cNvSpPr>
+            <a:spLocks noGrp="1"/>
+          </p:cNvSpPr>
+          <p:nvPr>
+            <p:ph type="sldNum" sz="quarter" idx="12"/>
+          </p:nvPr>
+        </p:nvSpPr>
+        <p:spPr/>
+        <p:txBody>
+          <a:bodyPr/>
+          <a:lstStyle/>
+          <a:p>
+            <a:fld id="{7B90F24A-6679-4F21-A41E-0DBEFD6DC596}" type="slidenum">
+              <a:rPr lang="en-US" smtClean="0"/>
+              <a:pPr/>
+              <a:t>28</a:t>
+            </a:fld>
+            <a:endParaRPr lang="en-US"/>
+          </a:p>
+        </p:txBody>
+      </p:sp>
+    </p:spTree>
+  </p:cSld>
+  <p:clrMapOvr>
+    <a:masterClrMapping/>
+  </p:clrMapOvr>
+  <p:timing>
+    <p:tnLst>
+      <p:par>
+        <p:cTn xmlns:p14="http://schemas.microsoft.com/office/powerpoint/2010/main" id="1" dur="indefinite" restart="never" nodeType="tmRoot"/>
+      </p:par>
+    </p:tnLst>
+  </p:timing>
+</p:sld>
+</file>
+
+<file path=ppt/slides/slide29.xml><?xml version="1.0" encoding="utf-8"?>
+<p:sld xmlns:a="http://schemas.openxmlformats.org/drawingml/2006/main" xmlns:r="http://schemas.openxmlformats.org/officeDocument/2006/relationships" xmlns:p="http://schemas.openxmlformats.org/presentationml/2006/main">
+  <p:cSld>
+    <p:spTree>
+      <p:nvGrpSpPr>
+        <p:cNvPr id="1" name=""/>
+        <p:cNvGrpSpPr/>
+        <p:nvPr/>
+      </p:nvGrpSpPr>
+      <p:grpSpPr>
+        <a:xfrm>
+          <a:off x="0" y="0"/>
+          <a:ext cx="0" cy="0"/>
+          <a:chOff x="0" y="0"/>
+          <a:chExt cx="0" cy="0"/>
+        </a:xfrm>
+      </p:grpSpPr>
+      <p:sp>
+        <p:nvSpPr>
           <p:cNvPr id="286722" name="Rectangle 2"/>
           <p:cNvSpPr>
             <a:spLocks noGrp="1" noChangeArrowheads="1"/>
@@ -26931,11 +28007,7 @@
             </a:r>
             <a:r>
               <a:rPr lang="en-US" altLang="en-US" sz="2000" dirty="0" smtClean="0"/>
-              <a:t> 	</a:t>
-            </a:r>
-            <a:r>
-              <a:rPr lang="en-US" altLang="en-US" sz="2000" dirty="0" smtClean="0"/>
-              <a:t>Returns </a:t>
+              <a:t> 	Returns </a:t>
             </a:r>
             <a:r>
               <a:rPr lang="en-US" altLang="en-US" sz="2000" dirty="0"/>
@@ -27079,7 +28151,7 @@
             <a:fld id="{7B90F24A-6679-4F21-A41E-0DBEFD6DC596}" type="slidenum">
               <a:rPr lang="en-US" smtClean="0"/>
               <a:pPr/>
-              <a:t>27</a:t>
+              <a:t>29</a:t>
             </a:fld>
             <a:endParaRPr lang="en-US"/>
           </a:p>
@@ -27100,7 +28172,7 @@
 </p:sld>
 </file>
 
-<file path=ppt/slides/slide28.xml><?xml version="1.0" encoding="utf-8"?>
+<file path=ppt/slides/slide3.xml><?xml version="1.0" encoding="utf-8"?>
 <p:sld xmlns:a="http://schemas.openxmlformats.org/drawingml/2006/main" xmlns:r="http://schemas.openxmlformats.org/officeDocument/2006/relationships" xmlns:p="http://schemas.openxmlformats.org/presentationml/2006/main">
   <p:cSld>
     <p:spTree>
@@ -27119,6 +28191,130 @@
       </p:grpSpPr>
       <p:sp>
         <p:nvSpPr>
+          <p:cNvPr id="182274" name="Rectangle 2"/>
+          <p:cNvSpPr>
+            <a:spLocks noGrp="1" noChangeArrowheads="1"/>
+          </p:cNvSpPr>
+          <p:nvPr>
+            <p:ph type="title"/>
+          </p:nvPr>
+        </p:nvSpPr>
+        <p:spPr/>
+        <p:txBody>
+          <a:bodyPr/>
+          <a:lstStyle/>
+          <a:p>
+            <a:r>
+              <a:rPr lang="en-US" altLang="en-US" dirty="0"/>
+              <a:t>MPI Predefined Data Types in C</a:t>
+            </a:r>
+          </a:p>
+        </p:txBody>
+      </p:sp>
+      <p:pic>
+        <p:nvPicPr>
+          <p:cNvPr id="182276" name="Picture 4"/>
+          <p:cNvPicPr>
+            <a:picLocks noChangeAspect="1" noChangeArrowheads="1"/>
+          </p:cNvPicPr>
+          <p:nvPr/>
+        </p:nvPicPr>
+        <p:blipFill>
+          <a:blip r:embed="rId3" cstate="print"/>
+          <a:srcRect/>
+          <a:stretch>
+            <a:fillRect/>
+          </a:stretch>
+        </p:blipFill>
+        <p:spPr bwMode="auto">
+          <a:xfrm>
+            <a:off x="2209800" y="1447800"/>
+            <a:ext cx="4751388" cy="4572000"/>
+          </a:xfrm>
+          <a:prstGeom prst="rect">
+            <a:avLst/>
+          </a:prstGeom>
+          <a:noFill/>
+          <a:ln w="9525">
+            <a:noFill/>
+            <a:miter lim="800000"/>
+            <a:headEnd/>
+            <a:tailEnd/>
+          </a:ln>
+          <a:effectLst/>
+        </p:spPr>
+      </p:pic>
+      <p:sp>
+        <p:nvSpPr>
+          <p:cNvPr id="5" name="Slide Number Placeholder 4"/>
+          <p:cNvSpPr>
+            <a:spLocks noGrp="1"/>
+          </p:cNvSpPr>
+          <p:nvPr>
+            <p:ph type="sldNum" sz="quarter" idx="4294967295"/>
+          </p:nvPr>
+        </p:nvSpPr>
+        <p:spPr>
+          <a:xfrm>
+            <a:off x="1295400" y="6324600"/>
+            <a:ext cx="2133600" cy="365125"/>
+          </a:xfrm>
+          <a:prstGeom prst="rect">
+            <a:avLst/>
+          </a:prstGeom>
+        </p:spPr>
+        <p:txBody>
+          <a:bodyPr/>
+          <a:lstStyle/>
+          <a:p>
+            <a:fld id="{A2C958B0-03CE-47CA-95E6-8F86D66EDCD2}" type="slidenum">
+              <a:rPr lang="en-US" smtClean="0"/>
+              <a:pPr/>
+              <a:t>3</a:t>
+            </a:fld>
+            <a:endParaRPr lang="en-US"/>
+          </a:p>
+        </p:txBody>
+      </p:sp>
+    </p:spTree>
+    <p:extLst>
+      <p:ext uri="{BB962C8B-B14F-4D97-AF65-F5344CB8AC3E}">
+        <p14:creationId xmlns:p14="http://schemas.microsoft.com/office/powerpoint/2010/main" val="1761902101"/>
+      </p:ext>
+    </p:extLst>
+  </p:cSld>
+  <p:clrMapOvr>
+    <a:masterClrMapping/>
+  </p:clrMapOvr>
+  <p:timing>
+    <p:tnLst>
+      <p:par>
+        <p:cTn xmlns:p14="http://schemas.microsoft.com/office/powerpoint/2010/main" id="1" dur="indefinite" restart="never" nodeType="tmRoot"/>
+      </p:par>
+    </p:tnLst>
+  </p:timing>
+</p:sld>
+</file>
+
+<file path=ppt/slides/slide30.xml><?xml version="1.0" encoding="utf-8"?>
+<p:sld xmlns:a="http://schemas.openxmlformats.org/drawingml/2006/main" xmlns:r="http://schemas.openxmlformats.org/officeDocument/2006/relationships" xmlns:p="http://schemas.openxmlformats.org/presentationml/2006/main">
+  <p:cSld>
+    <p:spTree>
+      <p:nvGrpSpPr>
+        <p:cNvPr id="1" name=""/>
+        <p:cNvGrpSpPr/>
+        <p:nvPr/>
+      </p:nvGrpSpPr>
+      <p:grpSpPr>
+        <a:xfrm>
+          <a:off x="0" y="0"/>
+          <a:ext cx="0" cy="0"/>
+          <a:chOff x="0" y="0"/>
+          <a:chExt cx="0" cy="0"/>
+        </a:xfrm>
+      </p:grpSpPr>
+      <p:sp>
+        <p:nvSpPr>
           <p:cNvPr id="288770" name="Rectangle 2"/>
           <p:cNvSpPr>
             <a:spLocks noGrp="1" noChangeArrowheads="1"/>
@@ -27402,7 +28598,7 @@
             <a:fld id="{7B90F24A-6679-4F21-A41E-0DBEFD6DC596}" type="slidenum">
               <a:rPr lang="en-US" smtClean="0"/>
               <a:pPr/>
-              <a:t>28</a:t>
+              <a:t>30</a:t>
             </a:fld>
             <a:endParaRPr lang="en-US"/>
           </a:p>
@@ -27423,7 +28619,7 @@
 </p:sld>
 </file>
 
-<file path=ppt/slides/slide29.xml><?xml version="1.0" encoding="utf-8"?>
+<file path=ppt/slides/slide31.xml><?xml version="1.0" encoding="utf-8"?>
 <p:sld xmlns:a="http://schemas.openxmlformats.org/drawingml/2006/main" xmlns:r="http://schemas.openxmlformats.org/officeDocument/2006/relationships" xmlns:p="http://schemas.openxmlformats.org/presentationml/2006/main">
   <p:cSld>
     <p:spTree>
@@ -31913,131 +33109,7 @@
 </p:sld>
 </file>
 
-<file path=ppt/slides/slide3.xml><?xml version="1.0" encoding="utf-8"?>
-<p:sld xmlns:a="http://schemas.openxmlformats.org/drawingml/2006/main" xmlns:r="http://schemas.openxmlformats.org/officeDocument/2006/relationships" xmlns:p="http://schemas.openxmlformats.org/presentationml/2006/main">
-  <p:cSld>
-    <p:spTree>
-      <p:nvGrpSpPr>
-        <p:cNvPr id="1" name=""/>
-        <p:cNvGrpSpPr/>
-        <p:nvPr/>
-      </p:nvGrpSpPr>
-      <p:grpSpPr>
-        <a:xfrm>
-          <a:off x="0" y="0"/>
-          <a:ext cx="0" cy="0"/>
-          <a:chOff x="0" y="0"/>
-          <a:chExt cx="0" cy="0"/>
-        </a:xfrm>
-      </p:grpSpPr>
-      <p:sp>
-        <p:nvSpPr>
-          <p:cNvPr id="182274" name="Rectangle 2"/>
-          <p:cNvSpPr>
-            <a:spLocks noGrp="1" noChangeArrowheads="1"/>
-          </p:cNvSpPr>
-          <p:nvPr>
-            <p:ph type="title"/>
-          </p:nvPr>
-        </p:nvSpPr>
-        <p:spPr/>
-        <p:txBody>
-          <a:bodyPr/>
-          <a:lstStyle/>
-          <a:p>
-            <a:r>
-              <a:rPr lang="en-US" altLang="en-US" dirty="0"/>
-              <a:t>MPI Predefined Data Types in C</a:t>
-            </a:r>
-          </a:p>
-        </p:txBody>
-      </p:sp>
-      <p:pic>
-        <p:nvPicPr>
-          <p:cNvPr id="182276" name="Picture 4"/>
-          <p:cNvPicPr>
-            <a:picLocks noChangeAspect="1" noChangeArrowheads="1"/>
-          </p:cNvPicPr>
-          <p:nvPr/>
-        </p:nvPicPr>
-        <p:blipFill>
-          <a:blip r:embed="rId3" cstate="print"/>
-          <a:srcRect/>
-          <a:stretch>
-            <a:fillRect/>
-          </a:stretch>
-        </p:blipFill>
-        <p:spPr bwMode="auto">
-          <a:xfrm>
-            <a:off x="2209800" y="1447800"/>
-            <a:ext cx="4751388" cy="4572000"/>
-          </a:xfrm>
-          <a:prstGeom prst="rect">
-            <a:avLst/>
-          </a:prstGeom>
-          <a:noFill/>
-          <a:ln w="9525">
-            <a:noFill/>
-            <a:miter lim="800000"/>
-            <a:headEnd/>
-            <a:tailEnd/>
-          </a:ln>
-          <a:effectLst/>
-        </p:spPr>
-      </p:pic>
-      <p:sp>
-        <p:nvSpPr>
-          <p:cNvPr id="5" name="Slide Number Placeholder 4"/>
-          <p:cNvSpPr>
-            <a:spLocks noGrp="1"/>
-          </p:cNvSpPr>
-          <p:nvPr>
-            <p:ph type="sldNum" sz="quarter" idx="4294967295"/>
-          </p:nvPr>
-        </p:nvSpPr>
-        <p:spPr>
-          <a:xfrm>
-            <a:off x="1295400" y="6324600"/>
-            <a:ext cx="2133600" cy="365125"/>
-          </a:xfrm>
-          <a:prstGeom prst="rect">
-            <a:avLst/>
-          </a:prstGeom>
-        </p:spPr>
-        <p:txBody>
-          <a:bodyPr/>
-          <a:lstStyle/>
-          <a:p>
-            <a:fld id="{A2C958B0-03CE-47CA-95E6-8F86D66EDCD2}" type="slidenum">
-              <a:rPr lang="en-US" smtClean="0"/>
-              <a:pPr/>
-              <a:t>3</a:t>
-            </a:fld>
-            <a:endParaRPr lang="en-US"/>
-          </a:p>
-        </p:txBody>
-      </p:sp>
-    </p:spTree>
-    <p:extLst>
-      <p:ext uri="{BB962C8B-B14F-4D97-AF65-F5344CB8AC3E}">
-        <p14:creationId xmlns:p14="http://schemas.microsoft.com/office/powerpoint/2010/main" val="1761902101"/>
-      </p:ext>
-    </p:extLst>
-  </p:cSld>
-  <p:clrMapOvr>
-    <a:masterClrMapping/>
-  </p:clrMapOvr>
-  <p:timing>
-    <p:tnLst>
-      <p:par>
-        <p:cTn xmlns:p14="http://schemas.microsoft.com/office/powerpoint/2010/main" id="1" dur="indefinite" restart="never" nodeType="tmRoot"/>
-      </p:par>
-    </p:tnLst>
-  </p:timing>
-</p:sld>
-</file>
-
-<file path=ppt/slides/slide30.xml><?xml version="1.0" encoding="utf-8"?>
+<file path=ppt/slides/slide32.xml><?xml version="1.0" encoding="utf-8"?>
 <p:sld xmlns:a="http://schemas.openxmlformats.org/drawingml/2006/main" xmlns:r="http://schemas.openxmlformats.org/officeDocument/2006/relationships" xmlns:p="http://schemas.openxmlformats.org/presentationml/2006/main">
   <p:cSld>
     <p:spTree>
@@ -32589,7 +33661,7 @@
             <a:fld id="{7B90F24A-6679-4F21-A41E-0DBEFD6DC596}" type="slidenum">
               <a:rPr lang="en-US" smtClean="0"/>
               <a:pPr/>
-              <a:t>30</a:t>
+              <a:t>32</a:t>
             </a:fld>
             <a:endParaRPr lang="en-US"/>
           </a:p>
@@ -32610,7 +33682,7 @@
 </p:sld>
 </file>
 
-<file path=ppt/slides/slide31.xml><?xml version="1.0" encoding="utf-8"?>
+<file path=ppt/slides/slide33.xml><?xml version="1.0" encoding="utf-8"?>
 <p:sld xmlns:a="http://schemas.openxmlformats.org/drawingml/2006/main" xmlns:r="http://schemas.openxmlformats.org/officeDocument/2006/relationships" xmlns:p="http://schemas.openxmlformats.org/presentationml/2006/main">
   <p:cSld>
     <p:spTree>
@@ -37669,7 +38741,7 @@
             <a:fld id="{7B90F24A-6679-4F21-A41E-0DBEFD6DC596}" type="slidenum">
               <a:rPr lang="en-US" smtClean="0"/>
               <a:pPr/>
-              <a:t>31</a:t>
+              <a:t>33</a:t>
             </a:fld>
             <a:endParaRPr lang="en-US"/>
           </a:p>
@@ -37690,7 +38762,7 @@
 </p:sld>
 </file>
 
-<file path=ppt/slides/slide32.xml><?xml version="1.0" encoding="utf-8"?>
+<file path=ppt/slides/slide34.xml><?xml version="1.0" encoding="utf-8"?>
 <p:sld xmlns:a="http://schemas.openxmlformats.org/drawingml/2006/main" xmlns:r="http://schemas.openxmlformats.org/officeDocument/2006/relationships" xmlns:p="http://schemas.openxmlformats.org/presentationml/2006/main">
   <p:cSld>
     <p:spTree>
@@ -38707,7 +39779,7 @@
             <a:fld id="{7B90F24A-6679-4F21-A41E-0DBEFD6DC596}" type="slidenum">
               <a:rPr lang="en-US" smtClean="0"/>
               <a:pPr/>
-              <a:t>32</a:t>
+              <a:t>34</a:t>
             </a:fld>
             <a:endParaRPr lang="en-US"/>
           </a:p>
@@ -38729,7 +39801,7 @@
 </p:sld>
 </file>
 
-<file path=ppt/slides/slide33.xml><?xml version="1.0" encoding="utf-8"?>
+<file path=ppt/slides/slide35.xml><?xml version="1.0" encoding="utf-8"?>
 <p:sld xmlns:a="http://schemas.openxmlformats.org/drawingml/2006/main" xmlns:r="http://schemas.openxmlformats.org/officeDocument/2006/relationships" xmlns:p="http://schemas.openxmlformats.org/presentationml/2006/main">
   <p:cSld>
     <p:spTree>
@@ -40015,7 +41087,7 @@
             <a:fld id="{7B90F24A-6679-4F21-A41E-0DBEFD6DC596}" type="slidenum">
               <a:rPr lang="en-US" smtClean="0"/>
               <a:pPr/>
-              <a:t>33</a:t>
+              <a:t>35</a:t>
             </a:fld>
             <a:endParaRPr lang="en-US"/>
           </a:p>
@@ -40287,7 +41359,7 @@
 </p:sld>
 </file>
 
-<file path=ppt/slides/slide34.xml><?xml version="1.0" encoding="utf-8"?>
+<file path=ppt/slides/slide36.xml><?xml version="1.0" encoding="utf-8"?>
 <p:sld xmlns:a="http://schemas.openxmlformats.org/drawingml/2006/main" xmlns:r="http://schemas.openxmlformats.org/officeDocument/2006/relationships" xmlns:p="http://schemas.openxmlformats.org/presentationml/2006/main">
   <p:cSld>
     <p:spTree>
@@ -41146,7 +42218,7 @@
             <a:fld id="{7B90F24A-6679-4F21-A41E-0DBEFD6DC596}" type="slidenum">
               <a:rPr lang="en-US" smtClean="0"/>
               <a:pPr/>
-              <a:t>34</a:t>
+              <a:t>36</a:t>
             </a:fld>
             <a:endParaRPr lang="en-US"/>
           </a:p>
@@ -43931,8 +45003,13 @@
           <a:p>
             <a:r>
               <a:rPr lang="en-US" altLang="en-US" dirty="0"/>
-              <a:t>Contiguous type</a:t>
-            </a:r>
+              <a:t>Contiguous </a:t>
+            </a:r>
+            <a:r>
+              <a:rPr lang="en-US" altLang="en-US" dirty="0" smtClean="0"/>
+              <a:t>type (C)</a:t>
+            </a:r>
+            <a:endParaRPr lang="en-US" altLang="en-US" dirty="0"/>
           </a:p>
         </p:txBody>
       </p:sp>
@@ -43947,7 +45024,7 @@
         <p:spPr bwMode="auto">
           <a:xfrm>
             <a:off x="381000" y="1524000"/>
-            <a:ext cx="8534400" cy="4572000"/>
+            <a:ext cx="8153400" cy="4572000"/>
           </a:xfrm>
           <a:prstGeom prst="rect">
             <a:avLst/>
@@ -44007,10 +45084,19 @@
           <a:p>
             <a:pPr marL="742950" lvl="1" indent="-285750"/>
             <a:r>
+              <a:rPr lang="en-US" b="0" dirty="0">
+                <a:solidFill>
+                  <a:schemeClr val="tx1"/>
+                </a:solidFill>
+                <a:latin typeface="Courier New" pitchFamily="49" charset="0"/>
+              </a:rPr>
+              <a:t>double </a:t>
+            </a:r>
+            <a:r>
               <a:rPr lang="en-US" dirty="0" smtClean="0">
                 <a:latin typeface="Courier New" pitchFamily="49" charset="0"/>
               </a:rPr>
-              <a:t>real*8</a:t>
+              <a:t>a[N][N]</a:t>
             </a:r>
             <a:r>
               <a:rPr lang="en-US" b="0" dirty="0" smtClean="0">
@@ -44019,7 +45105,7 @@
                 </a:solidFill>
                 <a:latin typeface="Courier New" pitchFamily="49" charset="0"/>
               </a:rPr>
-              <a:t> a(N,N);</a:t>
+              <a:t>;</a:t>
             </a:r>
             <a:endParaRPr lang="en-US" b="0" dirty="0">
               <a:solidFill>
@@ -44031,13 +45117,22 @@
           <a:p>
             <a:pPr marL="742950" lvl="1" indent="-285750"/>
             <a:r>
+              <a:rPr lang="en-US" b="1" dirty="0" err="1" smtClean="0">
+                <a:solidFill>
+                  <a:srgbClr val="0070C0"/>
+                </a:solidFill>
+                <a:latin typeface="Courier New" pitchFamily="49" charset="0"/>
+              </a:rPr>
+              <a:t>MPI_Datatype</a:t>
+            </a:r>
+            <a:r>
               <a:rPr lang="en-US" b="1" dirty="0" smtClean="0">
                 <a:solidFill>
                   <a:srgbClr val="0070C0"/>
                 </a:solidFill>
                 <a:latin typeface="Courier New" pitchFamily="49" charset="0"/>
               </a:rPr>
-              <a:t>integer </a:t>
+              <a:t> </a:t>
             </a:r>
             <a:r>
               <a:rPr lang="en-US" b="1" dirty="0" err="1" smtClean="0">
@@ -44046,7 +45141,7 @@
                 </a:solidFill>
                 <a:latin typeface="Courier New" pitchFamily="49" charset="0"/>
               </a:rPr>
-              <a:t>col_type</a:t>
+              <a:t>row_type</a:t>
             </a:r>
             <a:r>
               <a:rPr lang="en-US" b="0" dirty="0" smtClean="0">
@@ -44061,35 +45156,62 @@
           <a:p>
             <a:pPr marL="742950" lvl="1" indent="-285750"/>
             <a:r>
+              <a:rPr lang="en-US" b="0" dirty="0" err="1" smtClean="0">
+                <a:solidFill>
+                  <a:schemeClr val="tx1"/>
+                </a:solidFill>
+                <a:latin typeface="Courier New" pitchFamily="49" charset="0"/>
+              </a:rPr>
+              <a:t>MPI_Comm</a:t>
+            </a:r>
+            <a:r>
+              <a:rPr lang="en-US" dirty="0" smtClean="0">
+                <a:latin typeface="Courier New" pitchFamily="49" charset="0"/>
+              </a:rPr>
+              <a:t> </a:t>
+            </a:r>
+            <a:r>
+              <a:rPr lang="en-US" dirty="0" err="1" smtClean="0">
+                <a:latin typeface="Courier New" pitchFamily="49" charset="0"/>
+              </a:rPr>
+              <a:t>mycomm</a:t>
+            </a:r>
+            <a:r>
+              <a:rPr lang="en-US" dirty="0" smtClean="0">
+                <a:latin typeface="Courier New" pitchFamily="49" charset="0"/>
+              </a:rPr>
+              <a:t>=MPI_COMM_WORLD;</a:t>
+            </a:r>
+          </a:p>
+          <a:p>
+            <a:pPr marL="742950" lvl="1" indent="-285750"/>
+            <a:r>
+              <a:rPr lang="en-US" b="0" dirty="0" err="1" smtClean="0">
+                <a:solidFill>
+                  <a:schemeClr val="tx1"/>
+                </a:solidFill>
+                <a:latin typeface="Courier New" pitchFamily="49" charset="0"/>
+              </a:rPr>
+              <a:t>int</a:t>
+            </a:r>
+            <a:r>
               <a:rPr lang="en-US" b="0" dirty="0" smtClean="0">
                 <a:solidFill>
                   <a:schemeClr val="tx1"/>
                 </a:solidFill>
                 <a:latin typeface="Courier New" pitchFamily="49" charset="0"/>
               </a:rPr>
-              <a:t>integer</a:t>
-            </a:r>
-            <a:r>
-              <a:rPr lang="en-US" dirty="0" smtClean="0">
-                <a:latin typeface="Courier New" pitchFamily="49" charset="0"/>
-              </a:rPr>
               <a:t> </a:t>
             </a:r>
             <a:r>
-              <a:rPr lang="en-US" dirty="0" err="1" smtClean="0">
-                <a:latin typeface="Courier New" pitchFamily="49" charset="0"/>
-              </a:rPr>
-              <a:t>mycomm</a:t>
-            </a:r>
-            <a:r>
-              <a:rPr lang="en-US" dirty="0" smtClean="0">
-                <a:latin typeface="Courier New" pitchFamily="49" charset="0"/>
-              </a:rPr>
-              <a:t>=MPI_COMM_WORLD;</a:t>
-            </a:r>
-          </a:p>
-          <a:p>
-            <a:pPr marL="742950" lvl="1" indent="-285750"/>
+              <a:rPr lang="en-US" b="0" dirty="0" err="1" smtClean="0">
+                <a:solidFill>
+                  <a:schemeClr val="tx1"/>
+                </a:solidFill>
+                <a:latin typeface="Courier New" pitchFamily="49" charset="0"/>
+              </a:rPr>
+              <a:t>irow</a:t>
+            </a:r>
             <a:r>
               <a:rPr lang="en-US" b="0" dirty="0" smtClean="0">
                 <a:solidFill>
@@ -44097,7 +45219,7 @@
                 </a:solidFill>
                 <a:latin typeface="Courier New" pitchFamily="49" charset="0"/>
               </a:rPr>
-              <a:t>integer </a:t>
+              <a:t>, </a:t>
             </a:r>
             <a:r>
               <a:rPr lang="en-US" b="0" dirty="0" err="1" smtClean="0">
@@ -44106,7 +45228,7 @@
                 </a:solidFill>
                 <a:latin typeface="Courier New" pitchFamily="49" charset="0"/>
               </a:rPr>
-              <a:t>icol</a:t>
+              <a:t>ier</a:t>
             </a:r>
             <a:r>
               <a:rPr lang="en-US" b="0" dirty="0" smtClean="0">
@@ -44139,18 +45261,30 @@
           <a:p>
             <a:pPr marL="742950" lvl="1" indent="-285750"/>
             <a:r>
-              <a:rPr lang="en-US" dirty="0" smtClean="0">
-                <a:latin typeface="Courier New" pitchFamily="49" charset="0"/>
-              </a:rPr>
-              <a:t>call </a:t>
-            </a:r>
-            <a:r>
               <a:rPr lang="en-US" b="0" dirty="0" err="1" smtClean="0">
                 <a:solidFill>
                   <a:schemeClr val="tx1"/>
                 </a:solidFill>
                 <a:latin typeface="Courier New" pitchFamily="49" charset="0"/>
               </a:rPr>
+              <a:t>ier</a:t>
+            </a:r>
+            <a:r>
+              <a:rPr lang="en-US" b="0" dirty="0" smtClean="0">
+                <a:solidFill>
+                  <a:schemeClr val="tx1"/>
+                </a:solidFill>
+                <a:latin typeface="Courier New" pitchFamily="49" charset="0"/>
+              </a:rPr>
+              <a:t>= </a:t>
+            </a:r>
+            <a:r>
+              <a:rPr lang="en-US" b="0" dirty="0" err="1" smtClean="0">
+                <a:solidFill>
+                  <a:schemeClr val="tx1"/>
+                </a:solidFill>
+                <a:latin typeface="Courier New" pitchFamily="49" charset="0"/>
+              </a:rPr>
               <a:t>MPI_</a:t>
             </a:r>
             <a:r>
@@ -44181,13 +45315,61 @@
               <a:t>, MPI_DOUBLE, </a:t>
             </a:r>
             <a:r>
+              <a:rPr lang="en-US" b="1" dirty="0" smtClean="0">
+                <a:solidFill>
+                  <a:srgbClr val="FF0000"/>
+                </a:solidFill>
+                <a:latin typeface="Courier New" pitchFamily="49" charset="0"/>
+              </a:rPr>
+              <a:t>&amp;</a:t>
+            </a:r>
+            <a:r>
+              <a:rPr lang="en-US" b="1" dirty="0" err="1" smtClean="0">
+                <a:solidFill>
+                  <a:srgbClr val="0070C0"/>
+                </a:solidFill>
+                <a:latin typeface="Courier New" pitchFamily="49" charset="0"/>
+              </a:rPr>
+              <a:t>row_type</a:t>
+            </a:r>
+            <a:r>
+              <a:rPr lang="en-US" b="0" dirty="0">
+                <a:solidFill>
+                  <a:schemeClr val="tx1"/>
+                </a:solidFill>
+                <a:latin typeface="Courier New" pitchFamily="49" charset="0"/>
+              </a:rPr>
+              <a:t>); </a:t>
+            </a:r>
+          </a:p>
+          <a:p>
+            <a:pPr marL="742950" lvl="1" indent="-285750"/>
+            <a:r>
+              <a:rPr lang="en-US" b="0" dirty="0" err="1" smtClean="0">
+                <a:solidFill>
+                  <a:schemeClr val="tx1"/>
+                </a:solidFill>
+                <a:latin typeface="Courier New" pitchFamily="49" charset="0"/>
+              </a:rPr>
+              <a:t>ier</a:t>
+            </a:r>
+            <a:r>
               <a:rPr lang="en-US" b="0" dirty="0" smtClean="0">
                 <a:solidFill>
                   <a:schemeClr val="tx1"/>
                 </a:solidFill>
                 <a:latin typeface="Courier New" pitchFamily="49" charset="0"/>
               </a:rPr>
-              <a:t> </a:t>
+              <a:t>= </a:t>
+            </a:r>
+            <a:r>
+              <a:rPr lang="en-US" b="0" dirty="0" err="1" smtClean="0">
+                <a:solidFill>
+                  <a:schemeClr val="tx1"/>
+                </a:solidFill>
+                <a:latin typeface="Courier New" pitchFamily="49" charset="0"/>
+              </a:rPr>
+              <a:t>MPI_</a:t>
             </a:r>
             <a:r>
               <a:rPr lang="en-US" b="1" dirty="0" err="1" smtClean="0">
@@ -44196,16 +45378,43 @@
                 </a:solidFill>
                 <a:latin typeface="Courier New" pitchFamily="49" charset="0"/>
               </a:rPr>
-              <a:t>col_type</a:t>
-            </a:r>
-            <a:r>
-              <a:rPr lang="en-US" dirty="0" smtClean="0">
-                <a:latin typeface="Courier New" pitchFamily="49" charset="0"/>
-              </a:rPr>
-              <a:t>, </a:t>
-            </a:r>
-            <a:r>
-              <a:rPr lang="en-US" dirty="0" err="1" smtClean="0">
+              <a:t>Type_commit</a:t>
+            </a:r>
+            <a:r>
+              <a:rPr lang="en-US" b="0" dirty="0">
+                <a:solidFill>
+                  <a:schemeClr val="tx1"/>
+                </a:solidFill>
+                <a:latin typeface="Courier New" pitchFamily="49" charset="0"/>
+              </a:rPr>
+              <a:t>(&amp;</a:t>
+            </a:r>
+            <a:r>
+              <a:rPr lang="en-US" b="1" dirty="0" err="1">
+                <a:solidFill>
+                  <a:srgbClr val="0070C0"/>
+                </a:solidFill>
+                <a:latin typeface="Courier New" pitchFamily="49" charset="0"/>
+              </a:rPr>
+              <a:t>row_type</a:t>
+            </a:r>
+            <a:r>
+              <a:rPr lang="en-US" b="0" dirty="0">
+                <a:solidFill>
+                  <a:schemeClr val="tx1"/>
+                </a:solidFill>
+                <a:latin typeface="Courier New" pitchFamily="49" charset="0"/>
+              </a:rPr>
+              <a:t>); </a:t>
+            </a:r>
+          </a:p>
+          <a:p>
+            <a:pPr marL="742950" lvl="1" indent="-285750"/>
+            <a:r>
+              <a:rPr lang="en-US" b="0" dirty="0" err="1" smtClean="0">
+                <a:solidFill>
+                  <a:schemeClr val="tx1"/>
+                </a:solidFill>
                 <a:latin typeface="Courier New" pitchFamily="49" charset="0"/>
               </a:rPr>
               <a:t>ier</a:t>
@@ -44217,7 +45426,79 @@
                 </a:solidFill>
                 <a:latin typeface="Courier New" pitchFamily="49" charset="0"/>
               </a:rPr>
-              <a:t>); </a:t>
+              <a:t>= </a:t>
+            </a:r>
+            <a:r>
+              <a:rPr lang="en-US" b="0" dirty="0" err="1" smtClean="0">
+                <a:solidFill>
+                  <a:schemeClr val="tx1"/>
+                </a:solidFill>
+                <a:latin typeface="Courier New" pitchFamily="49" charset="0"/>
+              </a:rPr>
+              <a:t>MPI_Send</a:t>
+            </a:r>
+            <a:r>
+              <a:rPr lang="en-US" b="0" dirty="0">
+                <a:solidFill>
+                  <a:schemeClr val="tx1"/>
+                </a:solidFill>
+                <a:latin typeface="Courier New" pitchFamily="49" charset="0"/>
+              </a:rPr>
+              <a:t>(</a:t>
+            </a:r>
+            <a:r>
+              <a:rPr lang="en-US" b="1" dirty="0">
+                <a:solidFill>
+                  <a:schemeClr val="tx1"/>
+                </a:solidFill>
+                <a:latin typeface="Courier New" pitchFamily="49" charset="0"/>
+              </a:rPr>
+              <a:t>&amp;a[</a:t>
+            </a:r>
+            <a:r>
+              <a:rPr lang="en-US" b="1" dirty="0" err="1">
+                <a:solidFill>
+                  <a:schemeClr val="tx1"/>
+                </a:solidFill>
+                <a:latin typeface="Courier New" pitchFamily="49" charset="0"/>
+              </a:rPr>
+              <a:t>irow</a:t>
+            </a:r>
+            <a:r>
+              <a:rPr lang="en-US" b="1" dirty="0">
+                <a:solidFill>
+                  <a:schemeClr val="tx1"/>
+                </a:solidFill>
+                <a:latin typeface="Courier New" pitchFamily="49" charset="0"/>
+              </a:rPr>
+              <a:t>][0],</a:t>
+            </a:r>
+            <a:r>
+              <a:rPr lang="en-US" b="1" dirty="0" smtClean="0">
+                <a:solidFill>
+                  <a:schemeClr val="tx1"/>
+                </a:solidFill>
+                <a:latin typeface="Courier New" pitchFamily="49" charset="0"/>
+              </a:rPr>
+              <a:t>1,</a:t>
+            </a:r>
+            <a:r>
+              <a:rPr lang="en-US" b="1" dirty="0" smtClean="0">
+                <a:solidFill>
+                  <a:srgbClr val="0070C0"/>
+                </a:solidFill>
+                <a:latin typeface="Courier New" pitchFamily="49" charset="0"/>
+              </a:rPr>
+              <a:t>row_type</a:t>
+            </a:r>
+            <a:r>
+              <a:rPr lang="en-US" b="0" dirty="0" smtClean="0">
+                <a:solidFill>
+                  <a:schemeClr val="tx1"/>
+                </a:solidFill>
+                <a:latin typeface="Courier New" pitchFamily="49" charset="0"/>
+              </a:rPr>
+              <a:t>,  1,9,mycomm);</a:t>
             </a:r>
             <a:endParaRPr lang="en-US" b="0" dirty="0">
               <a:solidFill>
@@ -44229,11 +45510,17 @@
           <a:p>
             <a:pPr marL="742950" lvl="1" indent="-285750"/>
             <a:r>
-              <a:rPr lang="en-US" dirty="0" smtClean="0">
-                <a:latin typeface="Courier New" pitchFamily="49" charset="0"/>
-              </a:rPr>
-              <a:t>call </a:t>
-            </a:r>
+              <a:rPr lang="en-US" b="0" dirty="0">
+                <a:solidFill>
+                  <a:schemeClr val="tx1"/>
+                </a:solidFill>
+                <a:latin typeface="Courier New" pitchFamily="49" charset="0"/>
+              </a:rPr>
+              <a:t>...</a:t>
+            </a:r>
+          </a:p>
+          <a:p>
+            <a:pPr marL="742950" lvl="1" indent="-285750"/>
             <a:r>
               <a:rPr lang="en-US" b="0" dirty="0" err="1" smtClean="0">
                 <a:solidFill>
@@ -44241,6 +45528,24 @@
                 </a:solidFill>
                 <a:latin typeface="Courier New" pitchFamily="49" charset="0"/>
               </a:rPr>
+              <a:t>ier</a:t>
+            </a:r>
+            <a:r>
+              <a:rPr lang="en-US" b="0" dirty="0" smtClean="0">
+                <a:solidFill>
+                  <a:schemeClr val="tx1"/>
+                </a:solidFill>
+                <a:latin typeface="Courier New" pitchFamily="49" charset="0"/>
+              </a:rPr>
+              <a:t>= </a:t>
+            </a:r>
+            <a:r>
+              <a:rPr lang="en-US" b="0" dirty="0" err="1" smtClean="0">
+                <a:solidFill>
+                  <a:schemeClr val="tx1"/>
+                </a:solidFill>
+                <a:latin typeface="Courier New" pitchFamily="49" charset="0"/>
+              </a:rPr>
               <a:t>MPI_</a:t>
             </a:r>
             <a:r>
@@ -44250,25 +45555,25 @@
                 </a:solidFill>
                 <a:latin typeface="Courier New" pitchFamily="49" charset="0"/>
               </a:rPr>
-              <a:t>Type_commit</a:t>
-            </a:r>
-            <a:r>
-              <a:rPr lang="en-US" b="0" dirty="0" smtClean="0">
-                <a:solidFill>
-                  <a:schemeClr val="tx1"/>
-                </a:solidFill>
-                <a:latin typeface="Courier New" pitchFamily="49" charset="0"/>
-              </a:rPr>
-              <a:t>( </a:t>
-            </a:r>
-            <a:r>
-              <a:rPr lang="en-US" b="1" dirty="0" err="1" smtClean="0">
+              <a:t>Type_free</a:t>
+            </a:r>
+            <a:r>
+              <a:rPr lang="en-US" b="0" dirty="0">
+                <a:solidFill>
+                  <a:schemeClr val="tx1"/>
+                </a:solidFill>
+                <a:latin typeface="Courier New" pitchFamily="49" charset="0"/>
+              </a:rPr>
+              <a:t>(&amp;</a:t>
+            </a:r>
+            <a:r>
+              <a:rPr lang="en-US" b="1" dirty="0" err="1">
                 <a:solidFill>
                   <a:srgbClr val="0070C0"/>
                 </a:solidFill>
                 <a:latin typeface="Courier New" pitchFamily="49" charset="0"/>
               </a:rPr>
-              <a:t>col_type</a:t>
+              <a:t>row_type</a:t>
             </a:r>
             <a:r>
               <a:rPr lang="en-US" b="0" dirty="0">
@@ -44277,187 +45582,10 @@
                 </a:solidFill>
                 <a:latin typeface="Courier New" pitchFamily="49" charset="0"/>
               </a:rPr>
-              <a:t>); </a:t>
-            </a:r>
-          </a:p>
-          <a:p>
-            <a:pPr marL="742950" lvl="1" indent="-285750"/>
-            <a:r>
-              <a:rPr lang="en-US" dirty="0" smtClean="0">
-                <a:latin typeface="Courier New" pitchFamily="49" charset="0"/>
-              </a:rPr>
-              <a:t>call </a:t>
-            </a:r>
-            <a:r>
-              <a:rPr lang="en-US" b="0" dirty="0" err="1" smtClean="0">
-                <a:solidFill>
-                  <a:schemeClr val="tx1"/>
-                </a:solidFill>
-                <a:latin typeface="Courier New" pitchFamily="49" charset="0"/>
-              </a:rPr>
-              <a:t>MPI_Send</a:t>
-            </a:r>
-            <a:r>
-              <a:rPr lang="en-US" b="0" dirty="0" smtClean="0">
-                <a:solidFill>
-                  <a:schemeClr val="tx1"/>
-                </a:solidFill>
-                <a:latin typeface="Courier New" pitchFamily="49" charset="0"/>
-              </a:rPr>
-              <a:t>( </a:t>
-            </a:r>
-            <a:r>
-              <a:rPr lang="en-US" b="1" dirty="0" smtClean="0">
-                <a:solidFill>
-                  <a:schemeClr val="tx1"/>
-                </a:solidFill>
-                <a:latin typeface="Courier New" pitchFamily="49" charset="0"/>
-              </a:rPr>
-              <a:t>a(1,icol</a:t>
-            </a:r>
-            <a:r>
-              <a:rPr lang="en-US" b="1" dirty="0" smtClean="0">
-                <a:latin typeface="Courier New" pitchFamily="49" charset="0"/>
-              </a:rPr>
-              <a:t>)</a:t>
-            </a:r>
-            <a:r>
-              <a:rPr lang="en-US" b="1" dirty="0" smtClean="0">
-                <a:solidFill>
-                  <a:schemeClr val="tx1"/>
-                </a:solidFill>
-                <a:latin typeface="Courier New" pitchFamily="49" charset="0"/>
-              </a:rPr>
-              <a:t>, 1,</a:t>
-            </a:r>
-            <a:r>
-              <a:rPr lang="en-US" b="1" dirty="0" smtClean="0">
-                <a:solidFill>
-                  <a:srgbClr val="0070C0"/>
-                </a:solidFill>
-                <a:latin typeface="Courier New" pitchFamily="49" charset="0"/>
-              </a:rPr>
-              <a:t>col_type</a:t>
-            </a:r>
-            <a:r>
-              <a:rPr lang="en-US" b="0" dirty="0" smtClean="0">
-                <a:solidFill>
-                  <a:schemeClr val="tx1"/>
-                </a:solidFill>
-                <a:latin typeface="Courier New" pitchFamily="49" charset="0"/>
-              </a:rPr>
-              <a:t>,  1,9,mycomm, </a:t>
-            </a:r>
-            <a:r>
-              <a:rPr lang="en-US" dirty="0" err="1" smtClean="0">
-                <a:latin typeface="Courier New" pitchFamily="49" charset="0"/>
-              </a:rPr>
-              <a:t>ier</a:t>
-            </a:r>
-            <a:r>
-              <a:rPr lang="en-US" b="0" dirty="0" smtClean="0">
-                <a:solidFill>
-                  <a:schemeClr val="tx1"/>
-                </a:solidFill>
-                <a:latin typeface="Courier New" pitchFamily="49" charset="0"/>
-              </a:rPr>
               <a:t>);</a:t>
             </a:r>
-            <a:endParaRPr lang="en-US" b="0" dirty="0">
-              <a:solidFill>
-                <a:schemeClr val="tx1"/>
-              </a:solidFill>
-              <a:latin typeface="Courier New" pitchFamily="49" charset="0"/>
-            </a:endParaRPr>
-          </a:p>
-          <a:p>
-            <a:pPr marL="742950" lvl="1" indent="-285750"/>
-            <a:r>
-              <a:rPr lang="en-US" b="0" dirty="0">
-                <a:solidFill>
-                  <a:schemeClr val="tx1"/>
-                </a:solidFill>
-                <a:latin typeface="Courier New" pitchFamily="49" charset="0"/>
-              </a:rPr>
-              <a:t>...</a:t>
-            </a:r>
-          </a:p>
-          <a:p>
-            <a:pPr marL="742950" lvl="1" indent="-285750"/>
-            <a:r>
-              <a:rPr lang="en-US" dirty="0" smtClean="0">
-                <a:latin typeface="Courier New" pitchFamily="49" charset="0"/>
-              </a:rPr>
-              <a:t>call </a:t>
-            </a:r>
-            <a:r>
-              <a:rPr lang="en-US" b="0" dirty="0" err="1" smtClean="0">
-                <a:solidFill>
-                  <a:schemeClr val="tx1"/>
-                </a:solidFill>
-                <a:latin typeface="Courier New" pitchFamily="49" charset="0"/>
-              </a:rPr>
-              <a:t>MPI_</a:t>
-            </a:r>
-            <a:r>
-              <a:rPr lang="en-US" b="1" dirty="0" err="1" smtClean="0">
-                <a:solidFill>
-                  <a:srgbClr val="0070C0"/>
-                </a:solidFill>
-                <a:latin typeface="Courier New" pitchFamily="49" charset="0"/>
-              </a:rPr>
-              <a:t>Type_free</a:t>
-            </a:r>
-            <a:r>
-              <a:rPr lang="en-US" b="0" dirty="0" smtClean="0">
-                <a:solidFill>
-                  <a:schemeClr val="tx1"/>
-                </a:solidFill>
-                <a:latin typeface="Courier New" pitchFamily="49" charset="0"/>
-              </a:rPr>
-              <a:t>(&amp;</a:t>
-            </a:r>
-            <a:r>
-              <a:rPr lang="en-US" b="1" dirty="0" err="1" smtClean="0">
-                <a:solidFill>
-                  <a:srgbClr val="0070C0"/>
-                </a:solidFill>
-                <a:latin typeface="Courier New" pitchFamily="49" charset="0"/>
-              </a:rPr>
-              <a:t>col_type</a:t>
-            </a:r>
-            <a:r>
-              <a:rPr lang="en-US" b="1" dirty="0" smtClean="0">
-                <a:solidFill>
-                  <a:srgbClr val="0070C0"/>
-                </a:solidFill>
-                <a:latin typeface="Courier New" pitchFamily="49" charset="0"/>
-              </a:rPr>
-              <a:t>,</a:t>
-            </a:r>
-            <a:r>
-              <a:rPr lang="en-US" dirty="0" smtClean="0">
-                <a:latin typeface="Courier New" pitchFamily="49" charset="0"/>
-              </a:rPr>
-              <a:t> </a:t>
-            </a:r>
-            <a:r>
-              <a:rPr lang="en-US" dirty="0" err="1" smtClean="0">
-                <a:latin typeface="Courier New" pitchFamily="49" charset="0"/>
-              </a:rPr>
-              <a:t>ier</a:t>
-            </a:r>
-            <a:r>
-              <a:rPr lang="en-US" b="0" dirty="0" smtClean="0">
-                <a:solidFill>
-                  <a:schemeClr val="tx1"/>
-                </a:solidFill>
-                <a:latin typeface="Courier New" pitchFamily="49" charset="0"/>
-              </a:rPr>
-              <a:t>);</a:t>
-            </a:r>
-            <a:r>
-              <a:rPr lang="en-US" sz="1600" dirty="0" smtClean="0">
+            <a:r>
+              <a:rPr lang="en-US" sz="1600" dirty="0">
                 <a:solidFill>
                   <a:schemeClr val="tx1"/>
                 </a:solidFill>
